--- a/4 - Idea Evaluation/Idea Evaluation Slides - Working Draft.pptx
+++ b/4 - Idea Evaluation/Idea Evaluation Slides - Working Draft.pptx
@@ -5,41 +5,36 @@
     <p:sldMasterId id="2147483648" r:id="rId1"/>
   </p:sldMasterIdLst>
   <p:notesMasterIdLst>
-    <p:notesMasterId r:id="rId34"/>
+    <p:notesMasterId r:id="rId29"/>
   </p:notesMasterIdLst>
   <p:sldIdLst>
     <p:sldId id="258" r:id="rId2"/>
     <p:sldId id="259" r:id="rId3"/>
-    <p:sldId id="260" r:id="rId4"/>
-    <p:sldId id="270" r:id="rId5"/>
-    <p:sldId id="272" r:id="rId6"/>
-    <p:sldId id="263" r:id="rId7"/>
-    <p:sldId id="273" r:id="rId8"/>
-    <p:sldId id="274" r:id="rId9"/>
-    <p:sldId id="276" r:id="rId10"/>
-    <p:sldId id="277" r:id="rId11"/>
-    <p:sldId id="278" r:id="rId12"/>
-    <p:sldId id="281" r:id="rId13"/>
-    <p:sldId id="280" r:id="rId14"/>
-    <p:sldId id="279" r:id="rId15"/>
-    <p:sldId id="282" r:id="rId16"/>
-    <p:sldId id="264" r:id="rId17"/>
-    <p:sldId id="283" r:id="rId18"/>
-    <p:sldId id="265" r:id="rId19"/>
-    <p:sldId id="288" r:id="rId20"/>
-    <p:sldId id="262" r:id="rId21"/>
-    <p:sldId id="289" r:id="rId22"/>
-    <p:sldId id="290" r:id="rId23"/>
-    <p:sldId id="266" r:id="rId24"/>
-    <p:sldId id="292" r:id="rId25"/>
-    <p:sldId id="267" r:id="rId26"/>
-    <p:sldId id="284" r:id="rId27"/>
-    <p:sldId id="287" r:id="rId28"/>
-    <p:sldId id="286" r:id="rId29"/>
-    <p:sldId id="268" r:id="rId30"/>
-    <p:sldId id="293" r:id="rId31"/>
-    <p:sldId id="261" r:id="rId32"/>
-    <p:sldId id="269" r:id="rId33"/>
+    <p:sldId id="270" r:id="rId4"/>
+    <p:sldId id="272" r:id="rId5"/>
+    <p:sldId id="273" r:id="rId6"/>
+    <p:sldId id="274" r:id="rId7"/>
+    <p:sldId id="276" r:id="rId8"/>
+    <p:sldId id="277" r:id="rId9"/>
+    <p:sldId id="278" r:id="rId10"/>
+    <p:sldId id="281" r:id="rId11"/>
+    <p:sldId id="280" r:id="rId12"/>
+    <p:sldId id="279" r:id="rId13"/>
+    <p:sldId id="282" r:id="rId14"/>
+    <p:sldId id="283" r:id="rId15"/>
+    <p:sldId id="298" r:id="rId16"/>
+    <p:sldId id="299" r:id="rId17"/>
+    <p:sldId id="290" r:id="rId18"/>
+    <p:sldId id="300" r:id="rId19"/>
+    <p:sldId id="284" r:id="rId20"/>
+    <p:sldId id="287" r:id="rId21"/>
+    <p:sldId id="286" r:id="rId22"/>
+    <p:sldId id="294" r:id="rId23"/>
+    <p:sldId id="296" r:id="rId24"/>
+    <p:sldId id="295" r:id="rId25"/>
+    <p:sldId id="301" r:id="rId26"/>
+    <p:sldId id="297" r:id="rId27"/>
+    <p:sldId id="269" r:id="rId28"/>
   </p:sldIdLst>
   <p:sldSz cx="12192000" cy="6858000"/>
   <p:notesSz cx="6858000" cy="9144000"/>
@@ -228,7 +223,7 @@
           <a:p>
             <a:fld id="{EF96ACE9-C9FC-4287-B6B2-A985566C0C1D}" type="datetimeFigureOut">
               <a:rPr lang="en-US" smtClean="0"/>
-              <a:t>9/29/2024</a:t>
+              <a:t>10/15/2024</a:t>
             </a:fld>
             <a:endParaRPr lang="en-US"/>
           </a:p>
@@ -560,91 +555,7 @@
           <a:p>
             <a:fld id="{3971591C-8B9F-454A-AEBF-720C7958788B}" type="slidenum">
               <a:rPr lang="en-US" smtClean="0"/>
-              <a:t>6</a:t>
-            </a:fld>
-            <a:endParaRPr lang="en-US"/>
-          </a:p>
-        </p:txBody>
-      </p:sp>
-    </p:spTree>
-    <p:extLst>
-      <p:ext uri="{BB962C8B-B14F-4D97-AF65-F5344CB8AC3E}">
-        <p14:creationId xmlns:p14="http://schemas.microsoft.com/office/powerpoint/2010/main" val="656494689"/>
-      </p:ext>
-    </p:extLst>
-  </p:cSld>
-  <p:clrMapOvr>
-    <a:masterClrMapping/>
-  </p:clrMapOvr>
-</p:notes>
-</file>
-
-<file path=ppt/notesSlides/notesSlide2.xml><?xml version="1.0" encoding="utf-8"?>
-<p:notes xmlns:a="http://schemas.openxmlformats.org/drawingml/2006/main" xmlns:r="http://schemas.openxmlformats.org/officeDocument/2006/relationships" xmlns:p="http://schemas.openxmlformats.org/presentationml/2006/main">
-  <p:cSld>
-    <p:spTree>
-      <p:nvGrpSpPr>
-        <p:cNvPr id="1" name=""/>
-        <p:cNvGrpSpPr/>
-        <p:nvPr/>
-      </p:nvGrpSpPr>
-      <p:grpSpPr>
-        <a:xfrm>
-          <a:off x="0" y="0"/>
-          <a:ext cx="0" cy="0"/>
-          <a:chOff x="0" y="0"/>
-          <a:chExt cx="0" cy="0"/>
-        </a:xfrm>
-      </p:grpSpPr>
-      <p:sp>
-        <p:nvSpPr>
-          <p:cNvPr id="2" name="Slide Image Placeholder 1"/>
-          <p:cNvSpPr>
-            <a:spLocks noGrp="1" noRot="1" noChangeAspect="1"/>
-          </p:cNvSpPr>
-          <p:nvPr>
-            <p:ph type="sldImg"/>
-          </p:nvPr>
-        </p:nvSpPr>
-        <p:spPr/>
-      </p:sp>
-      <p:sp>
-        <p:nvSpPr>
-          <p:cNvPr id="3" name="Notes Placeholder 2"/>
-          <p:cNvSpPr>
-            <a:spLocks noGrp="1"/>
-          </p:cNvSpPr>
-          <p:nvPr>
-            <p:ph type="body" idx="1"/>
-          </p:nvPr>
-        </p:nvSpPr>
-        <p:spPr/>
-        <p:txBody>
-          <a:bodyPr/>
-          <a:lstStyle/>
-          <a:p>
-            <a:endParaRPr lang="en-US" dirty="0"/>
-          </a:p>
-        </p:txBody>
-      </p:sp>
-      <p:sp>
-        <p:nvSpPr>
-          <p:cNvPr id="4" name="Slide Number Placeholder 3"/>
-          <p:cNvSpPr>
-            <a:spLocks noGrp="1"/>
-          </p:cNvSpPr>
-          <p:nvPr>
-            <p:ph type="sldNum" sz="quarter" idx="5"/>
-          </p:nvPr>
-        </p:nvSpPr>
-        <p:spPr/>
-        <p:txBody>
-          <a:bodyPr/>
-          <a:lstStyle/>
-          <a:p>
-            <a:fld id="{3971591C-8B9F-454A-AEBF-720C7958788B}" type="slidenum">
-              <a:rPr lang="en-US" smtClean="0"/>
-              <a:t>17</a:t>
+              <a:t>14</a:t>
             </a:fld>
             <a:endParaRPr lang="en-US"/>
           </a:p>
@@ -790,9 +701,9 @@
           <a:bodyPr/>
           <a:lstStyle/>
           <a:p>
-            <a:fld id="{0F5A5E6E-0E5C-41E1-A40C-15B94255FA15}" type="datetimeFigureOut">
+            <a:fld id="{586E079D-FA02-4D7C-A067-025B69BED90B}" type="datetime1">
               <a:rPr lang="en-US" smtClean="0"/>
-              <a:t>9/29/2024</a:t>
+              <a:t>10/15/2024</a:t>
             </a:fld>
             <a:endParaRPr lang="en-US"/>
           </a:p>
@@ -958,9 +869,9 @@
           <a:bodyPr/>
           <a:lstStyle/>
           <a:p>
-            <a:fld id="{0F5A5E6E-0E5C-41E1-A40C-15B94255FA15}" type="datetimeFigureOut">
+            <a:fld id="{6D7522E9-98FD-4107-9492-08DFF93C6D24}" type="datetime1">
               <a:rPr lang="en-US" smtClean="0"/>
-              <a:t>9/29/2024</a:t>
+              <a:t>10/15/2024</a:t>
             </a:fld>
             <a:endParaRPr lang="en-US"/>
           </a:p>
@@ -1136,9 +1047,9 @@
           <a:bodyPr/>
           <a:lstStyle/>
           <a:p>
-            <a:fld id="{0F5A5E6E-0E5C-41E1-A40C-15B94255FA15}" type="datetimeFigureOut">
+            <a:fld id="{64F554E4-DA44-4B32-87BE-D7B31E3ECA58}" type="datetime1">
               <a:rPr lang="en-US" smtClean="0"/>
-              <a:t>9/29/2024</a:t>
+              <a:t>10/15/2024</a:t>
             </a:fld>
             <a:endParaRPr lang="en-US"/>
           </a:p>
@@ -1304,9 +1215,9 @@
           <a:bodyPr/>
           <a:lstStyle/>
           <a:p>
-            <a:fld id="{0F5A5E6E-0E5C-41E1-A40C-15B94255FA15}" type="datetimeFigureOut">
+            <a:fld id="{F8F961F9-3228-4C84-B7EB-9F8A722527A0}" type="datetime1">
               <a:rPr lang="en-US" smtClean="0"/>
-              <a:t>9/29/2024</a:t>
+              <a:t>10/15/2024</a:t>
             </a:fld>
             <a:endParaRPr lang="en-US"/>
           </a:p>
@@ -1344,13 +1255,22 @@
         <p:spPr/>
         <p:txBody>
           <a:bodyPr/>
-          <a:lstStyle/>
+          <a:lstStyle>
+            <a:lvl1pPr>
+              <a:defRPr sz="1400" b="1">
+                <a:solidFill>
+                  <a:schemeClr val="tx1"/>
+                </a:solidFill>
+              </a:defRPr>
+            </a:lvl1pPr>
+          </a:lstStyle>
           <a:p>
             <a:fld id="{1790B155-6E1C-4814-99CE-AE4605F3A38C}" type="slidenum">
               <a:rPr lang="en-US" smtClean="0"/>
+              <a:pPr/>
               <a:t>‹#›</a:t>
             </a:fld>
-            <a:endParaRPr lang="en-US"/>
+            <a:endParaRPr lang="en-US" dirty="0"/>
           </a:p>
         </p:txBody>
       </p:sp>
@@ -1549,9 +1469,9 @@
           <a:bodyPr/>
           <a:lstStyle/>
           <a:p>
-            <a:fld id="{0F5A5E6E-0E5C-41E1-A40C-15B94255FA15}" type="datetimeFigureOut">
+            <a:fld id="{73A0622A-4FB7-4F38-AFAB-76F70168B3E8}" type="datetime1">
               <a:rPr lang="en-US" smtClean="0"/>
-              <a:t>9/29/2024</a:t>
+              <a:t>10/15/2024</a:t>
             </a:fld>
             <a:endParaRPr lang="en-US"/>
           </a:p>
@@ -1778,9 +1698,9 @@
           <a:bodyPr/>
           <a:lstStyle/>
           <a:p>
-            <a:fld id="{0F5A5E6E-0E5C-41E1-A40C-15B94255FA15}" type="datetimeFigureOut">
+            <a:fld id="{CC0056DD-091F-4BC0-AA2B-F6BC69D80646}" type="datetime1">
               <a:rPr lang="en-US" smtClean="0"/>
-              <a:t>9/29/2024</a:t>
+              <a:t>10/15/2024</a:t>
             </a:fld>
             <a:endParaRPr lang="en-US"/>
           </a:p>
@@ -2142,9 +2062,9 @@
           <a:bodyPr/>
           <a:lstStyle/>
           <a:p>
-            <a:fld id="{0F5A5E6E-0E5C-41E1-A40C-15B94255FA15}" type="datetimeFigureOut">
+            <a:fld id="{83585785-5EDB-4737-A101-54392E9630A0}" type="datetime1">
               <a:rPr lang="en-US" smtClean="0"/>
-              <a:t>9/29/2024</a:t>
+              <a:t>10/15/2024</a:t>
             </a:fld>
             <a:endParaRPr lang="en-US"/>
           </a:p>
@@ -2259,9 +2179,9 @@
           <a:bodyPr/>
           <a:lstStyle/>
           <a:p>
-            <a:fld id="{0F5A5E6E-0E5C-41E1-A40C-15B94255FA15}" type="datetimeFigureOut">
+            <a:fld id="{51DC2124-0584-42D9-98DF-2C781C7767AD}" type="datetime1">
               <a:rPr lang="en-US" smtClean="0"/>
-              <a:t>9/29/2024</a:t>
+              <a:t>10/15/2024</a:t>
             </a:fld>
             <a:endParaRPr lang="en-US"/>
           </a:p>
@@ -2354,9 +2274,9 @@
           <a:bodyPr/>
           <a:lstStyle/>
           <a:p>
-            <a:fld id="{0F5A5E6E-0E5C-41E1-A40C-15B94255FA15}" type="datetimeFigureOut">
+            <a:fld id="{04579D91-6D40-4365-B913-ABC87F070EFF}" type="datetime1">
               <a:rPr lang="en-US" smtClean="0"/>
-              <a:t>9/29/2024</a:t>
+              <a:t>10/15/2024</a:t>
             </a:fld>
             <a:endParaRPr lang="en-US"/>
           </a:p>
@@ -2629,9 +2549,9 @@
           <a:bodyPr/>
           <a:lstStyle/>
           <a:p>
-            <a:fld id="{0F5A5E6E-0E5C-41E1-A40C-15B94255FA15}" type="datetimeFigureOut">
+            <a:fld id="{9B030D12-A29D-4657-A570-DED5763DBAB4}" type="datetime1">
               <a:rPr lang="en-US" smtClean="0"/>
-              <a:t>9/29/2024</a:t>
+              <a:t>10/15/2024</a:t>
             </a:fld>
             <a:endParaRPr lang="en-US"/>
           </a:p>
@@ -2881,9 +2801,9 @@
           <a:bodyPr/>
           <a:lstStyle/>
           <a:p>
-            <a:fld id="{0F5A5E6E-0E5C-41E1-A40C-15B94255FA15}" type="datetimeFigureOut">
+            <a:fld id="{3521DB1F-5EC7-49FD-BD5D-D2AECE211981}" type="datetime1">
               <a:rPr lang="en-US" smtClean="0"/>
-              <a:t>9/29/2024</a:t>
+              <a:t>10/15/2024</a:t>
             </a:fld>
             <a:endParaRPr lang="en-US"/>
           </a:p>
@@ -3092,9 +3012,9 @@
             </a:lvl1pPr>
           </a:lstStyle>
           <a:p>
-            <a:fld id="{0F5A5E6E-0E5C-41E1-A40C-15B94255FA15}" type="datetimeFigureOut">
+            <a:fld id="{DCC94D58-688E-4B09-A302-FBEE63827EDE}" type="datetime1">
               <a:rPr lang="en-US" smtClean="0"/>
-              <a:t>9/29/2024</a:t>
+              <a:t>10/15/2024</a:t>
             </a:fld>
             <a:endParaRPr lang="en-US"/>
           </a:p>
@@ -3199,6 +3119,7 @@
     <p:sldLayoutId id="2147483658" r:id="rId10"/>
     <p:sldLayoutId id="2147483659" r:id="rId11"/>
   </p:sldLayoutIdLst>
+  <p:hf hdr="0" ftr="0" dt="0"/>
   <p:txStyles>
     <p:titleStyle>
       <a:lvl1pPr algn="l" defTabSz="914400" rtl="0" eaLnBrk="1" latinLnBrk="0" hangingPunct="1">
@@ -3903,6 +3824,43 @@
           </a:p>
         </p:txBody>
       </p:sp>
+      <p:sp>
+        <p:nvSpPr>
+          <p:cNvPr id="12" name="Slide Number Placeholder 11">
+            <a:extLst>
+              <a:ext uri="{FF2B5EF4-FFF2-40B4-BE49-F238E27FC236}">
+                <a16:creationId xmlns:a16="http://schemas.microsoft.com/office/drawing/2014/main" id="{77984CBB-7902-A815-01DC-7B04D778F5C2}"/>
+              </a:ext>
+            </a:extLst>
+          </p:cNvPr>
+          <p:cNvSpPr>
+            <a:spLocks noGrp="1"/>
+          </p:cNvSpPr>
+          <p:nvPr>
+            <p:ph type="sldNum" sz="quarter" idx="12"/>
+          </p:nvPr>
+        </p:nvSpPr>
+        <p:spPr/>
+        <p:txBody>
+          <a:bodyPr/>
+          <a:lstStyle/>
+          <a:p>
+            <a:fld id="{1790B155-6E1C-4814-99CE-AE4605F3A38C}" type="slidenum">
+              <a:rPr lang="en-US" sz="1400" b="1" smtClean="0">
+                <a:solidFill>
+                  <a:schemeClr val="tx1"/>
+                </a:solidFill>
+              </a:rPr>
+              <a:t>1</a:t>
+            </a:fld>
+            <a:endParaRPr lang="en-US" sz="1400" b="1" dirty="0">
+              <a:solidFill>
+                <a:schemeClr val="tx1"/>
+              </a:solidFill>
+            </a:endParaRPr>
+          </a:p>
+        </p:txBody>
+      </p:sp>
     </p:spTree>
     <p:extLst>
       <p:ext uri="{BB962C8B-B14F-4D97-AF65-F5344CB8AC3E}">
@@ -3986,7 +3944,7 @@
           </a:bodyPr>
           <a:lstStyle/>
           <a:p>
-            <a:pPr marL="0" indent="0">
+            <a:pPr marL="0" indent="0" algn="just">
               <a:buNone/>
             </a:pPr>
             <a:r>
@@ -3996,37 +3954,37 @@
             <a:endParaRPr lang="en-US" dirty="0"/>
           </a:p>
           <a:p>
-            <a:pPr>
+            <a:pPr algn="just">
               <a:buFont typeface="Arial" panose="020B0604020202020204" pitchFamily="34" charset="0"/>
               <a:buChar char="•"/>
             </a:pPr>
             <a:r>
               <a:rPr lang="en-US" dirty="0"/>
-              <a:t>Primarily focuses on physical infrastructure issues rather than broader civic engagement.</a:t>
-            </a:r>
-          </a:p>
-          <a:p>
-            <a:pPr>
+              <a:t>Focuses on long-term project-based collaboration rather than short-term problem reporting or complaint resolution.</a:t>
+            </a:r>
+          </a:p>
+          <a:p>
+            <a:pPr algn="just">
               <a:buFont typeface="Arial" panose="020B0604020202020204" pitchFamily="34" charset="0"/>
               <a:buChar char="•"/>
             </a:pPr>
             <a:r>
               <a:rPr lang="en-US" dirty="0"/>
-              <a:t>Lacks features for virtual engagement (like virtual meetup / surveys).</a:t>
-            </a:r>
-          </a:p>
-          <a:p>
-            <a:pPr>
+              <a:t>Lacks real-time features such as live tracking or updates.</a:t>
+            </a:r>
+          </a:p>
+          <a:p>
+            <a:pPr algn="just">
               <a:buFont typeface="Arial" panose="020B0604020202020204" pitchFamily="34" charset="0"/>
               <a:buChar char="•"/>
             </a:pPr>
             <a:r>
               <a:rPr lang="en-US" dirty="0"/>
-              <a:t>Limited feedback mechanisms for performance tracking</a:t>
-            </a:r>
-          </a:p>
-          <a:p>
-            <a:pPr marL="0" indent="0">
+              <a:t>No Role-Based Access Control(RBAC) or performance monitoring for local representatives.</a:t>
+            </a:r>
+          </a:p>
+          <a:p>
+            <a:pPr marL="0" indent="0" algn="just">
               <a:buNone/>
             </a:pPr>
             <a:r>
@@ -4035,24 +3993,28 @@
             </a:r>
           </a:p>
           <a:p>
+            <a:pPr algn="just"/>
             <a:r>
               <a:rPr lang="en-US" dirty="0"/>
-              <a:t>Bootstrap</a:t>
-            </a:r>
-          </a:p>
-          <a:p>
+              <a:t>Typescript</a:t>
+            </a:r>
+          </a:p>
+          <a:p>
+            <a:pPr algn="just"/>
             <a:r>
               <a:rPr lang="en-US" dirty="0"/>
-              <a:t>jQuery</a:t>
-            </a:r>
-          </a:p>
-          <a:p>
+              <a:t>Apollo JS</a:t>
+            </a:r>
+          </a:p>
+          <a:p>
+            <a:pPr algn="just"/>
             <a:r>
               <a:rPr lang="en-US" dirty="0"/>
-              <a:t>Ruby on Rails</a:t>
-            </a:r>
-          </a:p>
-          <a:p>
+              <a:t>Node JS</a:t>
+            </a:r>
+          </a:p>
+          <a:p>
+            <a:pPr algn="just"/>
             <a:r>
               <a:rPr lang="en-US" dirty="0"/>
               <a:t>Nginx</a:t>
@@ -4103,10 +4065,39 @@
           </a:fontRef>
         </p:style>
       </p:cxnSp>
+      <p:sp>
+        <p:nvSpPr>
+          <p:cNvPr id="7" name="Slide Number Placeholder 6">
+            <a:extLst>
+              <a:ext uri="{FF2B5EF4-FFF2-40B4-BE49-F238E27FC236}">
+                <a16:creationId xmlns:a16="http://schemas.microsoft.com/office/drawing/2014/main" id="{AA19FD04-3B89-C770-47B8-3EB04EC78247}"/>
+              </a:ext>
+            </a:extLst>
+          </p:cNvPr>
+          <p:cNvSpPr>
+            <a:spLocks noGrp="1"/>
+          </p:cNvSpPr>
+          <p:nvPr>
+            <p:ph type="sldNum" sz="quarter" idx="12"/>
+          </p:nvPr>
+        </p:nvSpPr>
+        <p:spPr/>
+        <p:txBody>
+          <a:bodyPr/>
+          <a:lstStyle/>
+          <a:p>
+            <a:fld id="{1790B155-6E1C-4814-99CE-AE4605F3A38C}" type="slidenum">
+              <a:rPr lang="en-US" smtClean="0"/>
+              <a:t>10</a:t>
+            </a:fld>
+            <a:endParaRPr lang="en-US"/>
+          </a:p>
+        </p:txBody>
+      </p:sp>
     </p:spTree>
     <p:extLst>
       <p:ext uri="{BB962C8B-B14F-4D97-AF65-F5344CB8AC3E}">
-        <p14:creationId xmlns:p14="http://schemas.microsoft.com/office/powerpoint/2010/main" val="4109786924"/>
+        <p14:creationId xmlns:p14="http://schemas.microsoft.com/office/powerpoint/2010/main" val="2255706877"/>
       </p:ext>
     </p:extLst>
   </p:cSld>
@@ -4190,12 +4181,16 @@
               <a:buNone/>
             </a:pPr>
             <a:r>
+              <a:rPr lang="en-US" dirty="0"/>
+              <a:t>The </a:t>
+            </a:r>
+            <a:r>
               <a:rPr lang="en-US" b="1" dirty="0"/>
-              <a:t>Neighbourland</a:t>
+              <a:t>PM Citizen Portal</a:t>
             </a:r>
             <a:r>
               <a:rPr lang="en-US" dirty="0"/>
-              <a:t> is a civic engagement tool that empowers residents to collaborate on ideas for improving public spaces and local governance.</a:t>
+              <a:t> is a government-run platform in local landscape designed for citizens to submit complaints and track their resolution by relevant departments.</a:t>
             </a:r>
           </a:p>
           <a:p>
@@ -4206,7 +4201,13 @@
               <a:rPr lang="en-US" b="1" dirty="0"/>
               <a:t>Features:</a:t>
             </a:r>
-            <a:endParaRPr lang="en-US" dirty="0"/>
+          </a:p>
+          <a:p>
+            <a:pPr algn="just"/>
+            <a:r>
+              <a:rPr lang="en-US" dirty="0"/>
+              <a:t>Provides a single point for citizens to submit complaints on various issues.</a:t>
+            </a:r>
           </a:p>
           <a:p>
             <a:pPr algn="just">
@@ -4215,7 +4216,7 @@
             </a:pPr>
             <a:r>
               <a:rPr lang="en-US" dirty="0"/>
-              <a:t>Citizens can propose and discuss ideas to improve their neighborhoods, helping to shape government projects and decisions.</a:t>
+              <a:t>Citizens can track the status of their complaints and receive updates when an issue is resolved.</a:t>
             </a:r>
           </a:p>
           <a:p>
@@ -4225,17 +4226,7 @@
             </a:pPr>
             <a:r>
               <a:rPr lang="en-US" dirty="0"/>
-              <a:t>Surveys and polls for gathering community opinions.</a:t>
-            </a:r>
-          </a:p>
-          <a:p>
-            <a:pPr algn="just">
-              <a:buFont typeface="Arial" panose="020B0604020202020204" pitchFamily="34" charset="0"/>
-              <a:buChar char="•"/>
-            </a:pPr>
-            <a:r>
-              <a:rPr lang="en-US" dirty="0"/>
-              <a:t>Focuses on community-driven projects, allowing citizens to follow the progress of initiatives they care about.</a:t>
+              <a:t>Integrated with multiple government departments for quick resolution.</a:t>
             </a:r>
           </a:p>
         </p:txBody>
@@ -4332,15 +4323,44 @@
                   <a:srgbClr val="F8981C"/>
                 </a:solidFill>
               </a:rPr>
-              <a:t>Neighbourland</a:t>
-            </a:r>
+              <a:t>PM Citizen Portal</a:t>
+            </a:r>
+          </a:p>
+        </p:txBody>
+      </p:sp>
+      <p:sp>
+        <p:nvSpPr>
+          <p:cNvPr id="8" name="Slide Number Placeholder 7">
+            <a:extLst>
+              <a:ext uri="{FF2B5EF4-FFF2-40B4-BE49-F238E27FC236}">
+                <a16:creationId xmlns:a16="http://schemas.microsoft.com/office/drawing/2014/main" id="{7C258406-36B8-3BF9-104F-C0D549521BB5}"/>
+              </a:ext>
+            </a:extLst>
+          </p:cNvPr>
+          <p:cNvSpPr>
+            <a:spLocks noGrp="1"/>
+          </p:cNvSpPr>
+          <p:nvPr>
+            <p:ph type="sldNum" sz="quarter" idx="12"/>
+          </p:nvPr>
+        </p:nvSpPr>
+        <p:spPr/>
+        <p:txBody>
+          <a:bodyPr/>
+          <a:lstStyle/>
+          <a:p>
+            <a:fld id="{1790B155-6E1C-4814-99CE-AE4605F3A38C}" type="slidenum">
+              <a:rPr lang="en-US" smtClean="0"/>
+              <a:t>11</a:t>
+            </a:fld>
+            <a:endParaRPr lang="en-US"/>
           </a:p>
         </p:txBody>
       </p:sp>
     </p:spTree>
     <p:extLst>
       <p:ext uri="{BB962C8B-B14F-4D97-AF65-F5344CB8AC3E}">
-        <p14:creationId xmlns:p14="http://schemas.microsoft.com/office/powerpoint/2010/main" val="4045273008"/>
+        <p14:creationId xmlns:p14="http://schemas.microsoft.com/office/powerpoint/2010/main" val="2550895870"/>
       </p:ext>
     </p:extLst>
   </p:cSld>
@@ -4416,11 +4436,11 @@
         </p:spPr>
         <p:txBody>
           <a:bodyPr>
-            <a:normAutofit/>
+            <a:normAutofit lnSpcReduction="10000"/>
           </a:bodyPr>
           <a:lstStyle/>
           <a:p>
-            <a:pPr marL="0" indent="0">
+            <a:pPr marL="0" indent="0" algn="just">
               <a:buNone/>
             </a:pPr>
             <a:r>
@@ -4430,37 +4450,37 @@
             <a:endParaRPr lang="en-US" dirty="0"/>
           </a:p>
           <a:p>
-            <a:pPr>
+            <a:pPr algn="just">
               <a:buFont typeface="Arial" panose="020B0604020202020204" pitchFamily="34" charset="0"/>
               <a:buChar char="•"/>
             </a:pPr>
             <a:r>
               <a:rPr lang="en-US" dirty="0"/>
-              <a:t>Focuses more on long-term project-based collaboration rather than short-term problem reporting or complaint resolution.</a:t>
-            </a:r>
-          </a:p>
-          <a:p>
-            <a:pPr>
+              <a:t>Lacks real-time notifications and transparency features like performance dashboards for representatives.</a:t>
+            </a:r>
+          </a:p>
+          <a:p>
+            <a:pPr algn="just">
               <a:buFont typeface="Arial" panose="020B0604020202020204" pitchFamily="34" charset="0"/>
               <a:buChar char="•"/>
             </a:pPr>
             <a:r>
               <a:rPr lang="en-US" dirty="0"/>
-              <a:t>Lacks real-time features such as live tracking or updates.</a:t>
-            </a:r>
-          </a:p>
-          <a:p>
-            <a:pPr>
+              <a:t>Offers basic reporting but lacks detailed analytics and customizable reports for data-driven decision-making.</a:t>
+            </a:r>
+          </a:p>
+          <a:p>
+            <a:pPr algn="just">
               <a:buFont typeface="Arial" panose="020B0604020202020204" pitchFamily="34" charset="0"/>
               <a:buChar char="•"/>
             </a:pPr>
             <a:r>
               <a:rPr lang="en-US" dirty="0"/>
-              <a:t>No Role-Based Access Control(RBAC) or performance monitoring for local representatives.</a:t>
-            </a:r>
-          </a:p>
-          <a:p>
-            <a:pPr marL="0" indent="0">
+              <a:t>Unlike more modern platforms, it does not offer virtual meetups, or survey tools to foster direct communication between citizens and representatives.</a:t>
+            </a:r>
+          </a:p>
+          <a:p>
+            <a:pPr marL="0" indent="0" algn="just">
               <a:buNone/>
             </a:pPr>
             <a:r>
@@ -4469,28 +4489,26 @@
             </a:r>
           </a:p>
           <a:p>
+            <a:pPr algn="just"/>
             <a:r>
               <a:rPr lang="en-US" dirty="0"/>
-              <a:t>Typescript</a:t>
-            </a:r>
-          </a:p>
-          <a:p>
+              <a:t>Bootstrap</a:t>
+            </a:r>
+          </a:p>
+          <a:p>
+            <a:pPr algn="just"/>
             <a:r>
               <a:rPr lang="en-US" dirty="0"/>
-              <a:t>Apollo JS</a:t>
-            </a:r>
-          </a:p>
-          <a:p>
-            <a:r>
-              <a:rPr lang="en-US" dirty="0"/>
-              <a:t>Node JS</a:t>
-            </a:r>
-          </a:p>
-          <a:p>
-            <a:r>
-              <a:rPr lang="en-US" dirty="0"/>
-              <a:t>Nginx</a:t>
-            </a:r>
+              <a:t>jQuery</a:t>
+            </a:r>
+          </a:p>
+          <a:p>
+            <a:pPr algn="just"/>
+            <a:r>
+              <a:rPr lang="en-US" dirty="0" err="1"/>
+              <a:t>php</a:t>
+            </a:r>
+            <a:endParaRPr lang="en-US" dirty="0"/>
           </a:p>
           <a:p>
             <a:pPr algn="just"/>
@@ -4537,10 +4555,39 @@
           </a:fontRef>
         </p:style>
       </p:cxnSp>
+      <p:sp>
+        <p:nvSpPr>
+          <p:cNvPr id="7" name="Slide Number Placeholder 6">
+            <a:extLst>
+              <a:ext uri="{FF2B5EF4-FFF2-40B4-BE49-F238E27FC236}">
+                <a16:creationId xmlns:a16="http://schemas.microsoft.com/office/drawing/2014/main" id="{073615AA-A641-474B-BF33-2B0382AA2E83}"/>
+              </a:ext>
+            </a:extLst>
+          </p:cNvPr>
+          <p:cNvSpPr>
+            <a:spLocks noGrp="1"/>
+          </p:cNvSpPr>
+          <p:nvPr>
+            <p:ph type="sldNum" sz="quarter" idx="12"/>
+          </p:nvPr>
+        </p:nvSpPr>
+        <p:spPr/>
+        <p:txBody>
+          <a:bodyPr/>
+          <a:lstStyle/>
+          <a:p>
+            <a:fld id="{1790B155-6E1C-4814-99CE-AE4605F3A38C}" type="slidenum">
+              <a:rPr lang="en-US" smtClean="0"/>
+              <a:t>12</a:t>
+            </a:fld>
+            <a:endParaRPr lang="en-US"/>
+          </a:p>
+        </p:txBody>
+      </p:sp>
     </p:spTree>
     <p:extLst>
       <p:ext uri="{BB962C8B-B14F-4D97-AF65-F5344CB8AC3E}">
-        <p14:creationId xmlns:p14="http://schemas.microsoft.com/office/powerpoint/2010/main" val="2255706877"/>
+        <p14:creationId xmlns:p14="http://schemas.microsoft.com/office/powerpoint/2010/main" val="436104353"/>
       </p:ext>
     </p:extLst>
   </p:cSld>
@@ -4620,46 +4667,13 @@
           </a:bodyPr>
           <a:lstStyle/>
           <a:p>
-            <a:pPr marL="0" indent="0" algn="just">
-              <a:buNone/>
-            </a:pPr>
-            <a:r>
-              <a:rPr lang="en-US" dirty="0"/>
-              <a:t>The </a:t>
-            </a:r>
-            <a:r>
-              <a:rPr lang="en-US" b="1" dirty="0"/>
-              <a:t>PM Citizen Portal</a:t>
-            </a:r>
-            <a:r>
-              <a:rPr lang="en-US" dirty="0"/>
-              <a:t> is a government-run platform in local landscape designed for citizens to submit complaints and track their resolution by relevant departments.</a:t>
-            </a:r>
-          </a:p>
-          <a:p>
-            <a:pPr marL="0" indent="0" algn="just">
-              <a:buNone/>
-            </a:pPr>
-            <a:r>
-              <a:rPr lang="en-US" b="1" dirty="0"/>
-              <a:t>Features:</a:t>
-            </a:r>
-          </a:p>
-          <a:p>
-            <a:pPr algn="just"/>
-            <a:r>
-              <a:rPr lang="en-US" dirty="0"/>
-              <a:t>Provides a single point for citizens to submit complaints on various issues.</a:t>
-            </a:r>
-          </a:p>
-          <a:p>
             <a:pPr algn="just">
               <a:buFont typeface="Arial" panose="020B0604020202020204" pitchFamily="34" charset="0"/>
               <a:buChar char="•"/>
             </a:pPr>
             <a:r>
               <a:rPr lang="en-US" dirty="0"/>
-              <a:t>Citizens can track the status of their complaints and receive updates when an issue is resolved.</a:t>
+              <a:t>While each system offers valuable civic engagement tools, none fully combine the features of real-time tracking, virtual engagement (meetups, surveys), and performance analytics.</a:t>
             </a:r>
           </a:p>
           <a:p>
@@ -4668,9 +4682,55 @@
               <a:buChar char="•"/>
             </a:pPr>
             <a:r>
+              <a:rPr lang="en-US" b="1" dirty="0"/>
+              <a:t>FixMyStreet</a:t>
+            </a:r>
+            <a:r>
               <a:rPr lang="en-US" dirty="0"/>
-              <a:t>Integrated with multiple government departments for quick resolution.</a:t>
-            </a:r>
+              <a:t> and </a:t>
+            </a:r>
+            <a:r>
+              <a:rPr lang="en-US" b="1" dirty="0"/>
+              <a:t>SeeClickFix</a:t>
+            </a:r>
+            <a:r>
+              <a:rPr lang="en-US" dirty="0"/>
+              <a:t> focus on public service infrastructure issues but miss the broader aspects of civic engagement and representative accountability.</a:t>
+            </a:r>
+          </a:p>
+          <a:p>
+            <a:pPr algn="just">
+              <a:buFont typeface="Arial" panose="020B0604020202020204" pitchFamily="34" charset="0"/>
+              <a:buChar char="•"/>
+            </a:pPr>
+            <a:r>
+              <a:rPr lang="en-US" b="1" dirty="0"/>
+              <a:t>Neighbourland</a:t>
+            </a:r>
+            <a:r>
+              <a:rPr lang="en-US" dirty="0"/>
+              <a:t> fosters long-term collaboration on public projects but lacks features for addressing immediate concerns or complaints.</a:t>
+            </a:r>
+          </a:p>
+          <a:p>
+            <a:pPr algn="just">
+              <a:buFont typeface="Arial" panose="020B0604020202020204" pitchFamily="34" charset="0"/>
+              <a:buChar char="•"/>
+            </a:pPr>
+            <a:r>
+              <a:rPr lang="en-US" b="1" dirty="0"/>
+              <a:t>PM Citizen Portal</a:t>
+            </a:r>
+            <a:r>
+              <a:rPr lang="en-US" dirty="0"/>
+              <a:t> provides a centralized complaint system but misses out on modern features like real-time updates, detailed analytics, and dynamic civic engagement tools.</a:t>
+            </a:r>
+          </a:p>
+          <a:p>
+            <a:pPr marL="0" indent="0" algn="just">
+              <a:buNone/>
+            </a:pPr>
+            <a:endParaRPr lang="en-US" dirty="0"/>
           </a:p>
         </p:txBody>
       </p:sp>
@@ -4766,15 +4826,44 @@
                   <a:srgbClr val="F8981C"/>
                 </a:solidFill>
               </a:rPr>
-              <a:t>PM Citizen Portal</a:t>
-            </a:r>
+              <a:t>Conclusion</a:t>
+            </a:r>
+          </a:p>
+        </p:txBody>
+      </p:sp>
+      <p:sp>
+        <p:nvSpPr>
+          <p:cNvPr id="8" name="Slide Number Placeholder 7">
+            <a:extLst>
+              <a:ext uri="{FF2B5EF4-FFF2-40B4-BE49-F238E27FC236}">
+                <a16:creationId xmlns:a16="http://schemas.microsoft.com/office/drawing/2014/main" id="{9279CD0A-7C3A-B98F-E785-5CD9F3BA2AF0}"/>
+              </a:ext>
+            </a:extLst>
+          </p:cNvPr>
+          <p:cNvSpPr>
+            <a:spLocks noGrp="1"/>
+          </p:cNvSpPr>
+          <p:nvPr>
+            <p:ph type="sldNum" sz="quarter" idx="12"/>
+          </p:nvPr>
+        </p:nvSpPr>
+        <p:spPr/>
+        <p:txBody>
+          <a:bodyPr/>
+          <a:lstStyle/>
+          <a:p>
+            <a:fld id="{1790B155-6E1C-4814-99CE-AE4605F3A38C}" type="slidenum">
+              <a:rPr lang="en-US" smtClean="0"/>
+              <a:t>13</a:t>
+            </a:fld>
+            <a:endParaRPr lang="en-US"/>
           </a:p>
         </p:txBody>
       </p:sp>
     </p:spTree>
     <p:extLst>
       <p:ext uri="{BB962C8B-B14F-4D97-AF65-F5344CB8AC3E}">
-        <p14:creationId xmlns:p14="http://schemas.microsoft.com/office/powerpoint/2010/main" val="2550895870"/>
+        <p14:creationId xmlns:p14="http://schemas.microsoft.com/office/powerpoint/2010/main" val="3363154380"/>
       </p:ext>
     </p:extLst>
   </p:cSld>
@@ -4827,561 +4916,6 @@
                   <a:srgbClr val="36ABF3"/>
                 </a:solidFill>
               </a:rPr>
-              <a:t>Literature Review</a:t>
-            </a:r>
-          </a:p>
-        </p:txBody>
-      </p:sp>
-      <p:sp>
-        <p:nvSpPr>
-          <p:cNvPr id="3" name="Content Placeholder 2"/>
-          <p:cNvSpPr>
-            <a:spLocks noGrp="1"/>
-          </p:cNvSpPr>
-          <p:nvPr>
-            <p:ph idx="1"/>
-          </p:nvPr>
-        </p:nvSpPr>
-        <p:spPr>
-          <a:xfrm>
-            <a:off x="929640" y="1346083"/>
-            <a:ext cx="10332720" cy="5511915"/>
-          </a:xfrm>
-        </p:spPr>
-        <p:txBody>
-          <a:bodyPr>
-            <a:normAutofit lnSpcReduction="10000"/>
-          </a:bodyPr>
-          <a:lstStyle/>
-          <a:p>
-            <a:pPr marL="0" indent="0">
-              <a:buNone/>
-            </a:pPr>
-            <a:r>
-              <a:rPr lang="en-US" b="1" dirty="0"/>
-              <a:t>Shortcomings:</a:t>
-            </a:r>
-            <a:endParaRPr lang="en-US" dirty="0"/>
-          </a:p>
-          <a:p>
-            <a:pPr>
-              <a:buFont typeface="Arial" panose="020B0604020202020204" pitchFamily="34" charset="0"/>
-              <a:buChar char="•"/>
-            </a:pPr>
-            <a:r>
-              <a:rPr lang="en-US" dirty="0"/>
-              <a:t>Lacks real-time notifications and transparency features like performance dashboards for representatives.</a:t>
-            </a:r>
-          </a:p>
-          <a:p>
-            <a:pPr>
-              <a:buFont typeface="Arial" panose="020B0604020202020204" pitchFamily="34" charset="0"/>
-              <a:buChar char="•"/>
-            </a:pPr>
-            <a:r>
-              <a:rPr lang="en-US" dirty="0"/>
-              <a:t>Offers basic reporting but lacks detailed analytics and customizable reports for data-driven decision-making.</a:t>
-            </a:r>
-          </a:p>
-          <a:p>
-            <a:pPr>
-              <a:buFont typeface="Arial" panose="020B0604020202020204" pitchFamily="34" charset="0"/>
-              <a:buChar char="•"/>
-            </a:pPr>
-            <a:r>
-              <a:rPr lang="en-US" dirty="0"/>
-              <a:t>Unlike more modern platforms, it does not offer virtual meetups, or survey tools to foster direct communication between citizens and representatives.</a:t>
-            </a:r>
-          </a:p>
-          <a:p>
-            <a:pPr marL="0" indent="0">
-              <a:buNone/>
-            </a:pPr>
-            <a:r>
-              <a:rPr lang="en-US" b="1" dirty="0"/>
-              <a:t>Technologies:</a:t>
-            </a:r>
-          </a:p>
-          <a:p>
-            <a:r>
-              <a:rPr lang="en-US" dirty="0"/>
-              <a:t>Bootstrap</a:t>
-            </a:r>
-          </a:p>
-          <a:p>
-            <a:r>
-              <a:rPr lang="en-US" dirty="0"/>
-              <a:t>jQuery</a:t>
-            </a:r>
-          </a:p>
-          <a:p>
-            <a:r>
-              <a:rPr lang="en-US" dirty="0" err="1"/>
-              <a:t>php</a:t>
-            </a:r>
-            <a:endParaRPr lang="en-US" dirty="0"/>
-          </a:p>
-          <a:p>
-            <a:pPr algn="just"/>
-            <a:endParaRPr lang="en-US" dirty="0"/>
-          </a:p>
-        </p:txBody>
-      </p:sp>
-      <p:cxnSp>
-        <p:nvCxnSpPr>
-          <p:cNvPr id="10" name="Straight Connector 9">
-            <a:extLst>
-              <a:ext uri="{FF2B5EF4-FFF2-40B4-BE49-F238E27FC236}">
-                <a16:creationId xmlns:a16="http://schemas.microsoft.com/office/drawing/2014/main" id="{5C4D56EA-8905-CAFF-FA8B-91B461D57C36}"/>
-              </a:ext>
-            </a:extLst>
-          </p:cNvPr>
-          <p:cNvCxnSpPr>
-            <a:cxnSpLocks/>
-          </p:cNvCxnSpPr>
-          <p:nvPr/>
-        </p:nvCxnSpPr>
-        <p:spPr>
-          <a:xfrm>
-            <a:off x="929640" y="1237129"/>
-            <a:ext cx="10332720" cy="0"/>
-          </a:xfrm>
-          <a:prstGeom prst="line">
-            <a:avLst/>
-          </a:prstGeom>
-          <a:ln w="28575"/>
-        </p:spPr>
-        <p:style>
-          <a:lnRef idx="3">
-            <a:schemeClr val="dk1"/>
-          </a:lnRef>
-          <a:fillRef idx="0">
-            <a:schemeClr val="dk1"/>
-          </a:fillRef>
-          <a:effectRef idx="2">
-            <a:schemeClr val="dk1"/>
-          </a:effectRef>
-          <a:fontRef idx="minor">
-            <a:schemeClr val="tx1"/>
-          </a:fontRef>
-        </p:style>
-      </p:cxnSp>
-    </p:spTree>
-    <p:extLst>
-      <p:ext uri="{BB962C8B-B14F-4D97-AF65-F5344CB8AC3E}">
-        <p14:creationId xmlns:p14="http://schemas.microsoft.com/office/powerpoint/2010/main" val="436104353"/>
-      </p:ext>
-    </p:extLst>
-  </p:cSld>
-  <p:clrMapOvr>
-    <a:masterClrMapping/>
-  </p:clrMapOvr>
-</p:sld>
-</file>
-
-<file path=ppt/slides/slide15.xml><?xml version="1.0" encoding="utf-8"?>
-<p:sld xmlns:a="http://schemas.openxmlformats.org/drawingml/2006/main" xmlns:r="http://schemas.openxmlformats.org/officeDocument/2006/relationships" xmlns:p="http://schemas.openxmlformats.org/presentationml/2006/main">
-  <p:cSld>
-    <p:spTree>
-      <p:nvGrpSpPr>
-        <p:cNvPr id="1" name=""/>
-        <p:cNvGrpSpPr/>
-        <p:nvPr/>
-      </p:nvGrpSpPr>
-      <p:grpSpPr>
-        <a:xfrm>
-          <a:off x="0" y="0"/>
-          <a:ext cx="0" cy="0"/>
-          <a:chOff x="0" y="0"/>
-          <a:chExt cx="0" cy="0"/>
-        </a:xfrm>
-      </p:grpSpPr>
-      <p:sp>
-        <p:nvSpPr>
-          <p:cNvPr id="2" name="Title 1"/>
-          <p:cNvSpPr>
-            <a:spLocks noGrp="1"/>
-          </p:cNvSpPr>
-          <p:nvPr>
-            <p:ph type="title"/>
-          </p:nvPr>
-        </p:nvSpPr>
-        <p:spPr>
-          <a:xfrm>
-            <a:off x="838200" y="365125"/>
-            <a:ext cx="10515600" cy="980959"/>
-          </a:xfrm>
-        </p:spPr>
-        <p:txBody>
-          <a:bodyPr/>
-          <a:lstStyle/>
-          <a:p>
-            <a:r>
-              <a:rPr lang="en-US" b="1" dirty="0">
-                <a:solidFill>
-                  <a:srgbClr val="36ABF3"/>
-                </a:solidFill>
-              </a:rPr>
-              <a:t>Literature Review</a:t>
-            </a:r>
-          </a:p>
-        </p:txBody>
-      </p:sp>
-      <p:sp>
-        <p:nvSpPr>
-          <p:cNvPr id="3" name="Content Placeholder 2"/>
-          <p:cNvSpPr>
-            <a:spLocks noGrp="1"/>
-          </p:cNvSpPr>
-          <p:nvPr>
-            <p:ph idx="1"/>
-          </p:nvPr>
-        </p:nvSpPr>
-        <p:spPr>
-          <a:xfrm>
-            <a:off x="929640" y="1990166"/>
-            <a:ext cx="10332720" cy="4867834"/>
-          </a:xfrm>
-        </p:spPr>
-        <p:txBody>
-          <a:bodyPr>
-            <a:normAutofit/>
-          </a:bodyPr>
-          <a:lstStyle/>
-          <a:p>
-            <a:pPr>
-              <a:buFont typeface="Arial" panose="020B0604020202020204" pitchFamily="34" charset="0"/>
-              <a:buChar char="•"/>
-            </a:pPr>
-            <a:r>
-              <a:rPr lang="en-US" dirty="0"/>
-              <a:t>While each system offers valuable civic engagement tools, none fully combine the features of real-time tracking, virtual engagement (meetups, surveys), and performance analytics.</a:t>
-            </a:r>
-          </a:p>
-          <a:p>
-            <a:pPr>
-              <a:buFont typeface="Arial" panose="020B0604020202020204" pitchFamily="34" charset="0"/>
-              <a:buChar char="•"/>
-            </a:pPr>
-            <a:r>
-              <a:rPr lang="en-US" b="1" dirty="0"/>
-              <a:t>FixMyStreet</a:t>
-            </a:r>
-            <a:r>
-              <a:rPr lang="en-US" dirty="0"/>
-              <a:t> and </a:t>
-            </a:r>
-            <a:r>
-              <a:rPr lang="en-US" b="1" dirty="0"/>
-              <a:t>SeeClickFix</a:t>
-            </a:r>
-            <a:r>
-              <a:rPr lang="en-US" dirty="0"/>
-              <a:t> focus on public service infrastructure issues but miss the broader aspects of civic engagement and representative accountability.</a:t>
-            </a:r>
-          </a:p>
-          <a:p>
-            <a:pPr>
-              <a:buFont typeface="Arial" panose="020B0604020202020204" pitchFamily="34" charset="0"/>
-              <a:buChar char="•"/>
-            </a:pPr>
-            <a:r>
-              <a:rPr lang="en-US" b="1" dirty="0"/>
-              <a:t>Neighbourland</a:t>
-            </a:r>
-            <a:r>
-              <a:rPr lang="en-US" dirty="0"/>
-              <a:t> fosters long-term collaboration on public projects but lacks features for addressing immediate concerns or complaints.</a:t>
-            </a:r>
-          </a:p>
-          <a:p>
-            <a:pPr>
-              <a:buFont typeface="Arial" panose="020B0604020202020204" pitchFamily="34" charset="0"/>
-              <a:buChar char="•"/>
-            </a:pPr>
-            <a:r>
-              <a:rPr lang="en-US" b="1" dirty="0"/>
-              <a:t>PM Citizen Portal</a:t>
-            </a:r>
-            <a:r>
-              <a:rPr lang="en-US" dirty="0"/>
-              <a:t> provides a centralized complaint system but misses out on modern features like real-time updates, detailed analytics, and dynamic civic engagement tools.</a:t>
-            </a:r>
-          </a:p>
-          <a:p>
-            <a:pPr marL="0" indent="0" algn="just">
-              <a:buNone/>
-            </a:pPr>
-            <a:endParaRPr lang="en-US" dirty="0"/>
-          </a:p>
-        </p:txBody>
-      </p:sp>
-      <p:cxnSp>
-        <p:nvCxnSpPr>
-          <p:cNvPr id="10" name="Straight Connector 9">
-            <a:extLst>
-              <a:ext uri="{FF2B5EF4-FFF2-40B4-BE49-F238E27FC236}">
-                <a16:creationId xmlns:a16="http://schemas.microsoft.com/office/drawing/2014/main" id="{5C4D56EA-8905-CAFF-FA8B-91B461D57C36}"/>
-              </a:ext>
-            </a:extLst>
-          </p:cNvPr>
-          <p:cNvCxnSpPr>
-            <a:cxnSpLocks/>
-          </p:cNvCxnSpPr>
-          <p:nvPr/>
-        </p:nvCxnSpPr>
-        <p:spPr>
-          <a:xfrm>
-            <a:off x="929640" y="1237129"/>
-            <a:ext cx="10332720" cy="0"/>
-          </a:xfrm>
-          <a:prstGeom prst="line">
-            <a:avLst/>
-          </a:prstGeom>
-          <a:ln w="28575"/>
-        </p:spPr>
-        <p:style>
-          <a:lnRef idx="3">
-            <a:schemeClr val="dk1"/>
-          </a:lnRef>
-          <a:fillRef idx="0">
-            <a:schemeClr val="dk1"/>
-          </a:fillRef>
-          <a:effectRef idx="2">
-            <a:schemeClr val="dk1"/>
-          </a:effectRef>
-          <a:fontRef idx="minor">
-            <a:schemeClr val="tx1"/>
-          </a:fontRef>
-        </p:style>
-      </p:cxnSp>
-      <p:sp>
-        <p:nvSpPr>
-          <p:cNvPr id="4" name="Title 1">
-            <a:extLst>
-              <a:ext uri="{FF2B5EF4-FFF2-40B4-BE49-F238E27FC236}">
-                <a16:creationId xmlns:a16="http://schemas.microsoft.com/office/drawing/2014/main" id="{7ED9CE21-68A5-DE6F-C9B3-F22A1957B184}"/>
-              </a:ext>
-            </a:extLst>
-          </p:cNvPr>
-          <p:cNvSpPr txBox="1">
-            <a:spLocks/>
-          </p:cNvSpPr>
-          <p:nvPr/>
-        </p:nvSpPr>
-        <p:spPr>
-          <a:xfrm>
-            <a:off x="929640" y="1150051"/>
-            <a:ext cx="10332720" cy="959083"/>
-          </a:xfrm>
-          <a:prstGeom prst="rect">
-            <a:avLst/>
-          </a:prstGeom>
-        </p:spPr>
-        <p:txBody>
-          <a:bodyPr vert="horz" lIns="91440" tIns="45720" rIns="91440" bIns="45720" rtlCol="0" anchor="ctr">
-            <a:normAutofit/>
-          </a:bodyPr>
-          <a:lstStyle>
-            <a:lvl1pPr algn="l" defTabSz="914400" rtl="0" eaLnBrk="1" latinLnBrk="0" hangingPunct="1">
-              <a:lnSpc>
-                <a:spcPct val="90000"/>
-              </a:lnSpc>
-              <a:spcBef>
-                <a:spcPct val="0"/>
-              </a:spcBef>
-              <a:buNone/>
-              <a:defRPr sz="4400" kern="1200">
-                <a:solidFill>
-                  <a:schemeClr val="tx1"/>
-                </a:solidFill>
-                <a:latin typeface="+mj-lt"/>
-                <a:ea typeface="+mj-ea"/>
-                <a:cs typeface="+mj-cs"/>
-              </a:defRPr>
-            </a:lvl1pPr>
-          </a:lstStyle>
-          <a:p>
-            <a:r>
-              <a:rPr lang="en-US" sz="3600" b="1" dirty="0">
-                <a:solidFill>
-                  <a:srgbClr val="F8981C"/>
-                </a:solidFill>
-              </a:rPr>
-              <a:t>Conclusion</a:t>
-            </a:r>
-          </a:p>
-        </p:txBody>
-      </p:sp>
-    </p:spTree>
-    <p:extLst>
-      <p:ext uri="{BB962C8B-B14F-4D97-AF65-F5344CB8AC3E}">
-        <p14:creationId xmlns:p14="http://schemas.microsoft.com/office/powerpoint/2010/main" val="3363154380"/>
-      </p:ext>
-    </p:extLst>
-  </p:cSld>
-  <p:clrMapOvr>
-    <a:masterClrMapping/>
-  </p:clrMapOvr>
-</p:sld>
-</file>
-
-<file path=ppt/slides/slide16.xml><?xml version="1.0" encoding="utf-8"?>
-<p:sld xmlns:a="http://schemas.openxmlformats.org/drawingml/2006/main" xmlns:r="http://schemas.openxmlformats.org/officeDocument/2006/relationships" xmlns:p="http://schemas.openxmlformats.org/presentationml/2006/main">
-  <p:cSld>
-    <p:spTree>
-      <p:nvGrpSpPr>
-        <p:cNvPr id="1" name=""/>
-        <p:cNvGrpSpPr/>
-        <p:nvPr/>
-      </p:nvGrpSpPr>
-      <p:grpSpPr>
-        <a:xfrm>
-          <a:off x="0" y="0"/>
-          <a:ext cx="0" cy="0"/>
-          <a:chOff x="0" y="0"/>
-          <a:chExt cx="0" cy="0"/>
-        </a:xfrm>
-      </p:grpSpPr>
-      <p:sp>
-        <p:nvSpPr>
-          <p:cNvPr id="2" name="Title 1"/>
-          <p:cNvSpPr>
-            <a:spLocks noGrp="1"/>
-          </p:cNvSpPr>
-          <p:nvPr>
-            <p:ph type="title"/>
-          </p:nvPr>
-        </p:nvSpPr>
-        <p:spPr/>
-        <p:txBody>
-          <a:bodyPr/>
-          <a:lstStyle/>
-          <a:p>
-            <a:r>
-              <a:rPr lang="en-US" b="1" dirty="0">
-                <a:solidFill>
-                  <a:schemeClr val="accent1">
-                    <a:lumMod val="75000"/>
-                  </a:schemeClr>
-                </a:solidFill>
-              </a:rPr>
-              <a:t>Benchmarking</a:t>
-            </a:r>
-          </a:p>
-        </p:txBody>
-      </p:sp>
-      <p:sp>
-        <p:nvSpPr>
-          <p:cNvPr id="3" name="Content Placeholder 2"/>
-          <p:cNvSpPr>
-            <a:spLocks noGrp="1"/>
-          </p:cNvSpPr>
-          <p:nvPr>
-            <p:ph idx="1"/>
-          </p:nvPr>
-        </p:nvSpPr>
-        <p:spPr/>
-        <p:txBody>
-          <a:bodyPr/>
-          <a:lstStyle/>
-          <a:p>
-            <a:pPr algn="just"/>
-            <a:r>
-              <a:rPr lang="en-US" dirty="0"/>
-              <a:t>Once you cover basic understanding of problem, now you will map them in the form of a </a:t>
-            </a:r>
-            <a:r>
-              <a:rPr lang="en-US" b="1" dirty="0"/>
-              <a:t>table</a:t>
-            </a:r>
-            <a:r>
-              <a:rPr lang="en-US" dirty="0"/>
-              <a:t> to narrow down your problem.</a:t>
-            </a:r>
-          </a:p>
-        </p:txBody>
-      </p:sp>
-      <p:pic>
-        <p:nvPicPr>
-          <p:cNvPr id="4" name="Picture 3"/>
-          <p:cNvPicPr>
-            <a:picLocks noChangeAspect="1"/>
-          </p:cNvPicPr>
-          <p:nvPr/>
-        </p:nvPicPr>
-        <p:blipFill>
-          <a:blip r:embed="rId2"/>
-          <a:stretch>
-            <a:fillRect/>
-          </a:stretch>
-        </p:blipFill>
-        <p:spPr>
-          <a:xfrm>
-            <a:off x="3308279" y="2978076"/>
-            <a:ext cx="6078608" cy="3492341"/>
-          </a:xfrm>
-          <a:prstGeom prst="rect">
-            <a:avLst/>
-          </a:prstGeom>
-        </p:spPr>
-      </p:pic>
-    </p:spTree>
-    <p:extLst>
-      <p:ext uri="{BB962C8B-B14F-4D97-AF65-F5344CB8AC3E}">
-        <p14:creationId xmlns:p14="http://schemas.microsoft.com/office/powerpoint/2010/main" val="1318971552"/>
-      </p:ext>
-    </p:extLst>
-  </p:cSld>
-  <p:clrMapOvr>
-    <a:masterClrMapping/>
-  </p:clrMapOvr>
-</p:sld>
-</file>
-
-<file path=ppt/slides/slide17.xml><?xml version="1.0" encoding="utf-8"?>
-<p:sld xmlns:a="http://schemas.openxmlformats.org/drawingml/2006/main" xmlns:r="http://schemas.openxmlformats.org/officeDocument/2006/relationships" xmlns:p="http://schemas.openxmlformats.org/presentationml/2006/main">
-  <p:cSld>
-    <p:spTree>
-      <p:nvGrpSpPr>
-        <p:cNvPr id="1" name=""/>
-        <p:cNvGrpSpPr/>
-        <p:nvPr/>
-      </p:nvGrpSpPr>
-      <p:grpSpPr>
-        <a:xfrm>
-          <a:off x="0" y="0"/>
-          <a:ext cx="0" cy="0"/>
-          <a:chOff x="0" y="0"/>
-          <a:chExt cx="0" cy="0"/>
-        </a:xfrm>
-      </p:grpSpPr>
-      <p:sp>
-        <p:nvSpPr>
-          <p:cNvPr id="2" name="Title 1"/>
-          <p:cNvSpPr>
-            <a:spLocks noGrp="1"/>
-          </p:cNvSpPr>
-          <p:nvPr>
-            <p:ph type="title"/>
-          </p:nvPr>
-        </p:nvSpPr>
-        <p:spPr>
-          <a:xfrm>
-            <a:off x="838200" y="365125"/>
-            <a:ext cx="10515600" cy="980959"/>
-          </a:xfrm>
-        </p:spPr>
-        <p:txBody>
-          <a:bodyPr/>
-          <a:lstStyle/>
-          <a:p>
-            <a:r>
-              <a:rPr lang="en-US" b="1" dirty="0">
-                <a:solidFill>
-                  <a:srgbClr val="36ABF3"/>
-                </a:solidFill>
-              </a:rPr>
               <a:t>Benchmarking</a:t>
             </a:r>
           </a:p>
@@ -5403,14 +4937,14 @@
             <p:ph idx="1"/>
             <p:extLst>
               <p:ext uri="{D42A27DB-BD31-4B8C-83A1-F6EECF244321}">
-                <p14:modId xmlns:p14="http://schemas.microsoft.com/office/powerpoint/2010/main" val="3394945558"/>
+                <p14:modId xmlns:p14="http://schemas.microsoft.com/office/powerpoint/2010/main" val="3928314506"/>
               </p:ext>
             </p:extLst>
           </p:nvPr>
         </p:nvGraphicFramePr>
         <p:xfrm>
-          <a:off x="929640" y="1346084"/>
-          <a:ext cx="10332720" cy="5557502"/>
+          <a:off x="929640" y="1346085"/>
+          <a:ext cx="10332720" cy="5443410"/>
         </p:xfrm>
         <a:graphic>
           <a:graphicData uri="http://schemas.openxmlformats.org/drawingml/2006/table">
@@ -5462,7 +4996,7 @@
                   </a:extLst>
                 </a:gridCol>
               </a:tblGrid>
-              <a:tr h="714224">
+              <a:tr h="690100">
                 <a:tc>
                   <a:txBody>
                     <a:bodyPr/>
@@ -5571,7 +5105,7 @@
                   </a:ext>
                 </a:extLst>
               </a:tr>
-              <a:tr h="714224">
+              <a:tr h="690100">
                 <a:tc>
                   <a:txBody>
                     <a:bodyPr/>
@@ -5662,7 +5196,7 @@
                   </a:ext>
                 </a:extLst>
               </a:tr>
-              <a:tr h="714224">
+              <a:tr h="690100">
                 <a:tc>
                   <a:txBody>
                     <a:bodyPr/>
@@ -5769,7 +5303,7 @@
                   </a:ext>
                 </a:extLst>
               </a:tr>
-              <a:tr h="655448">
+              <a:tr h="682963">
                 <a:tc>
                   <a:txBody>
                     <a:bodyPr/>
@@ -5860,7 +5394,7 @@
                   </a:ext>
                 </a:extLst>
               </a:tr>
-              <a:tr h="403692">
+              <a:tr h="390057">
                 <a:tc>
                   <a:txBody>
                     <a:bodyPr/>
@@ -5951,7 +5485,7 @@
                   </a:ext>
                 </a:extLst>
               </a:tr>
-              <a:tr h="655448">
+              <a:tr h="633309">
                 <a:tc>
                   <a:txBody>
                     <a:bodyPr/>
@@ -6042,7 +5576,7 @@
                   </a:ext>
                 </a:extLst>
               </a:tr>
-              <a:tr h="940426">
+              <a:tr h="908661">
                 <a:tc>
                   <a:txBody>
                     <a:bodyPr/>
@@ -6133,7 +5667,7 @@
                   </a:ext>
                 </a:extLst>
               </a:tr>
-              <a:tr h="714224">
+              <a:tr h="690100">
                 <a:tc>
                   <a:txBody>
                     <a:bodyPr/>
@@ -6267,6 +5801,35 @@
           </a:fontRef>
         </p:style>
       </p:cxnSp>
+      <p:sp>
+        <p:nvSpPr>
+          <p:cNvPr id="7" name="Slide Number Placeholder 6">
+            <a:extLst>
+              <a:ext uri="{FF2B5EF4-FFF2-40B4-BE49-F238E27FC236}">
+                <a16:creationId xmlns:a16="http://schemas.microsoft.com/office/drawing/2014/main" id="{D41E0C14-DD33-4637-9F60-F37A0079B59D}"/>
+              </a:ext>
+            </a:extLst>
+          </p:cNvPr>
+          <p:cNvSpPr>
+            <a:spLocks noGrp="1"/>
+          </p:cNvSpPr>
+          <p:nvPr>
+            <p:ph type="sldNum" sz="quarter" idx="12"/>
+          </p:nvPr>
+        </p:nvSpPr>
+        <p:spPr/>
+        <p:txBody>
+          <a:bodyPr/>
+          <a:lstStyle/>
+          <a:p>
+            <a:fld id="{1790B155-6E1C-4814-99CE-AE4605F3A38C}" type="slidenum">
+              <a:rPr lang="en-US" smtClean="0"/>
+              <a:t>14</a:t>
+            </a:fld>
+            <a:endParaRPr lang="en-US"/>
+          </a:p>
+        </p:txBody>
+      </p:sp>
     </p:spTree>
     <p:extLst>
       <p:ext uri="{BB962C8B-B14F-4D97-AF65-F5344CB8AC3E}">
@@ -6280,7 +5843,448 @@
 </p:sld>
 </file>
 
-<file path=ppt/slides/slide18.xml><?xml version="1.0" encoding="utf-8"?>
+<file path=ppt/slides/slide15.xml><?xml version="1.0" encoding="utf-8"?>
+<p:sld xmlns:a="http://schemas.openxmlformats.org/drawingml/2006/main" xmlns:r="http://schemas.openxmlformats.org/officeDocument/2006/relationships" xmlns:p="http://schemas.openxmlformats.org/presentationml/2006/main">
+  <p:cSld>
+    <p:spTree>
+      <p:nvGrpSpPr>
+        <p:cNvPr id="1" name="">
+          <a:extLst>
+            <a:ext uri="{FF2B5EF4-FFF2-40B4-BE49-F238E27FC236}">
+              <a16:creationId xmlns:a16="http://schemas.microsoft.com/office/drawing/2014/main" id="{10873FED-4032-EFED-0370-F2D4BEA9AC84}"/>
+            </a:ext>
+          </a:extLst>
+        </p:cNvPr>
+        <p:cNvGrpSpPr/>
+        <p:nvPr/>
+      </p:nvGrpSpPr>
+      <p:grpSpPr>
+        <a:xfrm>
+          <a:off x="0" y="0"/>
+          <a:ext cx="0" cy="0"/>
+          <a:chOff x="0" y="0"/>
+          <a:chExt cx="0" cy="0"/>
+        </a:xfrm>
+      </p:grpSpPr>
+      <p:sp>
+        <p:nvSpPr>
+          <p:cNvPr id="2" name="Title 1">
+            <a:extLst>
+              <a:ext uri="{FF2B5EF4-FFF2-40B4-BE49-F238E27FC236}">
+                <a16:creationId xmlns:a16="http://schemas.microsoft.com/office/drawing/2014/main" id="{F6B275DE-89A9-AAB2-64C1-435E11EDADF8}"/>
+              </a:ext>
+            </a:extLst>
+          </p:cNvPr>
+          <p:cNvSpPr>
+            <a:spLocks noGrp="1"/>
+          </p:cNvSpPr>
+          <p:nvPr>
+            <p:ph type="title"/>
+          </p:nvPr>
+        </p:nvSpPr>
+        <p:spPr>
+          <a:xfrm>
+            <a:off x="838200" y="365125"/>
+            <a:ext cx="10515600" cy="980959"/>
+          </a:xfrm>
+        </p:spPr>
+        <p:txBody>
+          <a:bodyPr/>
+          <a:lstStyle/>
+          <a:p>
+            <a:r>
+              <a:rPr lang="en-US" b="1" dirty="0">
+                <a:solidFill>
+                  <a:srgbClr val="36ABF3"/>
+                </a:solidFill>
+              </a:rPr>
+              <a:t>Problem Statement</a:t>
+            </a:r>
+          </a:p>
+        </p:txBody>
+      </p:sp>
+      <p:sp>
+        <p:nvSpPr>
+          <p:cNvPr id="3" name="Content Placeholder 2">
+            <a:extLst>
+              <a:ext uri="{FF2B5EF4-FFF2-40B4-BE49-F238E27FC236}">
+                <a16:creationId xmlns:a16="http://schemas.microsoft.com/office/drawing/2014/main" id="{3D4AF67F-88B2-6927-3F77-004124C834A4}"/>
+              </a:ext>
+            </a:extLst>
+          </p:cNvPr>
+          <p:cNvSpPr>
+            <a:spLocks noGrp="1"/>
+          </p:cNvSpPr>
+          <p:nvPr>
+            <p:ph idx="1"/>
+          </p:nvPr>
+        </p:nvSpPr>
+        <p:spPr>
+          <a:xfrm>
+            <a:off x="929640" y="1506072"/>
+            <a:ext cx="10332720" cy="4867834"/>
+          </a:xfrm>
+        </p:spPr>
+        <p:txBody>
+          <a:bodyPr>
+            <a:normAutofit/>
+          </a:bodyPr>
+          <a:lstStyle/>
+          <a:p>
+            <a:pPr marL="0" indent="0" algn="just">
+              <a:buNone/>
+            </a:pPr>
+            <a:r>
+              <a:rPr lang="en-US" dirty="0"/>
+              <a:t>Although various complaint management systems exist, significant gaps remain in effectively connecting constituents with their representatives. Current communication channels often lack real-time interaction, causing delays in complaint resolution and weakening civic engagement. This results in slow problem resolution, reduced accountability, and a growing disconnect between representatives and the public. Citizens struggle to file complaints, track progress, or receive timely responses, highlighting the need for a unified solution that improves communication, transparency, and governance.</a:t>
+            </a:r>
+          </a:p>
+        </p:txBody>
+      </p:sp>
+      <p:cxnSp>
+        <p:nvCxnSpPr>
+          <p:cNvPr id="10" name="Straight Connector 9">
+            <a:extLst>
+              <a:ext uri="{FF2B5EF4-FFF2-40B4-BE49-F238E27FC236}">
+                <a16:creationId xmlns:a16="http://schemas.microsoft.com/office/drawing/2014/main" id="{B07D8B8F-6CF6-89E6-E62E-72D3BA38627E}"/>
+              </a:ext>
+            </a:extLst>
+          </p:cNvPr>
+          <p:cNvCxnSpPr>
+            <a:cxnSpLocks/>
+          </p:cNvCxnSpPr>
+          <p:nvPr/>
+        </p:nvCxnSpPr>
+        <p:spPr>
+          <a:xfrm>
+            <a:off x="929640" y="1237129"/>
+            <a:ext cx="10332720" cy="0"/>
+          </a:xfrm>
+          <a:prstGeom prst="line">
+            <a:avLst/>
+          </a:prstGeom>
+          <a:ln w="28575"/>
+        </p:spPr>
+        <p:style>
+          <a:lnRef idx="3">
+            <a:schemeClr val="dk1"/>
+          </a:lnRef>
+          <a:fillRef idx="0">
+            <a:schemeClr val="dk1"/>
+          </a:fillRef>
+          <a:effectRef idx="2">
+            <a:schemeClr val="dk1"/>
+          </a:effectRef>
+          <a:fontRef idx="minor">
+            <a:schemeClr val="tx1"/>
+          </a:fontRef>
+        </p:style>
+      </p:cxnSp>
+      <p:sp>
+        <p:nvSpPr>
+          <p:cNvPr id="7" name="Slide Number Placeholder 6">
+            <a:extLst>
+              <a:ext uri="{FF2B5EF4-FFF2-40B4-BE49-F238E27FC236}">
+                <a16:creationId xmlns:a16="http://schemas.microsoft.com/office/drawing/2014/main" id="{5A72DDE3-6FF8-71AE-7876-F974FD7CBED3}"/>
+              </a:ext>
+            </a:extLst>
+          </p:cNvPr>
+          <p:cNvSpPr>
+            <a:spLocks noGrp="1"/>
+          </p:cNvSpPr>
+          <p:nvPr>
+            <p:ph type="sldNum" sz="quarter" idx="12"/>
+          </p:nvPr>
+        </p:nvSpPr>
+        <p:spPr/>
+        <p:txBody>
+          <a:bodyPr/>
+          <a:lstStyle/>
+          <a:p>
+            <a:fld id="{1790B155-6E1C-4814-99CE-AE4605F3A38C}" type="slidenum">
+              <a:rPr lang="en-US" smtClean="0"/>
+              <a:t>15</a:t>
+            </a:fld>
+            <a:endParaRPr lang="en-US"/>
+          </a:p>
+        </p:txBody>
+      </p:sp>
+    </p:spTree>
+    <p:extLst>
+      <p:ext uri="{BB962C8B-B14F-4D97-AF65-F5344CB8AC3E}">
+        <p14:creationId xmlns:p14="http://schemas.microsoft.com/office/powerpoint/2010/main" val="3837793946"/>
+      </p:ext>
+    </p:extLst>
+  </p:cSld>
+  <p:clrMapOvr>
+    <a:masterClrMapping/>
+  </p:clrMapOvr>
+</p:sld>
+</file>
+
+<file path=ppt/slides/slide16.xml><?xml version="1.0" encoding="utf-8"?>
+<p:sld xmlns:a="http://schemas.openxmlformats.org/drawingml/2006/main" xmlns:r="http://schemas.openxmlformats.org/officeDocument/2006/relationships" xmlns:p="http://schemas.openxmlformats.org/presentationml/2006/main">
+  <p:cSld>
+    <p:spTree>
+      <p:nvGrpSpPr>
+        <p:cNvPr id="1" name="">
+          <a:extLst>
+            <a:ext uri="{FF2B5EF4-FFF2-40B4-BE49-F238E27FC236}">
+              <a16:creationId xmlns:a16="http://schemas.microsoft.com/office/drawing/2014/main" id="{B75D0FA2-EB0B-8CC5-BBE9-3400724D6BE4}"/>
+            </a:ext>
+          </a:extLst>
+        </p:cNvPr>
+        <p:cNvGrpSpPr/>
+        <p:nvPr/>
+      </p:nvGrpSpPr>
+      <p:grpSpPr>
+        <a:xfrm>
+          <a:off x="0" y="0"/>
+          <a:ext cx="0" cy="0"/>
+          <a:chOff x="0" y="0"/>
+          <a:chExt cx="0" cy="0"/>
+        </a:xfrm>
+      </p:grpSpPr>
+      <p:sp>
+        <p:nvSpPr>
+          <p:cNvPr id="2" name="Title 1">
+            <a:extLst>
+              <a:ext uri="{FF2B5EF4-FFF2-40B4-BE49-F238E27FC236}">
+                <a16:creationId xmlns:a16="http://schemas.microsoft.com/office/drawing/2014/main" id="{C92804E2-0ACE-4F1C-6AC3-1D26D6187A0E}"/>
+              </a:ext>
+            </a:extLst>
+          </p:cNvPr>
+          <p:cNvSpPr>
+            <a:spLocks noGrp="1"/>
+          </p:cNvSpPr>
+          <p:nvPr>
+            <p:ph type="title"/>
+          </p:nvPr>
+        </p:nvSpPr>
+        <p:spPr>
+          <a:xfrm>
+            <a:off x="838200" y="365125"/>
+            <a:ext cx="10515600" cy="980959"/>
+          </a:xfrm>
+        </p:spPr>
+        <p:txBody>
+          <a:bodyPr/>
+          <a:lstStyle/>
+          <a:p>
+            <a:r>
+              <a:rPr lang="en-US" b="1" dirty="0">
+                <a:solidFill>
+                  <a:srgbClr val="36ABF3"/>
+                </a:solidFill>
+              </a:rPr>
+              <a:t>Proposed Solution</a:t>
+            </a:r>
+          </a:p>
+        </p:txBody>
+      </p:sp>
+      <p:sp>
+        <p:nvSpPr>
+          <p:cNvPr id="3" name="Content Placeholder 2">
+            <a:extLst>
+              <a:ext uri="{FF2B5EF4-FFF2-40B4-BE49-F238E27FC236}">
+                <a16:creationId xmlns:a16="http://schemas.microsoft.com/office/drawing/2014/main" id="{31A35F6E-32B8-CF16-3210-DB1C0B02EFF9}"/>
+              </a:ext>
+            </a:extLst>
+          </p:cNvPr>
+          <p:cNvSpPr>
+            <a:spLocks noGrp="1"/>
+          </p:cNvSpPr>
+          <p:nvPr>
+            <p:ph idx="1"/>
+          </p:nvPr>
+        </p:nvSpPr>
+        <p:spPr>
+          <a:xfrm>
+            <a:off x="929640" y="1990166"/>
+            <a:ext cx="10332720" cy="4867834"/>
+          </a:xfrm>
+        </p:spPr>
+        <p:txBody>
+          <a:bodyPr>
+            <a:normAutofit/>
+          </a:bodyPr>
+          <a:lstStyle/>
+          <a:p>
+            <a:pPr marL="0" indent="0" algn="just">
+              <a:buNone/>
+            </a:pPr>
+            <a:r>
+              <a:rPr lang="en-US" b="1" dirty="0"/>
+              <a:t>Constituency Connect </a:t>
+            </a:r>
+            <a:r>
+              <a:rPr lang="en-US" dirty="0"/>
+              <a:t>bridges communication gaps between constituents and elected representatives by:</a:t>
+            </a:r>
+          </a:p>
+          <a:p>
+            <a:pPr algn="just"/>
+            <a:r>
+              <a:rPr lang="en-US" dirty="0"/>
+              <a:t>Enabling constituents to submit complaints, track progress, and interact with representatives and departments.</a:t>
+            </a:r>
+          </a:p>
+          <a:p>
+            <a:pPr algn="just"/>
+            <a:r>
+              <a:rPr lang="en-US" dirty="0"/>
+              <a:t>Providing multiple communication channels, such as virtual meetings, surveys, and complaint tracking.</a:t>
+            </a:r>
+          </a:p>
+          <a:p>
+            <a:pPr algn="just"/>
+            <a:r>
+              <a:rPr lang="en-US" dirty="0"/>
+              <a:t>Including features like real-time notifications, performance tracking, and multi-language support.</a:t>
+            </a:r>
+          </a:p>
+        </p:txBody>
+      </p:sp>
+      <p:cxnSp>
+        <p:nvCxnSpPr>
+          <p:cNvPr id="10" name="Straight Connector 9">
+            <a:extLst>
+              <a:ext uri="{FF2B5EF4-FFF2-40B4-BE49-F238E27FC236}">
+                <a16:creationId xmlns:a16="http://schemas.microsoft.com/office/drawing/2014/main" id="{575E0633-C581-81EC-7F45-AC069A315E66}"/>
+              </a:ext>
+            </a:extLst>
+          </p:cNvPr>
+          <p:cNvCxnSpPr>
+            <a:cxnSpLocks/>
+          </p:cNvCxnSpPr>
+          <p:nvPr/>
+        </p:nvCxnSpPr>
+        <p:spPr>
+          <a:xfrm>
+            <a:off x="929640" y="1237129"/>
+            <a:ext cx="10332720" cy="0"/>
+          </a:xfrm>
+          <a:prstGeom prst="line">
+            <a:avLst/>
+          </a:prstGeom>
+          <a:ln w="28575"/>
+        </p:spPr>
+        <p:style>
+          <a:lnRef idx="3">
+            <a:schemeClr val="dk1"/>
+          </a:lnRef>
+          <a:fillRef idx="0">
+            <a:schemeClr val="dk1"/>
+          </a:fillRef>
+          <a:effectRef idx="2">
+            <a:schemeClr val="dk1"/>
+          </a:effectRef>
+          <a:fontRef idx="minor">
+            <a:schemeClr val="tx1"/>
+          </a:fontRef>
+        </p:style>
+      </p:cxnSp>
+      <p:sp>
+        <p:nvSpPr>
+          <p:cNvPr id="4" name="Title 1">
+            <a:extLst>
+              <a:ext uri="{FF2B5EF4-FFF2-40B4-BE49-F238E27FC236}">
+                <a16:creationId xmlns:a16="http://schemas.microsoft.com/office/drawing/2014/main" id="{C3795DC9-653B-3C37-82BD-524652F09B48}"/>
+              </a:ext>
+            </a:extLst>
+          </p:cNvPr>
+          <p:cNvSpPr txBox="1">
+            <a:spLocks/>
+          </p:cNvSpPr>
+          <p:nvPr/>
+        </p:nvSpPr>
+        <p:spPr>
+          <a:xfrm>
+            <a:off x="929640" y="1150051"/>
+            <a:ext cx="10332720" cy="959083"/>
+          </a:xfrm>
+          <a:prstGeom prst="rect">
+            <a:avLst/>
+          </a:prstGeom>
+        </p:spPr>
+        <p:txBody>
+          <a:bodyPr vert="horz" lIns="91440" tIns="45720" rIns="91440" bIns="45720" rtlCol="0" anchor="ctr">
+            <a:normAutofit/>
+          </a:bodyPr>
+          <a:lstStyle>
+            <a:lvl1pPr algn="l" defTabSz="914400" rtl="0" eaLnBrk="1" latinLnBrk="0" hangingPunct="1">
+              <a:lnSpc>
+                <a:spcPct val="90000"/>
+              </a:lnSpc>
+              <a:spcBef>
+                <a:spcPct val="0"/>
+              </a:spcBef>
+              <a:buNone/>
+              <a:defRPr sz="4400" kern="1200">
+                <a:solidFill>
+                  <a:schemeClr val="tx1"/>
+                </a:solidFill>
+                <a:latin typeface="+mj-lt"/>
+                <a:ea typeface="+mj-ea"/>
+                <a:cs typeface="+mj-cs"/>
+              </a:defRPr>
+            </a:lvl1pPr>
+          </a:lstStyle>
+          <a:p>
+            <a:r>
+              <a:rPr lang="en-US" sz="3600" b="1" dirty="0">
+                <a:solidFill>
+                  <a:srgbClr val="F8981C"/>
+                </a:solidFill>
+              </a:rPr>
+              <a:t>Problem Solution </a:t>
+            </a:r>
+          </a:p>
+        </p:txBody>
+      </p:sp>
+      <p:sp>
+        <p:nvSpPr>
+          <p:cNvPr id="8" name="Slide Number Placeholder 7">
+            <a:extLst>
+              <a:ext uri="{FF2B5EF4-FFF2-40B4-BE49-F238E27FC236}">
+                <a16:creationId xmlns:a16="http://schemas.microsoft.com/office/drawing/2014/main" id="{C8B0A2FE-A5A1-309C-FA65-4FB81E0BAD97}"/>
+              </a:ext>
+            </a:extLst>
+          </p:cNvPr>
+          <p:cNvSpPr>
+            <a:spLocks noGrp="1"/>
+          </p:cNvSpPr>
+          <p:nvPr>
+            <p:ph type="sldNum" sz="quarter" idx="12"/>
+          </p:nvPr>
+        </p:nvSpPr>
+        <p:spPr/>
+        <p:txBody>
+          <a:bodyPr/>
+          <a:lstStyle/>
+          <a:p>
+            <a:fld id="{1790B155-6E1C-4814-99CE-AE4605F3A38C}" type="slidenum">
+              <a:rPr lang="en-US" smtClean="0"/>
+              <a:t>16</a:t>
+            </a:fld>
+            <a:endParaRPr lang="en-US"/>
+          </a:p>
+        </p:txBody>
+      </p:sp>
+    </p:spTree>
+    <p:extLst>
+      <p:ext uri="{BB962C8B-B14F-4D97-AF65-F5344CB8AC3E}">
+        <p14:creationId xmlns:p14="http://schemas.microsoft.com/office/powerpoint/2010/main" val="1626593227"/>
+      </p:ext>
+    </p:extLst>
+  </p:cSld>
+  <p:clrMapOvr>
+    <a:masterClrMapping/>
+  </p:clrMapOvr>
+</p:sld>
+</file>
+
+<file path=ppt/slides/slide17.xml><?xml version="1.0" encoding="utf-8"?>
 <p:sld xmlns:a="http://schemas.openxmlformats.org/drawingml/2006/main" xmlns:r="http://schemas.openxmlformats.org/officeDocument/2006/relationships" xmlns:p="http://schemas.openxmlformats.org/presentationml/2006/main">
   <p:cSld>
     <p:spTree>
@@ -6307,7 +6311,12 @@
             <p:ph type="title"/>
           </p:nvPr>
         </p:nvSpPr>
-        <p:spPr/>
+        <p:spPr>
+          <a:xfrm>
+            <a:off x="838200" y="365125"/>
+            <a:ext cx="10515600" cy="980959"/>
+          </a:xfrm>
+        </p:spPr>
         <p:txBody>
           <a:bodyPr/>
           <a:lstStyle/>
@@ -6315,43 +6324,384 @@
             <a:r>
               <a:rPr lang="en-US" b="1" dirty="0">
                 <a:solidFill>
-                  <a:schemeClr val="accent1">
-                    <a:lumMod val="75000"/>
-                  </a:schemeClr>
+                  <a:srgbClr val="36ABF3"/>
                 </a:solidFill>
               </a:rPr>
-              <a:t>Problem Statement</a:t>
-            </a:r>
-          </a:p>
-        </p:txBody>
-      </p:sp>
-      <p:sp>
-        <p:nvSpPr>
-          <p:cNvPr id="3" name="Content Placeholder 2"/>
-          <p:cNvSpPr>
-            <a:spLocks noGrp="1"/>
-          </p:cNvSpPr>
+              <a:t>Proposed Solution</a:t>
+            </a:r>
+          </a:p>
+        </p:txBody>
+      </p:sp>
+      <p:cxnSp>
+        <p:nvCxnSpPr>
+          <p:cNvPr id="10" name="Straight Connector 9">
+            <a:extLst>
+              <a:ext uri="{FF2B5EF4-FFF2-40B4-BE49-F238E27FC236}">
+                <a16:creationId xmlns:a16="http://schemas.microsoft.com/office/drawing/2014/main" id="{5C4D56EA-8905-CAFF-FA8B-91B461D57C36}"/>
+              </a:ext>
+            </a:extLst>
+          </p:cNvPr>
+          <p:cNvCxnSpPr>
+            <a:cxnSpLocks/>
+          </p:cNvCxnSpPr>
+          <p:nvPr/>
+        </p:nvCxnSpPr>
+        <p:spPr>
+          <a:xfrm>
+            <a:off x="929640" y="1237129"/>
+            <a:ext cx="10332720" cy="0"/>
+          </a:xfrm>
+          <a:prstGeom prst="line">
+            <a:avLst/>
+          </a:prstGeom>
+          <a:ln w="28575"/>
+        </p:spPr>
+        <p:style>
+          <a:lnRef idx="3">
+            <a:schemeClr val="dk1"/>
+          </a:lnRef>
+          <a:fillRef idx="0">
+            <a:schemeClr val="dk1"/>
+          </a:fillRef>
+          <a:effectRef idx="2">
+            <a:schemeClr val="dk1"/>
+          </a:effectRef>
+          <a:fontRef idx="minor">
+            <a:schemeClr val="tx1"/>
+          </a:fontRef>
+        </p:style>
+      </p:cxnSp>
+      <p:sp>
+        <p:nvSpPr>
+          <p:cNvPr id="4" name="Title 1">
+            <a:extLst>
+              <a:ext uri="{FF2B5EF4-FFF2-40B4-BE49-F238E27FC236}">
+                <a16:creationId xmlns:a16="http://schemas.microsoft.com/office/drawing/2014/main" id="{7ED9CE21-68A5-DE6F-C9B3-F22A1957B184}"/>
+              </a:ext>
+            </a:extLst>
+          </p:cNvPr>
+          <p:cNvSpPr txBox="1">
+            <a:spLocks/>
+          </p:cNvSpPr>
+          <p:nvPr/>
+        </p:nvSpPr>
+        <p:spPr>
+          <a:xfrm>
+            <a:off x="929640" y="1150051"/>
+            <a:ext cx="10332720" cy="959083"/>
+          </a:xfrm>
+          <a:prstGeom prst="rect">
+            <a:avLst/>
+          </a:prstGeom>
+        </p:spPr>
+        <p:txBody>
+          <a:bodyPr vert="horz" lIns="91440" tIns="45720" rIns="91440" bIns="45720" rtlCol="0" anchor="ctr">
+            <a:normAutofit/>
+          </a:bodyPr>
+          <a:lstStyle>
+            <a:lvl1pPr algn="l" defTabSz="914400" rtl="0" eaLnBrk="1" latinLnBrk="0" hangingPunct="1">
+              <a:lnSpc>
+                <a:spcPct val="90000"/>
+              </a:lnSpc>
+              <a:spcBef>
+                <a:spcPct val="0"/>
+              </a:spcBef>
+              <a:buNone/>
+              <a:defRPr sz="4400" kern="1200">
+                <a:solidFill>
+                  <a:schemeClr val="tx1"/>
+                </a:solidFill>
+                <a:latin typeface="+mj-lt"/>
+                <a:ea typeface="+mj-ea"/>
+                <a:cs typeface="+mj-cs"/>
+              </a:defRPr>
+            </a:lvl1pPr>
+          </a:lstStyle>
+          <a:p>
+            <a:r>
+              <a:rPr lang="en-US" sz="3600" b="1" dirty="0">
+                <a:solidFill>
+                  <a:srgbClr val="F8981C"/>
+                </a:solidFill>
+              </a:rPr>
+              <a:t>Model Diagram</a:t>
+            </a:r>
+          </a:p>
+        </p:txBody>
+      </p:sp>
+      <p:sp>
+        <p:nvSpPr>
+          <p:cNvPr id="8" name="Slide Number Placeholder 7">
+            <a:extLst>
+              <a:ext uri="{FF2B5EF4-FFF2-40B4-BE49-F238E27FC236}">
+                <a16:creationId xmlns:a16="http://schemas.microsoft.com/office/drawing/2014/main" id="{8194FC28-60E3-A6DF-0D47-F0FF42DAD624}"/>
+              </a:ext>
+            </a:extLst>
+          </p:cNvPr>
+          <p:cNvSpPr>
+            <a:spLocks noGrp="1"/>
+          </p:cNvSpPr>
+          <p:nvPr>
+            <p:ph type="sldNum" sz="quarter" idx="12"/>
+          </p:nvPr>
+        </p:nvSpPr>
+        <p:spPr/>
+        <p:txBody>
+          <a:bodyPr/>
+          <a:lstStyle/>
+          <a:p>
+            <a:fld id="{1790B155-6E1C-4814-99CE-AE4605F3A38C}" type="slidenum">
+              <a:rPr lang="en-US" smtClean="0"/>
+              <a:t>17</a:t>
+            </a:fld>
+            <a:endParaRPr lang="en-US"/>
+          </a:p>
+        </p:txBody>
+      </p:sp>
+      <p:pic>
+        <p:nvPicPr>
+          <p:cNvPr id="18" name="Content Placeholder 17" descr="A diagram of a computer network&#10;&#10;Description automatically generated with medium confidence">
+            <a:extLst>
+              <a:ext uri="{FF2B5EF4-FFF2-40B4-BE49-F238E27FC236}">
+                <a16:creationId xmlns:a16="http://schemas.microsoft.com/office/drawing/2014/main" id="{2FE7A426-587F-6813-4B77-0A1222709939}"/>
+              </a:ext>
+            </a:extLst>
+          </p:cNvPr>
+          <p:cNvPicPr>
+            <a:picLocks noGrp="1" noChangeAspect="1"/>
+          </p:cNvPicPr>
           <p:nvPr>
             <p:ph idx="1"/>
           </p:nvPr>
-        </p:nvSpPr>
-        <p:spPr/>
-        <p:txBody>
-          <a:bodyPr/>
-          <a:lstStyle/>
-          <a:p>
-            <a:pPr algn="just"/>
-            <a:r>
-              <a:rPr lang="en-US" dirty="0"/>
-              <a:t>Define your problem in one paragraph keep in mind your literature review limitations and the gaps identified in the benchmarking table.</a:t>
-            </a:r>
-          </a:p>
-        </p:txBody>
-      </p:sp>
+        </p:nvPicPr>
+        <p:blipFill>
+          <a:blip r:embed="rId2">
+            <a:extLst>
+              <a:ext uri="{28A0092B-C50C-407E-A947-70E740481C1C}">
+                <a14:useLocalDpi xmlns:a14="http://schemas.microsoft.com/office/drawing/2010/main" val="0"/>
+              </a:ext>
+            </a:extLst>
+          </a:blip>
+          <a:stretch>
+            <a:fillRect/>
+          </a:stretch>
+        </p:blipFill>
+        <p:spPr>
+          <a:xfrm>
+            <a:off x="3345413" y="1825625"/>
+            <a:ext cx="5501173" cy="4351338"/>
+          </a:xfrm>
+        </p:spPr>
+      </p:pic>
     </p:spTree>
     <p:extLst>
       <p:ext uri="{BB962C8B-B14F-4D97-AF65-F5344CB8AC3E}">
-        <p14:creationId xmlns:p14="http://schemas.microsoft.com/office/powerpoint/2010/main" val="2109580635"/>
+        <p14:creationId xmlns:p14="http://schemas.microsoft.com/office/powerpoint/2010/main" val="3619705979"/>
+      </p:ext>
+    </p:extLst>
+  </p:cSld>
+  <p:clrMapOvr>
+    <a:masterClrMapping/>
+  </p:clrMapOvr>
+</p:sld>
+</file>
+
+<file path=ppt/slides/slide18.xml><?xml version="1.0" encoding="utf-8"?>
+<p:sld xmlns:a="http://schemas.openxmlformats.org/drawingml/2006/main" xmlns:r="http://schemas.openxmlformats.org/officeDocument/2006/relationships" xmlns:p="http://schemas.openxmlformats.org/presentationml/2006/main">
+  <p:cSld>
+    <p:spTree>
+      <p:nvGrpSpPr>
+        <p:cNvPr id="1" name="">
+          <a:extLst>
+            <a:ext uri="{FF2B5EF4-FFF2-40B4-BE49-F238E27FC236}">
+              <a16:creationId xmlns:a16="http://schemas.microsoft.com/office/drawing/2014/main" id="{1D6EC1B0-EF2B-6606-9D22-204D78FC1979}"/>
+            </a:ext>
+          </a:extLst>
+        </p:cNvPr>
+        <p:cNvGrpSpPr/>
+        <p:nvPr/>
+      </p:nvGrpSpPr>
+      <p:grpSpPr>
+        <a:xfrm>
+          <a:off x="0" y="0"/>
+          <a:ext cx="0" cy="0"/>
+          <a:chOff x="0" y="0"/>
+          <a:chExt cx="0" cy="0"/>
+        </a:xfrm>
+      </p:grpSpPr>
+      <p:sp>
+        <p:nvSpPr>
+          <p:cNvPr id="2" name="Title 1">
+            <a:extLst>
+              <a:ext uri="{FF2B5EF4-FFF2-40B4-BE49-F238E27FC236}">
+                <a16:creationId xmlns:a16="http://schemas.microsoft.com/office/drawing/2014/main" id="{CC30865F-7ED9-7624-E4DC-1F17B8B49AEA}"/>
+              </a:ext>
+            </a:extLst>
+          </p:cNvPr>
+          <p:cNvSpPr>
+            <a:spLocks noGrp="1"/>
+          </p:cNvSpPr>
+          <p:nvPr>
+            <p:ph type="title"/>
+          </p:nvPr>
+        </p:nvSpPr>
+        <p:spPr>
+          <a:xfrm>
+            <a:off x="838200" y="365125"/>
+            <a:ext cx="10515600" cy="980959"/>
+          </a:xfrm>
+        </p:spPr>
+        <p:txBody>
+          <a:bodyPr/>
+          <a:lstStyle/>
+          <a:p>
+            <a:r>
+              <a:rPr lang="en-US" b="1" dirty="0">
+                <a:solidFill>
+                  <a:srgbClr val="36ABF3"/>
+                </a:solidFill>
+              </a:rPr>
+              <a:t>Scope</a:t>
+            </a:r>
+          </a:p>
+        </p:txBody>
+      </p:sp>
+      <p:sp>
+        <p:nvSpPr>
+          <p:cNvPr id="3" name="Content Placeholder 2">
+            <a:extLst>
+              <a:ext uri="{FF2B5EF4-FFF2-40B4-BE49-F238E27FC236}">
+                <a16:creationId xmlns:a16="http://schemas.microsoft.com/office/drawing/2014/main" id="{5D1F7654-D9C1-6818-7B23-FEAC477CEF7A}"/>
+              </a:ext>
+            </a:extLst>
+          </p:cNvPr>
+          <p:cNvSpPr>
+            <a:spLocks noGrp="1"/>
+          </p:cNvSpPr>
+          <p:nvPr>
+            <p:ph idx="1"/>
+          </p:nvPr>
+        </p:nvSpPr>
+        <p:spPr>
+          <a:xfrm>
+            <a:off x="929640" y="1506072"/>
+            <a:ext cx="10332720" cy="4867834"/>
+          </a:xfrm>
+        </p:spPr>
+        <p:txBody>
+          <a:bodyPr>
+            <a:normAutofit/>
+          </a:bodyPr>
+          <a:lstStyle/>
+          <a:p>
+            <a:pPr algn="just"/>
+            <a:r>
+              <a:rPr lang="en-US" dirty="0"/>
+              <a:t>Focus on complaint submission, tracking, and resolution.</a:t>
+            </a:r>
+          </a:p>
+          <a:p>
+            <a:pPr algn="just"/>
+            <a:r>
+              <a:rPr lang="en-US" dirty="0"/>
+              <a:t>Supports virtual meetups and performance monitoring of representatives.</a:t>
+            </a:r>
+          </a:p>
+          <a:p>
+            <a:pPr algn="just"/>
+            <a:r>
+              <a:rPr lang="en-US" dirty="0"/>
+              <a:t>Caters to multiple user roles: constituents, representatives, assistants, and department officials.</a:t>
+            </a:r>
+          </a:p>
+          <a:p>
+            <a:pPr algn="just"/>
+            <a:r>
+              <a:rPr lang="en-US" dirty="0"/>
+              <a:t>Provides a bilingual interface (English and Urdu).</a:t>
+            </a:r>
+          </a:p>
+          <a:p>
+            <a:pPr algn="just"/>
+            <a:r>
+              <a:rPr lang="en-US" dirty="0"/>
+              <a:t>Excludes features like external application integration and general-purpose community forums.</a:t>
+            </a:r>
+          </a:p>
+        </p:txBody>
+      </p:sp>
+      <p:cxnSp>
+        <p:nvCxnSpPr>
+          <p:cNvPr id="10" name="Straight Connector 9">
+            <a:extLst>
+              <a:ext uri="{FF2B5EF4-FFF2-40B4-BE49-F238E27FC236}">
+                <a16:creationId xmlns:a16="http://schemas.microsoft.com/office/drawing/2014/main" id="{0E9E835C-0C22-4CE6-2F21-0EF03C06353F}"/>
+              </a:ext>
+            </a:extLst>
+          </p:cNvPr>
+          <p:cNvCxnSpPr>
+            <a:cxnSpLocks/>
+          </p:cNvCxnSpPr>
+          <p:nvPr/>
+        </p:nvCxnSpPr>
+        <p:spPr>
+          <a:xfrm>
+            <a:off x="929640" y="1237129"/>
+            <a:ext cx="10332720" cy="0"/>
+          </a:xfrm>
+          <a:prstGeom prst="line">
+            <a:avLst/>
+          </a:prstGeom>
+          <a:ln w="28575"/>
+        </p:spPr>
+        <p:style>
+          <a:lnRef idx="3">
+            <a:schemeClr val="dk1"/>
+          </a:lnRef>
+          <a:fillRef idx="0">
+            <a:schemeClr val="dk1"/>
+          </a:fillRef>
+          <a:effectRef idx="2">
+            <a:schemeClr val="dk1"/>
+          </a:effectRef>
+          <a:fontRef idx="minor">
+            <a:schemeClr val="tx1"/>
+          </a:fontRef>
+        </p:style>
+      </p:cxnSp>
+      <p:sp>
+        <p:nvSpPr>
+          <p:cNvPr id="7" name="Slide Number Placeholder 6">
+            <a:extLst>
+              <a:ext uri="{FF2B5EF4-FFF2-40B4-BE49-F238E27FC236}">
+                <a16:creationId xmlns:a16="http://schemas.microsoft.com/office/drawing/2014/main" id="{C45257E4-CB6B-D5FA-774C-1B4659CA718E}"/>
+              </a:ext>
+            </a:extLst>
+          </p:cNvPr>
+          <p:cNvSpPr>
+            <a:spLocks noGrp="1"/>
+          </p:cNvSpPr>
+          <p:nvPr>
+            <p:ph type="sldNum" sz="quarter" idx="12"/>
+          </p:nvPr>
+        </p:nvSpPr>
+        <p:spPr/>
+        <p:txBody>
+          <a:bodyPr/>
+          <a:lstStyle/>
+          <a:p>
+            <a:fld id="{1790B155-6E1C-4814-99CE-AE4605F3A38C}" type="slidenum">
+              <a:rPr lang="en-US" smtClean="0"/>
+              <a:t>18</a:t>
+            </a:fld>
+            <a:endParaRPr lang="en-US"/>
+          </a:p>
+        </p:txBody>
+      </p:sp>
+    </p:spTree>
+    <p:extLst>
+      <p:ext uri="{BB962C8B-B14F-4D97-AF65-F5344CB8AC3E}">
+        <p14:creationId xmlns:p14="http://schemas.microsoft.com/office/powerpoint/2010/main" val="1838871339"/>
       </p:ext>
     </p:extLst>
   </p:cSld>
@@ -6404,39 +6754,7 @@
                   <a:srgbClr val="36ABF3"/>
                 </a:solidFill>
               </a:rPr>
-              <a:t>Problem Statement</a:t>
-            </a:r>
-          </a:p>
-        </p:txBody>
-      </p:sp>
-      <p:sp>
-        <p:nvSpPr>
-          <p:cNvPr id="3" name="Content Placeholder 2"/>
-          <p:cNvSpPr>
-            <a:spLocks noGrp="1"/>
-          </p:cNvSpPr>
-          <p:nvPr>
-            <p:ph idx="1"/>
-          </p:nvPr>
-        </p:nvSpPr>
-        <p:spPr>
-          <a:xfrm>
-            <a:off x="929640" y="1506072"/>
-            <a:ext cx="10332720" cy="4867834"/>
-          </a:xfrm>
-        </p:spPr>
-        <p:txBody>
-          <a:bodyPr>
-            <a:normAutofit/>
-          </a:bodyPr>
-          <a:lstStyle/>
-          <a:p>
-            <a:pPr marL="0" indent="0" algn="just">
-              <a:buNone/>
-            </a:pPr>
-            <a:r>
-              <a:rPr lang="en-US" dirty="0"/>
-              <a:t>Although various complaint management systems exist, significant gaps persist in effectively connecting constituents with their representatives. Current communication channels often lack real-time interaction features, leading to delays in complaint resolution and insufficient civic engagement. This results in delayed problem resolution, reduced accountability, and a growing disconnect between representatives and the public. Citizens face challenges in engaging with their representatives, easily filing complaints, tracking their progress, or receiving timely responses. Consequently, there is a pressing need for a unified solution that fosters better communication, transparency, and efficient governance.</a:t>
+              <a:t>Tools and Technologies</a:t>
             </a:r>
           </a:p>
         </p:txBody>
@@ -6480,371 +6798,6 @@
           </a:fontRef>
         </p:style>
       </p:cxnSp>
-    </p:spTree>
-    <p:extLst>
-      <p:ext uri="{BB962C8B-B14F-4D97-AF65-F5344CB8AC3E}">
-        <p14:creationId xmlns:p14="http://schemas.microsoft.com/office/powerpoint/2010/main" val="3818984777"/>
-      </p:ext>
-    </p:extLst>
-  </p:cSld>
-  <p:clrMapOvr>
-    <a:masterClrMapping/>
-  </p:clrMapOvr>
-</p:sld>
-</file>
-
-<file path=ppt/slides/slide2.xml><?xml version="1.0" encoding="utf-8"?>
-<p:sld xmlns:a="http://schemas.openxmlformats.org/drawingml/2006/main" xmlns:r="http://schemas.openxmlformats.org/officeDocument/2006/relationships" xmlns:p="http://schemas.openxmlformats.org/presentationml/2006/main">
-  <p:cSld>
-    <p:spTree>
-      <p:nvGrpSpPr>
-        <p:cNvPr id="1" name=""/>
-        <p:cNvGrpSpPr/>
-        <p:nvPr/>
-      </p:nvGrpSpPr>
-      <p:grpSpPr>
-        <a:xfrm>
-          <a:off x="0" y="0"/>
-          <a:ext cx="0" cy="0"/>
-          <a:chOff x="0" y="0"/>
-          <a:chExt cx="0" cy="0"/>
-        </a:xfrm>
-      </p:grpSpPr>
-      <p:sp>
-        <p:nvSpPr>
-          <p:cNvPr id="2" name="Title 1"/>
-          <p:cNvSpPr>
-            <a:spLocks noGrp="1"/>
-          </p:cNvSpPr>
-          <p:nvPr>
-            <p:ph type="title"/>
-          </p:nvPr>
-        </p:nvSpPr>
-        <p:spPr/>
-        <p:txBody>
-          <a:bodyPr/>
-          <a:lstStyle/>
-          <a:p>
-            <a:r>
-              <a:rPr lang="en-US" b="1" dirty="0">
-                <a:solidFill>
-                  <a:srgbClr val="36ABF3"/>
-                </a:solidFill>
-              </a:rPr>
-              <a:t>Table of Contents</a:t>
-            </a:r>
-          </a:p>
-        </p:txBody>
-      </p:sp>
-      <p:sp>
-        <p:nvSpPr>
-          <p:cNvPr id="3" name="Content Placeholder 2"/>
-          <p:cNvSpPr>
-            <a:spLocks noGrp="1"/>
-          </p:cNvSpPr>
-          <p:nvPr>
-            <p:ph idx="1"/>
-          </p:nvPr>
-        </p:nvSpPr>
-        <p:spPr/>
-        <p:txBody>
-          <a:bodyPr>
-            <a:normAutofit/>
-          </a:bodyPr>
-          <a:lstStyle/>
-          <a:p>
-            <a:r>
-              <a:rPr lang="en-US" dirty="0"/>
-              <a:t>Introduction</a:t>
-            </a:r>
-          </a:p>
-          <a:p>
-            <a:r>
-              <a:rPr lang="en-US" dirty="0"/>
-              <a:t>Literature Review</a:t>
-            </a:r>
-          </a:p>
-          <a:p>
-            <a:r>
-              <a:rPr lang="en-US" dirty="0"/>
-              <a:t>Benchmarking</a:t>
-            </a:r>
-          </a:p>
-          <a:p>
-            <a:r>
-              <a:rPr lang="en-US" dirty="0"/>
-              <a:t>Problem Statement</a:t>
-            </a:r>
-          </a:p>
-          <a:p>
-            <a:r>
-              <a:rPr lang="en-US" dirty="0"/>
-              <a:t>Proposed Model/Solution</a:t>
-            </a:r>
-          </a:p>
-          <a:p>
-            <a:r>
-              <a:rPr lang="en-US" dirty="0"/>
-              <a:t>Scope</a:t>
-            </a:r>
-          </a:p>
-          <a:p>
-            <a:r>
-              <a:rPr lang="en-US" dirty="0"/>
-              <a:t>Tools and Technologies (Market Based)</a:t>
-            </a:r>
-          </a:p>
-          <a:p>
-            <a:r>
-              <a:rPr lang="en-US" dirty="0"/>
-              <a:t>Final Outcome</a:t>
-            </a:r>
-          </a:p>
-        </p:txBody>
-      </p:sp>
-    </p:spTree>
-    <p:extLst>
-      <p:ext uri="{BB962C8B-B14F-4D97-AF65-F5344CB8AC3E}">
-        <p14:creationId xmlns:p14="http://schemas.microsoft.com/office/powerpoint/2010/main" val="2345955974"/>
-      </p:ext>
-    </p:extLst>
-  </p:cSld>
-  <p:clrMapOvr>
-    <a:masterClrMapping/>
-  </p:clrMapOvr>
-</p:sld>
-</file>
-
-<file path=ppt/slides/slide20.xml><?xml version="1.0" encoding="utf-8"?>
-<p:sld xmlns:a="http://schemas.openxmlformats.org/drawingml/2006/main" xmlns:r="http://schemas.openxmlformats.org/officeDocument/2006/relationships" xmlns:p="http://schemas.openxmlformats.org/presentationml/2006/main">
-  <p:cSld>
-    <p:spTree>
-      <p:nvGrpSpPr>
-        <p:cNvPr id="1" name=""/>
-        <p:cNvGrpSpPr/>
-        <p:nvPr/>
-      </p:nvGrpSpPr>
-      <p:grpSpPr>
-        <a:xfrm>
-          <a:off x="0" y="0"/>
-          <a:ext cx="0" cy="0"/>
-          <a:chOff x="0" y="0"/>
-          <a:chExt cx="0" cy="0"/>
-        </a:xfrm>
-      </p:grpSpPr>
-      <p:sp>
-        <p:nvSpPr>
-          <p:cNvPr id="2" name="Title 1"/>
-          <p:cNvSpPr>
-            <a:spLocks noGrp="1"/>
-          </p:cNvSpPr>
-          <p:nvPr>
-            <p:ph type="title"/>
-          </p:nvPr>
-        </p:nvSpPr>
-        <p:spPr/>
-        <p:txBody>
-          <a:bodyPr/>
-          <a:lstStyle/>
-          <a:p>
-            <a:r>
-              <a:rPr lang="en-US" b="1" dirty="0">
-                <a:solidFill>
-                  <a:schemeClr val="accent1">
-                    <a:lumMod val="75000"/>
-                  </a:schemeClr>
-                </a:solidFill>
-              </a:rPr>
-              <a:t>Proposed Model</a:t>
-            </a:r>
-          </a:p>
-        </p:txBody>
-      </p:sp>
-      <p:sp>
-        <p:nvSpPr>
-          <p:cNvPr id="3" name="Content Placeholder 2"/>
-          <p:cNvSpPr>
-            <a:spLocks noGrp="1"/>
-          </p:cNvSpPr>
-          <p:nvPr>
-            <p:ph idx="1"/>
-          </p:nvPr>
-        </p:nvSpPr>
-        <p:spPr/>
-        <p:txBody>
-          <a:bodyPr/>
-          <a:lstStyle/>
-          <a:p>
-            <a:pPr algn="just"/>
-            <a:r>
-              <a:rPr lang="en-US" dirty="0"/>
-              <a:t>Write down abstract idea of your project, and add its model diagram</a:t>
-            </a:r>
-          </a:p>
-        </p:txBody>
-      </p:sp>
-      <p:pic>
-        <p:nvPicPr>
-          <p:cNvPr id="4" name="Picture 3"/>
-          <p:cNvPicPr>
-            <a:picLocks noChangeAspect="1"/>
-          </p:cNvPicPr>
-          <p:nvPr/>
-        </p:nvPicPr>
-        <p:blipFill>
-          <a:blip r:embed="rId2">
-            <a:extLst>
-              <a:ext uri="{28A0092B-C50C-407E-A947-70E740481C1C}">
-                <a14:useLocalDpi xmlns:a14="http://schemas.microsoft.com/office/drawing/2010/main" val="0"/>
-              </a:ext>
-            </a:extLst>
-          </a:blip>
-          <a:stretch>
-            <a:fillRect/>
-          </a:stretch>
-        </p:blipFill>
-        <p:spPr>
-          <a:xfrm>
-            <a:off x="2578814" y="2849960"/>
-            <a:ext cx="6598710" cy="3093793"/>
-          </a:xfrm>
-          <a:prstGeom prst="rect">
-            <a:avLst/>
-          </a:prstGeom>
-        </p:spPr>
-      </p:pic>
-    </p:spTree>
-    <p:extLst>
-      <p:ext uri="{BB962C8B-B14F-4D97-AF65-F5344CB8AC3E}">
-        <p14:creationId xmlns:p14="http://schemas.microsoft.com/office/powerpoint/2010/main" val="4175500007"/>
-      </p:ext>
-    </p:extLst>
-  </p:cSld>
-  <p:clrMapOvr>
-    <a:masterClrMapping/>
-  </p:clrMapOvr>
-</p:sld>
-</file>
-
-<file path=ppt/slides/slide21.xml><?xml version="1.0" encoding="utf-8"?>
-<p:sld xmlns:a="http://schemas.openxmlformats.org/drawingml/2006/main" xmlns:r="http://schemas.openxmlformats.org/officeDocument/2006/relationships" xmlns:p="http://schemas.openxmlformats.org/presentationml/2006/main">
-  <p:cSld>
-    <p:spTree>
-      <p:nvGrpSpPr>
-        <p:cNvPr id="1" name=""/>
-        <p:cNvGrpSpPr/>
-        <p:nvPr/>
-      </p:nvGrpSpPr>
-      <p:grpSpPr>
-        <a:xfrm>
-          <a:off x="0" y="0"/>
-          <a:ext cx="0" cy="0"/>
-          <a:chOff x="0" y="0"/>
-          <a:chExt cx="0" cy="0"/>
-        </a:xfrm>
-      </p:grpSpPr>
-      <p:sp>
-        <p:nvSpPr>
-          <p:cNvPr id="2" name="Title 1"/>
-          <p:cNvSpPr>
-            <a:spLocks noGrp="1"/>
-          </p:cNvSpPr>
-          <p:nvPr>
-            <p:ph type="title"/>
-          </p:nvPr>
-        </p:nvSpPr>
-        <p:spPr>
-          <a:xfrm>
-            <a:off x="838200" y="365125"/>
-            <a:ext cx="10515600" cy="980959"/>
-          </a:xfrm>
-        </p:spPr>
-        <p:txBody>
-          <a:bodyPr/>
-          <a:lstStyle/>
-          <a:p>
-            <a:r>
-              <a:rPr lang="en-US" b="1" dirty="0">
-                <a:solidFill>
-                  <a:srgbClr val="36ABF3"/>
-                </a:solidFill>
-              </a:rPr>
-              <a:t>Proposed Solution</a:t>
-            </a:r>
-          </a:p>
-        </p:txBody>
-      </p:sp>
-      <p:sp>
-        <p:nvSpPr>
-          <p:cNvPr id="3" name="Content Placeholder 2"/>
-          <p:cNvSpPr>
-            <a:spLocks noGrp="1"/>
-          </p:cNvSpPr>
-          <p:nvPr>
-            <p:ph idx="1"/>
-          </p:nvPr>
-        </p:nvSpPr>
-        <p:spPr>
-          <a:xfrm>
-            <a:off x="929640" y="1990166"/>
-            <a:ext cx="10332720" cy="4867834"/>
-          </a:xfrm>
-        </p:spPr>
-        <p:txBody>
-          <a:bodyPr>
-            <a:normAutofit/>
-          </a:bodyPr>
-          <a:lstStyle/>
-          <a:p>
-            <a:pPr marL="0" indent="0" algn="just">
-              <a:buNone/>
-            </a:pPr>
-            <a:r>
-              <a:rPr lang="en-US" dirty="0"/>
-              <a:t>Constituency Connect aims to bridge the communication gap between constituents and their elected representatives by providing a sophisticated platform for transparent, efficient, and real-time communication. The platform enables constituents to submit complaints, track their progress, and interact directly with representatives and relevant departments. It offers multiple channels for communication, including virtual meetups, surveys, and complaint resolution tracking. By integrating features like real-time notifications, detailed performance tracking, and multi-language support, the system empowers citizens, enhances transparency, and encourage civic engagement.</a:t>
-            </a:r>
-          </a:p>
-        </p:txBody>
-      </p:sp>
-      <p:cxnSp>
-        <p:nvCxnSpPr>
-          <p:cNvPr id="10" name="Straight Connector 9">
-            <a:extLst>
-              <a:ext uri="{FF2B5EF4-FFF2-40B4-BE49-F238E27FC236}">
-                <a16:creationId xmlns:a16="http://schemas.microsoft.com/office/drawing/2014/main" id="{5C4D56EA-8905-CAFF-FA8B-91B461D57C36}"/>
-              </a:ext>
-            </a:extLst>
-          </p:cNvPr>
-          <p:cNvCxnSpPr>
-            <a:cxnSpLocks/>
-          </p:cNvCxnSpPr>
-          <p:nvPr/>
-        </p:nvCxnSpPr>
-        <p:spPr>
-          <a:xfrm>
-            <a:off x="929640" y="1237129"/>
-            <a:ext cx="10332720" cy="0"/>
-          </a:xfrm>
-          <a:prstGeom prst="line">
-            <a:avLst/>
-          </a:prstGeom>
-          <a:ln w="28575"/>
-        </p:spPr>
-        <p:style>
-          <a:lnRef idx="3">
-            <a:schemeClr val="dk1"/>
-          </a:lnRef>
-          <a:fillRef idx="0">
-            <a:schemeClr val="dk1"/>
-          </a:fillRef>
-          <a:effectRef idx="2">
-            <a:schemeClr val="dk1"/>
-          </a:effectRef>
-          <a:fontRef idx="minor">
-            <a:schemeClr val="tx1"/>
-          </a:fontRef>
-        </p:style>
-      </p:cxnSp>
       <p:sp>
         <p:nvSpPr>
           <p:cNvPr id="4" name="Title 1">
@@ -6861,7 +6814,7 @@
         </p:nvSpPr>
         <p:spPr>
           <a:xfrm>
-            <a:off x="929640" y="1150051"/>
+            <a:off x="929640" y="1305381"/>
             <a:ext cx="10332720" cy="959083"/>
           </a:xfrm>
           <a:prstGeom prst="rect">
@@ -6898,645 +6851,6 @@
                   <a:srgbClr val="F8981C"/>
                 </a:solidFill>
               </a:rPr>
-              <a:t>Problem Solution </a:t>
-            </a:r>
-          </a:p>
-        </p:txBody>
-      </p:sp>
-    </p:spTree>
-    <p:extLst>
-      <p:ext uri="{BB962C8B-B14F-4D97-AF65-F5344CB8AC3E}">
-        <p14:creationId xmlns:p14="http://schemas.microsoft.com/office/powerpoint/2010/main" val="166178789"/>
-      </p:ext>
-    </p:extLst>
-  </p:cSld>
-  <p:clrMapOvr>
-    <a:masterClrMapping/>
-  </p:clrMapOvr>
-</p:sld>
-</file>
-
-<file path=ppt/slides/slide22.xml><?xml version="1.0" encoding="utf-8"?>
-<p:sld xmlns:a="http://schemas.openxmlformats.org/drawingml/2006/main" xmlns:r="http://schemas.openxmlformats.org/officeDocument/2006/relationships" xmlns:p="http://schemas.openxmlformats.org/presentationml/2006/main">
-  <p:cSld>
-    <p:spTree>
-      <p:nvGrpSpPr>
-        <p:cNvPr id="1" name=""/>
-        <p:cNvGrpSpPr/>
-        <p:nvPr/>
-      </p:nvGrpSpPr>
-      <p:grpSpPr>
-        <a:xfrm>
-          <a:off x="0" y="0"/>
-          <a:ext cx="0" cy="0"/>
-          <a:chOff x="0" y="0"/>
-          <a:chExt cx="0" cy="0"/>
-        </a:xfrm>
-      </p:grpSpPr>
-      <p:sp>
-        <p:nvSpPr>
-          <p:cNvPr id="2" name="Title 1"/>
-          <p:cNvSpPr>
-            <a:spLocks noGrp="1"/>
-          </p:cNvSpPr>
-          <p:nvPr>
-            <p:ph type="title"/>
-          </p:nvPr>
-        </p:nvSpPr>
-        <p:spPr>
-          <a:xfrm>
-            <a:off x="838200" y="365125"/>
-            <a:ext cx="10515600" cy="980959"/>
-          </a:xfrm>
-        </p:spPr>
-        <p:txBody>
-          <a:bodyPr/>
-          <a:lstStyle/>
-          <a:p>
-            <a:r>
-              <a:rPr lang="en-US" b="1" dirty="0">
-                <a:solidFill>
-                  <a:srgbClr val="36ABF3"/>
-                </a:solidFill>
-              </a:rPr>
-              <a:t>Proposed Solution</a:t>
-            </a:r>
-          </a:p>
-        </p:txBody>
-      </p:sp>
-      <p:sp>
-        <p:nvSpPr>
-          <p:cNvPr id="3" name="Content Placeholder 2"/>
-          <p:cNvSpPr>
-            <a:spLocks noGrp="1"/>
-          </p:cNvSpPr>
-          <p:nvPr>
-            <p:ph idx="1"/>
-          </p:nvPr>
-        </p:nvSpPr>
-        <p:spPr>
-          <a:xfrm>
-            <a:off x="929640" y="1990166"/>
-            <a:ext cx="10332720" cy="4867834"/>
-          </a:xfrm>
-        </p:spPr>
-        <p:txBody>
-          <a:bodyPr>
-            <a:normAutofit/>
-          </a:bodyPr>
-          <a:lstStyle/>
-          <a:p>
-            <a:pPr marL="0" indent="0" algn="just">
-              <a:buNone/>
-            </a:pPr>
-            <a:endParaRPr lang="en-US" dirty="0"/>
-          </a:p>
-        </p:txBody>
-      </p:sp>
-      <p:cxnSp>
-        <p:nvCxnSpPr>
-          <p:cNvPr id="10" name="Straight Connector 9">
-            <a:extLst>
-              <a:ext uri="{FF2B5EF4-FFF2-40B4-BE49-F238E27FC236}">
-                <a16:creationId xmlns:a16="http://schemas.microsoft.com/office/drawing/2014/main" id="{5C4D56EA-8905-CAFF-FA8B-91B461D57C36}"/>
-              </a:ext>
-            </a:extLst>
-          </p:cNvPr>
-          <p:cNvCxnSpPr>
-            <a:cxnSpLocks/>
-          </p:cNvCxnSpPr>
-          <p:nvPr/>
-        </p:nvCxnSpPr>
-        <p:spPr>
-          <a:xfrm>
-            <a:off x="929640" y="1237129"/>
-            <a:ext cx="10332720" cy="0"/>
-          </a:xfrm>
-          <a:prstGeom prst="line">
-            <a:avLst/>
-          </a:prstGeom>
-          <a:ln w="28575"/>
-        </p:spPr>
-        <p:style>
-          <a:lnRef idx="3">
-            <a:schemeClr val="dk1"/>
-          </a:lnRef>
-          <a:fillRef idx="0">
-            <a:schemeClr val="dk1"/>
-          </a:fillRef>
-          <a:effectRef idx="2">
-            <a:schemeClr val="dk1"/>
-          </a:effectRef>
-          <a:fontRef idx="minor">
-            <a:schemeClr val="tx1"/>
-          </a:fontRef>
-        </p:style>
-      </p:cxnSp>
-      <p:sp>
-        <p:nvSpPr>
-          <p:cNvPr id="4" name="Title 1">
-            <a:extLst>
-              <a:ext uri="{FF2B5EF4-FFF2-40B4-BE49-F238E27FC236}">
-                <a16:creationId xmlns:a16="http://schemas.microsoft.com/office/drawing/2014/main" id="{7ED9CE21-68A5-DE6F-C9B3-F22A1957B184}"/>
-              </a:ext>
-            </a:extLst>
-          </p:cNvPr>
-          <p:cNvSpPr txBox="1">
-            <a:spLocks/>
-          </p:cNvSpPr>
-          <p:nvPr/>
-        </p:nvSpPr>
-        <p:spPr>
-          <a:xfrm>
-            <a:off x="929640" y="1150051"/>
-            <a:ext cx="10332720" cy="959083"/>
-          </a:xfrm>
-          <a:prstGeom prst="rect">
-            <a:avLst/>
-          </a:prstGeom>
-        </p:spPr>
-        <p:txBody>
-          <a:bodyPr vert="horz" lIns="91440" tIns="45720" rIns="91440" bIns="45720" rtlCol="0" anchor="ctr">
-            <a:normAutofit/>
-          </a:bodyPr>
-          <a:lstStyle>
-            <a:lvl1pPr algn="l" defTabSz="914400" rtl="0" eaLnBrk="1" latinLnBrk="0" hangingPunct="1">
-              <a:lnSpc>
-                <a:spcPct val="90000"/>
-              </a:lnSpc>
-              <a:spcBef>
-                <a:spcPct val="0"/>
-              </a:spcBef>
-              <a:buNone/>
-              <a:defRPr sz="4400" kern="1200">
-                <a:solidFill>
-                  <a:schemeClr val="tx1"/>
-                </a:solidFill>
-                <a:latin typeface="+mj-lt"/>
-                <a:ea typeface="+mj-ea"/>
-                <a:cs typeface="+mj-cs"/>
-              </a:defRPr>
-            </a:lvl1pPr>
-          </a:lstStyle>
-          <a:p>
-            <a:r>
-              <a:rPr lang="en-US" sz="3600" b="1" dirty="0">
-                <a:solidFill>
-                  <a:srgbClr val="F8981C"/>
-                </a:solidFill>
-              </a:rPr>
-              <a:t>Model Diagram</a:t>
-            </a:r>
-          </a:p>
-        </p:txBody>
-      </p:sp>
-    </p:spTree>
-    <p:extLst>
-      <p:ext uri="{BB962C8B-B14F-4D97-AF65-F5344CB8AC3E}">
-        <p14:creationId xmlns:p14="http://schemas.microsoft.com/office/powerpoint/2010/main" val="3619705979"/>
-      </p:ext>
-    </p:extLst>
-  </p:cSld>
-  <p:clrMapOvr>
-    <a:masterClrMapping/>
-  </p:clrMapOvr>
-</p:sld>
-</file>
-
-<file path=ppt/slides/slide23.xml><?xml version="1.0" encoding="utf-8"?>
-<p:sld xmlns:a="http://schemas.openxmlformats.org/drawingml/2006/main" xmlns:r="http://schemas.openxmlformats.org/officeDocument/2006/relationships" xmlns:p="http://schemas.openxmlformats.org/presentationml/2006/main">
-  <p:cSld>
-    <p:spTree>
-      <p:nvGrpSpPr>
-        <p:cNvPr id="1" name=""/>
-        <p:cNvGrpSpPr/>
-        <p:nvPr/>
-      </p:nvGrpSpPr>
-      <p:grpSpPr>
-        <a:xfrm>
-          <a:off x="0" y="0"/>
-          <a:ext cx="0" cy="0"/>
-          <a:chOff x="0" y="0"/>
-          <a:chExt cx="0" cy="0"/>
-        </a:xfrm>
-      </p:grpSpPr>
-      <p:sp>
-        <p:nvSpPr>
-          <p:cNvPr id="2" name="Title 1"/>
-          <p:cNvSpPr>
-            <a:spLocks noGrp="1"/>
-          </p:cNvSpPr>
-          <p:nvPr>
-            <p:ph type="title"/>
-          </p:nvPr>
-        </p:nvSpPr>
-        <p:spPr/>
-        <p:txBody>
-          <a:bodyPr/>
-          <a:lstStyle/>
-          <a:p>
-            <a:r>
-              <a:rPr lang="en-US" b="1" dirty="0">
-                <a:solidFill>
-                  <a:schemeClr val="accent1">
-                    <a:lumMod val="75000"/>
-                  </a:schemeClr>
-                </a:solidFill>
-              </a:rPr>
-              <a:t>Scope of your Project</a:t>
-            </a:r>
-          </a:p>
-        </p:txBody>
-      </p:sp>
-      <p:sp>
-        <p:nvSpPr>
-          <p:cNvPr id="3" name="Content Placeholder 2"/>
-          <p:cNvSpPr>
-            <a:spLocks noGrp="1"/>
-          </p:cNvSpPr>
-          <p:nvPr>
-            <p:ph idx="1"/>
-          </p:nvPr>
-        </p:nvSpPr>
-        <p:spPr/>
-        <p:txBody>
-          <a:bodyPr/>
-          <a:lstStyle/>
-          <a:p>
-            <a:pPr algn="just"/>
-            <a:r>
-              <a:rPr lang="en-US" dirty="0"/>
-              <a:t>Properly write the scope of your project. Avoid general solutions. </a:t>
-            </a:r>
-          </a:p>
-        </p:txBody>
-      </p:sp>
-    </p:spTree>
-    <p:extLst>
-      <p:ext uri="{BB962C8B-B14F-4D97-AF65-F5344CB8AC3E}">
-        <p14:creationId xmlns:p14="http://schemas.microsoft.com/office/powerpoint/2010/main" val="1236339636"/>
-      </p:ext>
-    </p:extLst>
-  </p:cSld>
-  <p:clrMapOvr>
-    <a:masterClrMapping/>
-  </p:clrMapOvr>
-</p:sld>
-</file>
-
-<file path=ppt/slides/slide24.xml><?xml version="1.0" encoding="utf-8"?>
-<p:sld xmlns:a="http://schemas.openxmlformats.org/drawingml/2006/main" xmlns:r="http://schemas.openxmlformats.org/officeDocument/2006/relationships" xmlns:p="http://schemas.openxmlformats.org/presentationml/2006/main">
-  <p:cSld>
-    <p:spTree>
-      <p:nvGrpSpPr>
-        <p:cNvPr id="1" name=""/>
-        <p:cNvGrpSpPr/>
-        <p:nvPr/>
-      </p:nvGrpSpPr>
-      <p:grpSpPr>
-        <a:xfrm>
-          <a:off x="0" y="0"/>
-          <a:ext cx="0" cy="0"/>
-          <a:chOff x="0" y="0"/>
-          <a:chExt cx="0" cy="0"/>
-        </a:xfrm>
-      </p:grpSpPr>
-      <p:sp>
-        <p:nvSpPr>
-          <p:cNvPr id="2" name="Title 1"/>
-          <p:cNvSpPr>
-            <a:spLocks noGrp="1"/>
-          </p:cNvSpPr>
-          <p:nvPr>
-            <p:ph type="title"/>
-          </p:nvPr>
-        </p:nvSpPr>
-        <p:spPr>
-          <a:xfrm>
-            <a:off x="838200" y="365125"/>
-            <a:ext cx="10515600" cy="980959"/>
-          </a:xfrm>
-        </p:spPr>
-        <p:txBody>
-          <a:bodyPr/>
-          <a:lstStyle/>
-          <a:p>
-            <a:r>
-              <a:rPr lang="en-US" b="1" dirty="0">
-                <a:solidFill>
-                  <a:srgbClr val="36ABF3"/>
-                </a:solidFill>
-              </a:rPr>
-              <a:t>Scope</a:t>
-            </a:r>
-          </a:p>
-        </p:txBody>
-      </p:sp>
-      <p:sp>
-        <p:nvSpPr>
-          <p:cNvPr id="3" name="Content Placeholder 2"/>
-          <p:cNvSpPr>
-            <a:spLocks noGrp="1"/>
-          </p:cNvSpPr>
-          <p:nvPr>
-            <p:ph idx="1"/>
-          </p:nvPr>
-        </p:nvSpPr>
-        <p:spPr>
-          <a:xfrm>
-            <a:off x="929640" y="1506072"/>
-            <a:ext cx="10332720" cy="4867834"/>
-          </a:xfrm>
-        </p:spPr>
-        <p:txBody>
-          <a:bodyPr>
-            <a:normAutofit/>
-          </a:bodyPr>
-          <a:lstStyle/>
-          <a:p>
-            <a:pPr marL="0" indent="0" algn="just">
-              <a:buNone/>
-            </a:pPr>
-            <a:r>
-              <a:rPr lang="en-US" dirty="0"/>
-              <a:t>Constituency Connect aims to streamline communication between constituents and their elected representatives, with a primary emphasis on complaint submission, tracking, and resolution. The system will support virtual meetups and enable performance monitoring of representatives. It will cater to multiple user roles, including constituents, representatives, assistants, and department officials, each with distinct access levels and functionalities. The platform will offer a bilingual interface (English and Urdu), concentrating specifically on complaint management and civic engagement. Features such as external application integration, payment processing, or general-purpose community forums are beyond the scope of the project.</a:t>
-            </a:r>
-          </a:p>
-        </p:txBody>
-      </p:sp>
-      <p:cxnSp>
-        <p:nvCxnSpPr>
-          <p:cNvPr id="10" name="Straight Connector 9">
-            <a:extLst>
-              <a:ext uri="{FF2B5EF4-FFF2-40B4-BE49-F238E27FC236}">
-                <a16:creationId xmlns:a16="http://schemas.microsoft.com/office/drawing/2014/main" id="{5C4D56EA-8905-CAFF-FA8B-91B461D57C36}"/>
-              </a:ext>
-            </a:extLst>
-          </p:cNvPr>
-          <p:cNvCxnSpPr>
-            <a:cxnSpLocks/>
-          </p:cNvCxnSpPr>
-          <p:nvPr/>
-        </p:nvCxnSpPr>
-        <p:spPr>
-          <a:xfrm>
-            <a:off x="929640" y="1237129"/>
-            <a:ext cx="10332720" cy="0"/>
-          </a:xfrm>
-          <a:prstGeom prst="line">
-            <a:avLst/>
-          </a:prstGeom>
-          <a:ln w="28575"/>
-        </p:spPr>
-        <p:style>
-          <a:lnRef idx="3">
-            <a:schemeClr val="dk1"/>
-          </a:lnRef>
-          <a:fillRef idx="0">
-            <a:schemeClr val="dk1"/>
-          </a:fillRef>
-          <a:effectRef idx="2">
-            <a:schemeClr val="dk1"/>
-          </a:effectRef>
-          <a:fontRef idx="minor">
-            <a:schemeClr val="tx1"/>
-          </a:fontRef>
-        </p:style>
-      </p:cxnSp>
-    </p:spTree>
-    <p:extLst>
-      <p:ext uri="{BB962C8B-B14F-4D97-AF65-F5344CB8AC3E}">
-        <p14:creationId xmlns:p14="http://schemas.microsoft.com/office/powerpoint/2010/main" val="297991780"/>
-      </p:ext>
-    </p:extLst>
-  </p:cSld>
-  <p:clrMapOvr>
-    <a:masterClrMapping/>
-  </p:clrMapOvr>
-</p:sld>
-</file>
-
-<file path=ppt/slides/slide25.xml><?xml version="1.0" encoding="utf-8"?>
-<p:sld xmlns:a="http://schemas.openxmlformats.org/drawingml/2006/main" xmlns:r="http://schemas.openxmlformats.org/officeDocument/2006/relationships" xmlns:p="http://schemas.openxmlformats.org/presentationml/2006/main">
-  <p:cSld>
-    <p:spTree>
-      <p:nvGrpSpPr>
-        <p:cNvPr id="1" name=""/>
-        <p:cNvGrpSpPr/>
-        <p:nvPr/>
-      </p:nvGrpSpPr>
-      <p:grpSpPr>
-        <a:xfrm>
-          <a:off x="0" y="0"/>
-          <a:ext cx="0" cy="0"/>
-          <a:chOff x="0" y="0"/>
-          <a:chExt cx="0" cy="0"/>
-        </a:xfrm>
-      </p:grpSpPr>
-      <p:sp>
-        <p:nvSpPr>
-          <p:cNvPr id="2" name="Title 1"/>
-          <p:cNvSpPr>
-            <a:spLocks noGrp="1"/>
-          </p:cNvSpPr>
-          <p:nvPr>
-            <p:ph type="title"/>
-          </p:nvPr>
-        </p:nvSpPr>
-        <p:spPr/>
-        <p:txBody>
-          <a:bodyPr/>
-          <a:lstStyle/>
-          <a:p>
-            <a:r>
-              <a:rPr lang="en-US" b="1" dirty="0">
-                <a:solidFill>
-                  <a:schemeClr val="accent1">
-                    <a:lumMod val="75000"/>
-                  </a:schemeClr>
-                </a:solidFill>
-              </a:rPr>
-              <a:t>Tools and Technologies (Market Base)</a:t>
-            </a:r>
-          </a:p>
-        </p:txBody>
-      </p:sp>
-      <p:sp>
-        <p:nvSpPr>
-          <p:cNvPr id="3" name="Content Placeholder 2"/>
-          <p:cNvSpPr>
-            <a:spLocks noGrp="1"/>
-          </p:cNvSpPr>
-          <p:nvPr>
-            <p:ph idx="1"/>
-          </p:nvPr>
-        </p:nvSpPr>
-        <p:spPr/>
-        <p:txBody>
-          <a:bodyPr/>
-          <a:lstStyle/>
-          <a:p>
-            <a:pPr algn="just"/>
-            <a:r>
-              <a:rPr lang="en-US" dirty="0"/>
-              <a:t>List down tools and technologies, you want to use for development purposes. Avoid old ones, explore market oriented tools and technologies. </a:t>
-            </a:r>
-          </a:p>
-        </p:txBody>
-      </p:sp>
-    </p:spTree>
-    <p:extLst>
-      <p:ext uri="{BB962C8B-B14F-4D97-AF65-F5344CB8AC3E}">
-        <p14:creationId xmlns:p14="http://schemas.microsoft.com/office/powerpoint/2010/main" val="1034597514"/>
-      </p:ext>
-    </p:extLst>
-  </p:cSld>
-  <p:clrMapOvr>
-    <a:masterClrMapping/>
-  </p:clrMapOvr>
-</p:sld>
-</file>
-
-<file path=ppt/slides/slide26.xml><?xml version="1.0" encoding="utf-8"?>
-<p:sld xmlns:a="http://schemas.openxmlformats.org/drawingml/2006/main" xmlns:r="http://schemas.openxmlformats.org/officeDocument/2006/relationships" xmlns:p="http://schemas.openxmlformats.org/presentationml/2006/main">
-  <p:cSld>
-    <p:spTree>
-      <p:nvGrpSpPr>
-        <p:cNvPr id="1" name=""/>
-        <p:cNvGrpSpPr/>
-        <p:nvPr/>
-      </p:nvGrpSpPr>
-      <p:grpSpPr>
-        <a:xfrm>
-          <a:off x="0" y="0"/>
-          <a:ext cx="0" cy="0"/>
-          <a:chOff x="0" y="0"/>
-          <a:chExt cx="0" cy="0"/>
-        </a:xfrm>
-      </p:grpSpPr>
-      <p:sp>
-        <p:nvSpPr>
-          <p:cNvPr id="2" name="Title 1"/>
-          <p:cNvSpPr>
-            <a:spLocks noGrp="1"/>
-          </p:cNvSpPr>
-          <p:nvPr>
-            <p:ph type="title"/>
-          </p:nvPr>
-        </p:nvSpPr>
-        <p:spPr>
-          <a:xfrm>
-            <a:off x="838200" y="365125"/>
-            <a:ext cx="10515600" cy="980959"/>
-          </a:xfrm>
-        </p:spPr>
-        <p:txBody>
-          <a:bodyPr/>
-          <a:lstStyle/>
-          <a:p>
-            <a:r>
-              <a:rPr lang="en-US" b="1" dirty="0">
-                <a:solidFill>
-                  <a:srgbClr val="36ABF3"/>
-                </a:solidFill>
-              </a:rPr>
-              <a:t>Tools and Technologies</a:t>
-            </a:r>
-          </a:p>
-        </p:txBody>
-      </p:sp>
-      <p:cxnSp>
-        <p:nvCxnSpPr>
-          <p:cNvPr id="10" name="Straight Connector 9">
-            <a:extLst>
-              <a:ext uri="{FF2B5EF4-FFF2-40B4-BE49-F238E27FC236}">
-                <a16:creationId xmlns:a16="http://schemas.microsoft.com/office/drawing/2014/main" id="{5C4D56EA-8905-CAFF-FA8B-91B461D57C36}"/>
-              </a:ext>
-            </a:extLst>
-          </p:cNvPr>
-          <p:cNvCxnSpPr>
-            <a:cxnSpLocks/>
-          </p:cNvCxnSpPr>
-          <p:nvPr/>
-        </p:nvCxnSpPr>
-        <p:spPr>
-          <a:xfrm>
-            <a:off x="929640" y="1237129"/>
-            <a:ext cx="10332720" cy="0"/>
-          </a:xfrm>
-          <a:prstGeom prst="line">
-            <a:avLst/>
-          </a:prstGeom>
-          <a:ln w="28575"/>
-        </p:spPr>
-        <p:style>
-          <a:lnRef idx="3">
-            <a:schemeClr val="dk1"/>
-          </a:lnRef>
-          <a:fillRef idx="0">
-            <a:schemeClr val="dk1"/>
-          </a:fillRef>
-          <a:effectRef idx="2">
-            <a:schemeClr val="dk1"/>
-          </a:effectRef>
-          <a:fontRef idx="minor">
-            <a:schemeClr val="tx1"/>
-          </a:fontRef>
-        </p:style>
-      </p:cxnSp>
-      <p:sp>
-        <p:nvSpPr>
-          <p:cNvPr id="4" name="Title 1">
-            <a:extLst>
-              <a:ext uri="{FF2B5EF4-FFF2-40B4-BE49-F238E27FC236}">
-                <a16:creationId xmlns:a16="http://schemas.microsoft.com/office/drawing/2014/main" id="{7ED9CE21-68A5-DE6F-C9B3-F22A1957B184}"/>
-              </a:ext>
-            </a:extLst>
-          </p:cNvPr>
-          <p:cNvSpPr txBox="1">
-            <a:spLocks/>
-          </p:cNvSpPr>
-          <p:nvPr/>
-        </p:nvSpPr>
-        <p:spPr>
-          <a:xfrm>
-            <a:off x="929640" y="1305381"/>
-            <a:ext cx="10332720" cy="959083"/>
-          </a:xfrm>
-          <a:prstGeom prst="rect">
-            <a:avLst/>
-          </a:prstGeom>
-        </p:spPr>
-        <p:txBody>
-          <a:bodyPr vert="horz" lIns="91440" tIns="45720" rIns="91440" bIns="45720" rtlCol="0" anchor="ctr">
-            <a:normAutofit/>
-          </a:bodyPr>
-          <a:lstStyle>
-            <a:lvl1pPr algn="l" defTabSz="914400" rtl="0" eaLnBrk="1" latinLnBrk="0" hangingPunct="1">
-              <a:lnSpc>
-                <a:spcPct val="90000"/>
-              </a:lnSpc>
-              <a:spcBef>
-                <a:spcPct val="0"/>
-              </a:spcBef>
-              <a:buNone/>
-              <a:defRPr sz="4400" kern="1200">
-                <a:solidFill>
-                  <a:schemeClr val="tx1"/>
-                </a:solidFill>
-                <a:latin typeface="+mj-lt"/>
-                <a:ea typeface="+mj-ea"/>
-                <a:cs typeface="+mj-cs"/>
-              </a:defRPr>
-            </a:lvl1pPr>
-          </a:lstStyle>
-          <a:p>
-            <a:r>
-              <a:rPr lang="en-US" sz="3600" b="1" dirty="0">
-                <a:solidFill>
-                  <a:srgbClr val="F8981C"/>
-                </a:solidFill>
-              </a:rPr>
               <a:t>Tools</a:t>
             </a:r>
           </a:p>
@@ -7560,7 +6874,7 @@
         </p:nvSpPr>
         <p:spPr bwMode="auto">
           <a:xfrm>
-            <a:off x="929640" y="2223761"/>
+            <a:off x="929640" y="2091670"/>
             <a:ext cx="10332720" cy="4401205"/>
           </a:xfrm>
           <a:prstGeom prst="rect">
@@ -7891,6 +7205,35 @@
           </a:p>
         </p:txBody>
       </p:sp>
+      <p:sp>
+        <p:nvSpPr>
+          <p:cNvPr id="8" name="Slide Number Placeholder 7">
+            <a:extLst>
+              <a:ext uri="{FF2B5EF4-FFF2-40B4-BE49-F238E27FC236}">
+                <a16:creationId xmlns:a16="http://schemas.microsoft.com/office/drawing/2014/main" id="{888A3329-BADE-3B63-48F0-A82F2D0F33E4}"/>
+              </a:ext>
+            </a:extLst>
+          </p:cNvPr>
+          <p:cNvSpPr>
+            <a:spLocks noGrp="1"/>
+          </p:cNvSpPr>
+          <p:nvPr>
+            <p:ph type="sldNum" sz="quarter" idx="12"/>
+          </p:nvPr>
+        </p:nvSpPr>
+        <p:spPr/>
+        <p:txBody>
+          <a:bodyPr/>
+          <a:lstStyle/>
+          <a:p>
+            <a:fld id="{1790B155-6E1C-4814-99CE-AE4605F3A38C}" type="slidenum">
+              <a:rPr lang="en-US" smtClean="0"/>
+              <a:t>19</a:t>
+            </a:fld>
+            <a:endParaRPr lang="en-US"/>
+          </a:p>
+        </p:txBody>
+      </p:sp>
     </p:spTree>
     <p:extLst>
       <p:ext uri="{BB962C8B-B14F-4D97-AF65-F5344CB8AC3E}">
@@ -7904,7 +7247,166 @@
 </p:sld>
 </file>
 
-<file path=ppt/slides/slide27.xml><?xml version="1.0" encoding="utf-8"?>
+<file path=ppt/slides/slide2.xml><?xml version="1.0" encoding="utf-8"?>
+<p:sld xmlns:a="http://schemas.openxmlformats.org/drawingml/2006/main" xmlns:r="http://schemas.openxmlformats.org/officeDocument/2006/relationships" xmlns:p="http://schemas.openxmlformats.org/presentationml/2006/main">
+  <p:cSld>
+    <p:spTree>
+      <p:nvGrpSpPr>
+        <p:cNvPr id="1" name=""/>
+        <p:cNvGrpSpPr/>
+        <p:nvPr/>
+      </p:nvGrpSpPr>
+      <p:grpSpPr>
+        <a:xfrm>
+          <a:off x="0" y="0"/>
+          <a:ext cx="0" cy="0"/>
+          <a:chOff x="0" y="0"/>
+          <a:chExt cx="0" cy="0"/>
+        </a:xfrm>
+      </p:grpSpPr>
+      <p:sp>
+        <p:nvSpPr>
+          <p:cNvPr id="2" name="Title 1"/>
+          <p:cNvSpPr>
+            <a:spLocks noGrp="1"/>
+          </p:cNvSpPr>
+          <p:nvPr>
+            <p:ph type="title"/>
+          </p:nvPr>
+        </p:nvSpPr>
+        <p:spPr/>
+        <p:txBody>
+          <a:bodyPr/>
+          <a:lstStyle/>
+          <a:p>
+            <a:r>
+              <a:rPr lang="en-US" b="1" dirty="0">
+                <a:solidFill>
+                  <a:srgbClr val="36ABF3"/>
+                </a:solidFill>
+              </a:rPr>
+              <a:t>Table of Contents</a:t>
+            </a:r>
+          </a:p>
+        </p:txBody>
+      </p:sp>
+      <p:sp>
+        <p:nvSpPr>
+          <p:cNvPr id="3" name="Content Placeholder 2"/>
+          <p:cNvSpPr>
+            <a:spLocks noGrp="1"/>
+          </p:cNvSpPr>
+          <p:nvPr>
+            <p:ph idx="1"/>
+          </p:nvPr>
+        </p:nvSpPr>
+        <p:spPr/>
+        <p:txBody>
+          <a:bodyPr>
+            <a:normAutofit/>
+          </a:bodyPr>
+          <a:lstStyle/>
+          <a:p>
+            <a:pPr algn="just"/>
+            <a:r>
+              <a:rPr lang="en-US" dirty="0"/>
+              <a:t>Introduction</a:t>
+            </a:r>
+          </a:p>
+          <a:p>
+            <a:pPr algn="just"/>
+            <a:r>
+              <a:rPr lang="en-US" dirty="0"/>
+              <a:t>Literature Review</a:t>
+            </a:r>
+          </a:p>
+          <a:p>
+            <a:pPr algn="just"/>
+            <a:r>
+              <a:rPr lang="en-US" dirty="0"/>
+              <a:t>Benchmarking</a:t>
+            </a:r>
+          </a:p>
+          <a:p>
+            <a:pPr algn="just"/>
+            <a:r>
+              <a:rPr lang="en-US" dirty="0"/>
+              <a:t>Problem Statement</a:t>
+            </a:r>
+          </a:p>
+          <a:p>
+            <a:pPr algn="just"/>
+            <a:r>
+              <a:rPr lang="en-US" dirty="0"/>
+              <a:t>Proposed Model/Solution</a:t>
+            </a:r>
+          </a:p>
+          <a:p>
+            <a:pPr algn="just"/>
+            <a:r>
+              <a:rPr lang="en-US" dirty="0"/>
+              <a:t>Scope</a:t>
+            </a:r>
+          </a:p>
+          <a:p>
+            <a:pPr algn="just"/>
+            <a:r>
+              <a:rPr lang="en-US" dirty="0"/>
+              <a:t>Tools and Technologies</a:t>
+            </a:r>
+          </a:p>
+          <a:p>
+            <a:pPr algn="just"/>
+            <a:r>
+              <a:rPr lang="en-US" dirty="0"/>
+              <a:t>Final Outcome</a:t>
+            </a:r>
+          </a:p>
+        </p:txBody>
+      </p:sp>
+      <p:sp>
+        <p:nvSpPr>
+          <p:cNvPr id="7" name="Slide Number Placeholder 6">
+            <a:extLst>
+              <a:ext uri="{FF2B5EF4-FFF2-40B4-BE49-F238E27FC236}">
+                <a16:creationId xmlns:a16="http://schemas.microsoft.com/office/drawing/2014/main" id="{980ED5A6-AF8A-1361-3104-7396EF0F4140}"/>
+              </a:ext>
+            </a:extLst>
+          </p:cNvPr>
+          <p:cNvSpPr>
+            <a:spLocks noGrp="1"/>
+          </p:cNvSpPr>
+          <p:nvPr>
+            <p:ph type="sldNum" sz="quarter" idx="12"/>
+          </p:nvPr>
+        </p:nvSpPr>
+        <p:spPr/>
+        <p:txBody>
+          <a:bodyPr/>
+          <a:lstStyle/>
+          <a:p>
+            <a:fld id="{1790B155-6E1C-4814-99CE-AE4605F3A38C}" type="slidenum">
+              <a:rPr lang="en-US" smtClean="0"/>
+              <a:t>2</a:t>
+            </a:fld>
+            <a:endParaRPr lang="en-US"/>
+          </a:p>
+        </p:txBody>
+      </p:sp>
+    </p:spTree>
+    <p:extLst>
+      <p:ext uri="{BB962C8B-B14F-4D97-AF65-F5344CB8AC3E}">
+        <p14:creationId xmlns:p14="http://schemas.microsoft.com/office/powerpoint/2010/main" val="2345955974"/>
+      </p:ext>
+    </p:extLst>
+  </p:cSld>
+  <p:clrMapOvr>
+    <a:masterClrMapping/>
+  </p:clrMapOvr>
+</p:sld>
+</file>
+
+<file path=ppt/slides/slide20.xml><?xml version="1.0" encoding="utf-8"?>
 <p:sld xmlns:a="http://schemas.openxmlformats.org/drawingml/2006/main" xmlns:r="http://schemas.openxmlformats.org/officeDocument/2006/relationships" xmlns:p="http://schemas.openxmlformats.org/presentationml/2006/main">
   <p:cSld>
     <p:spTree>
@@ -8065,7 +7567,7 @@
             <p:ph idx="1"/>
             <p:extLst>
               <p:ext uri="{D42A27DB-BD31-4B8C-83A1-F6EECF244321}">
-                <p14:modId xmlns:p14="http://schemas.microsoft.com/office/powerpoint/2010/main" val="3878925464"/>
+                <p14:modId xmlns:p14="http://schemas.microsoft.com/office/powerpoint/2010/main" val="4021646348"/>
               </p:ext>
             </p:extLst>
           </p:nvPr>
@@ -8167,7 +7669,7 @@
                       </a:pPr>
                       <a:r>
                         <a:rPr lang="en-US" sz="2800" b="0" dirty="0"/>
-                        <a:t>Redux To0lkit</a:t>
+                        <a:t>Redux Toolkit</a:t>
                       </a:r>
                     </a:p>
                   </a:txBody>
@@ -8455,6 +7957,35 @@
           </a:graphicData>
         </a:graphic>
       </p:graphicFrame>
+      <p:sp>
+        <p:nvSpPr>
+          <p:cNvPr id="11" name="Slide Number Placeholder 10">
+            <a:extLst>
+              <a:ext uri="{FF2B5EF4-FFF2-40B4-BE49-F238E27FC236}">
+                <a16:creationId xmlns:a16="http://schemas.microsoft.com/office/drawing/2014/main" id="{1DD7FF33-51B4-E7AB-EC74-23D96F4762DA}"/>
+              </a:ext>
+            </a:extLst>
+          </p:cNvPr>
+          <p:cNvSpPr>
+            <a:spLocks noGrp="1"/>
+          </p:cNvSpPr>
+          <p:nvPr>
+            <p:ph type="sldNum" sz="quarter" idx="12"/>
+          </p:nvPr>
+        </p:nvSpPr>
+        <p:spPr/>
+        <p:txBody>
+          <a:bodyPr/>
+          <a:lstStyle/>
+          <a:p>
+            <a:fld id="{1790B155-6E1C-4814-99CE-AE4605F3A38C}" type="slidenum">
+              <a:rPr lang="en-US" smtClean="0"/>
+              <a:t>20</a:t>
+            </a:fld>
+            <a:endParaRPr lang="en-US"/>
+          </a:p>
+        </p:txBody>
+      </p:sp>
     </p:spTree>
     <p:extLst>
       <p:ext uri="{BB962C8B-B14F-4D97-AF65-F5344CB8AC3E}">
@@ -8468,7 +7999,7 @@
 </p:sld>
 </file>
 
-<file path=ppt/slides/slide28.xml><?xml version="1.0" encoding="utf-8"?>
+<file path=ppt/slides/slide21.xml><?xml version="1.0" encoding="utf-8"?>
 <p:sld xmlns:a="http://schemas.openxmlformats.org/drawingml/2006/main" xmlns:r="http://schemas.openxmlformats.org/officeDocument/2006/relationships" xmlns:p="http://schemas.openxmlformats.org/presentationml/2006/main">
   <p:cSld>
     <p:spTree>
@@ -8851,6 +8382,35 @@
           </a:graphicData>
         </a:graphic>
       </p:graphicFrame>
+      <p:sp>
+        <p:nvSpPr>
+          <p:cNvPr id="11" name="Slide Number Placeholder 10">
+            <a:extLst>
+              <a:ext uri="{FF2B5EF4-FFF2-40B4-BE49-F238E27FC236}">
+                <a16:creationId xmlns:a16="http://schemas.microsoft.com/office/drawing/2014/main" id="{621C84A5-791A-F1D4-66D6-C5D518F2EC9F}"/>
+              </a:ext>
+            </a:extLst>
+          </p:cNvPr>
+          <p:cNvSpPr>
+            <a:spLocks noGrp="1"/>
+          </p:cNvSpPr>
+          <p:nvPr>
+            <p:ph type="sldNum" sz="quarter" idx="12"/>
+          </p:nvPr>
+        </p:nvSpPr>
+        <p:spPr/>
+        <p:txBody>
+          <a:bodyPr/>
+          <a:lstStyle/>
+          <a:p>
+            <a:fld id="{1790B155-6E1C-4814-99CE-AE4605F3A38C}" type="slidenum">
+              <a:rPr lang="en-US" smtClean="0"/>
+              <a:t>21</a:t>
+            </a:fld>
+            <a:endParaRPr lang="en-US"/>
+          </a:p>
+        </p:txBody>
+      </p:sp>
     </p:spTree>
     <p:extLst>
       <p:ext uri="{BB962C8B-B14F-4D97-AF65-F5344CB8AC3E}">
@@ -8864,12 +8424,18 @@
 </p:sld>
 </file>
 
-<file path=ppt/slides/slide29.xml><?xml version="1.0" encoding="utf-8"?>
+<file path=ppt/slides/slide22.xml><?xml version="1.0" encoding="utf-8"?>
 <p:sld xmlns:a="http://schemas.openxmlformats.org/drawingml/2006/main" xmlns:r="http://schemas.openxmlformats.org/officeDocument/2006/relationships" xmlns:p="http://schemas.openxmlformats.org/presentationml/2006/main">
   <p:cSld>
     <p:spTree>
       <p:nvGrpSpPr>
-        <p:cNvPr id="1" name=""/>
+        <p:cNvPr id="1" name="">
+          <a:extLst>
+            <a:ext uri="{FF2B5EF4-FFF2-40B4-BE49-F238E27FC236}">
+              <a16:creationId xmlns:a16="http://schemas.microsoft.com/office/drawing/2014/main" id="{560F5A70-39D1-E595-CD2C-2590E745433E}"/>
+            </a:ext>
+          </a:extLst>
+        </p:cNvPr>
         <p:cNvGrpSpPr/>
         <p:nvPr/>
       </p:nvGrpSpPr>
@@ -8883,190 +8449,13 @@
       </p:grpSpPr>
       <p:sp>
         <p:nvSpPr>
-          <p:cNvPr id="2" name="Title 1"/>
-          <p:cNvSpPr>
-            <a:spLocks noGrp="1"/>
-          </p:cNvSpPr>
-          <p:nvPr>
-            <p:ph type="title"/>
-          </p:nvPr>
-        </p:nvSpPr>
-        <p:spPr/>
-        <p:txBody>
-          <a:bodyPr/>
-          <a:lstStyle/>
-          <a:p>
-            <a:r>
-              <a:rPr lang="en-US" b="1" dirty="0">
-                <a:solidFill>
-                  <a:schemeClr val="accent1">
-                    <a:lumMod val="75000"/>
-                  </a:schemeClr>
-                </a:solidFill>
-              </a:rPr>
-              <a:t>Final Outcome</a:t>
-            </a:r>
-          </a:p>
-        </p:txBody>
-      </p:sp>
-      <p:sp>
-        <p:nvSpPr>
-          <p:cNvPr id="3" name="Content Placeholder 2"/>
-          <p:cNvSpPr>
-            <a:spLocks noGrp="1"/>
-          </p:cNvSpPr>
-          <p:nvPr>
-            <p:ph idx="1"/>
-          </p:nvPr>
-        </p:nvSpPr>
-        <p:spPr/>
-        <p:txBody>
-          <a:bodyPr/>
-          <a:lstStyle/>
-          <a:p>
-            <a:pPr algn="just"/>
-            <a:r>
-              <a:rPr lang="en-US" dirty="0"/>
-              <a:t>Describe shortly the nature of your project outcome. </a:t>
-            </a:r>
-          </a:p>
-          <a:p>
-            <a:pPr algn="just"/>
-            <a:r>
-              <a:rPr lang="en-US" dirty="0"/>
-              <a:t>Whether it’s a Advance Technology/ Product / Framework/ Solution to the existing Problem or a novel research, etc. </a:t>
-            </a:r>
-          </a:p>
-        </p:txBody>
-      </p:sp>
-    </p:spTree>
-    <p:extLst>
-      <p:ext uri="{BB962C8B-B14F-4D97-AF65-F5344CB8AC3E}">
-        <p14:creationId xmlns:p14="http://schemas.microsoft.com/office/powerpoint/2010/main" val="1857402067"/>
-      </p:ext>
-    </p:extLst>
-  </p:cSld>
-  <p:clrMapOvr>
-    <a:masterClrMapping/>
-  </p:clrMapOvr>
-</p:sld>
-</file>
-
-<file path=ppt/slides/slide3.xml><?xml version="1.0" encoding="utf-8"?>
-<p:sld xmlns:a="http://schemas.openxmlformats.org/drawingml/2006/main" xmlns:r="http://schemas.openxmlformats.org/officeDocument/2006/relationships" xmlns:p="http://schemas.openxmlformats.org/presentationml/2006/main">
-  <p:cSld>
-    <p:spTree>
-      <p:nvGrpSpPr>
-        <p:cNvPr id="1" name=""/>
-        <p:cNvGrpSpPr/>
-        <p:nvPr/>
-      </p:nvGrpSpPr>
-      <p:grpSpPr>
-        <a:xfrm>
-          <a:off x="0" y="0"/>
-          <a:ext cx="0" cy="0"/>
-          <a:chOff x="0" y="0"/>
-          <a:chExt cx="0" cy="0"/>
-        </a:xfrm>
-      </p:grpSpPr>
-      <p:sp>
-        <p:nvSpPr>
-          <p:cNvPr id="2" name="Title 1"/>
-          <p:cNvSpPr>
-            <a:spLocks noGrp="1"/>
-          </p:cNvSpPr>
-          <p:nvPr>
-            <p:ph type="title"/>
-          </p:nvPr>
-        </p:nvSpPr>
-        <p:spPr/>
-        <p:txBody>
-          <a:bodyPr/>
-          <a:lstStyle/>
-          <a:p>
-            <a:r>
-              <a:rPr lang="en-US" b="1" dirty="0">
-                <a:solidFill>
-                  <a:schemeClr val="accent1">
-                    <a:lumMod val="75000"/>
-                  </a:schemeClr>
-                </a:solidFill>
-              </a:rPr>
-              <a:t>Introduction</a:t>
-            </a:r>
-          </a:p>
-        </p:txBody>
-      </p:sp>
-      <p:sp>
-        <p:nvSpPr>
-          <p:cNvPr id="3" name="Content Placeholder 2"/>
-          <p:cNvSpPr>
-            <a:spLocks noGrp="1"/>
-          </p:cNvSpPr>
-          <p:nvPr>
-            <p:ph idx="1"/>
-          </p:nvPr>
-        </p:nvSpPr>
-        <p:spPr/>
-        <p:txBody>
-          <a:bodyPr/>
-          <a:lstStyle/>
-          <a:p>
-            <a:pPr algn="just"/>
-            <a:r>
-              <a:rPr lang="en-US" dirty="0"/>
-              <a:t>Prepare at-least two (2) slides to briefly describe your project idea.</a:t>
-            </a:r>
-          </a:p>
-          <a:p>
-            <a:pPr algn="just"/>
-            <a:r>
-              <a:rPr lang="en-US" dirty="0"/>
-              <a:t>Properly reference [1] previously used tools and technologies.</a:t>
-            </a:r>
-          </a:p>
-          <a:p>
-            <a:pPr algn="just"/>
-            <a:r>
-              <a:rPr lang="en-US" dirty="0"/>
-              <a:t>If your FYP is related to research oriented properly add references of the paper [2]. </a:t>
-            </a:r>
-          </a:p>
-        </p:txBody>
-      </p:sp>
-    </p:spTree>
-    <p:extLst>
-      <p:ext uri="{BB962C8B-B14F-4D97-AF65-F5344CB8AC3E}">
-        <p14:creationId xmlns:p14="http://schemas.microsoft.com/office/powerpoint/2010/main" val="1281242701"/>
-      </p:ext>
-    </p:extLst>
-  </p:cSld>
-  <p:clrMapOvr>
-    <a:masterClrMapping/>
-  </p:clrMapOvr>
-</p:sld>
-</file>
-
-<file path=ppt/slides/slide30.xml><?xml version="1.0" encoding="utf-8"?>
-<p:sld xmlns:a="http://schemas.openxmlformats.org/drawingml/2006/main" xmlns:r="http://schemas.openxmlformats.org/officeDocument/2006/relationships" xmlns:p="http://schemas.openxmlformats.org/presentationml/2006/main">
-  <p:cSld>
-    <p:spTree>
-      <p:nvGrpSpPr>
-        <p:cNvPr id="1" name=""/>
-        <p:cNvGrpSpPr/>
-        <p:nvPr/>
-      </p:nvGrpSpPr>
-      <p:grpSpPr>
-        <a:xfrm>
-          <a:off x="0" y="0"/>
-          <a:ext cx="0" cy="0"/>
-          <a:chOff x="0" y="0"/>
-          <a:chExt cx="0" cy="0"/>
-        </a:xfrm>
-      </p:grpSpPr>
-      <p:sp>
-        <p:nvSpPr>
-          <p:cNvPr id="2" name="Title 1"/>
+          <p:cNvPr id="2" name="Title 1">
+            <a:extLst>
+              <a:ext uri="{FF2B5EF4-FFF2-40B4-BE49-F238E27FC236}">
+                <a16:creationId xmlns:a16="http://schemas.microsoft.com/office/drawing/2014/main" id="{22AA1DBA-E6FF-4527-4967-23458A52F82E}"/>
+              </a:ext>
+            </a:extLst>
+          </p:cNvPr>
           <p:cNvSpPr>
             <a:spLocks noGrp="1"/>
           </p:cNvSpPr>
@@ -9090,45 +8479,8 @@
                   <a:srgbClr val="36ABF3"/>
                 </a:solidFill>
               </a:rPr>
-              <a:t>Final Outcome</a:t>
-            </a:r>
-          </a:p>
-        </p:txBody>
-      </p:sp>
-      <p:sp>
-        <p:nvSpPr>
-          <p:cNvPr id="3" name="Content Placeholder 2"/>
-          <p:cNvSpPr>
-            <a:spLocks noGrp="1"/>
-          </p:cNvSpPr>
-          <p:nvPr>
-            <p:ph idx="1"/>
-          </p:nvPr>
-        </p:nvSpPr>
-        <p:spPr>
-          <a:xfrm>
-            <a:off x="929640" y="1506072"/>
-            <a:ext cx="10332720" cy="4867834"/>
-          </a:xfrm>
-        </p:spPr>
-        <p:txBody>
-          <a:bodyPr>
-            <a:normAutofit/>
-          </a:bodyPr>
-          <a:lstStyle/>
-          <a:p>
-            <a:pPr marL="0" indent="0" algn="just">
-              <a:buNone/>
-            </a:pPr>
-            <a:r>
-              <a:rPr lang="en-US" dirty="0"/>
-              <a:t>Constituency Connect is a targeted solution designed to improve communication between citizens and their elected representatives. The platform tackles existing communication inefficiencies by facilitating  real-time interactions, complaint submissions, tracking, and transparent monitoring of representative performance, all while streamlining complaint management and providing tools for virtual meetings. With real-time notifications and role-specific access, it promotes transparency, accountability, and increased civic engagement. This platform effectively addresses existing gaps by offering an efficient solution for complaint management, empowering both constituents and representatives to engage more meaningfully and enhance civic </a:t>
-            </a:r>
-            <a:r>
-              <a:rPr lang="en-US"/>
-              <a:t>participation.</a:t>
-            </a:r>
-            <a:endParaRPr lang="en-US" dirty="0"/>
+              <a:t>Tools and Technologies</a:t>
+            </a:r>
           </a:p>
         </p:txBody>
       </p:sp>
@@ -9137,7 +8489,7 @@
           <p:cNvPr id="10" name="Straight Connector 9">
             <a:extLst>
               <a:ext uri="{FF2B5EF4-FFF2-40B4-BE49-F238E27FC236}">
-                <a16:creationId xmlns:a16="http://schemas.microsoft.com/office/drawing/2014/main" id="{5C4D56EA-8905-CAFF-FA8B-91B461D57C36}"/>
+                <a16:creationId xmlns:a16="http://schemas.microsoft.com/office/drawing/2014/main" id="{4715119F-9BBB-EA62-3C5A-F1E29CF1D0C9}"/>
               </a:ext>
             </a:extLst>
           </p:cNvPr>
@@ -9171,10 +8523,127 @@
           </a:fontRef>
         </p:style>
       </p:cxnSp>
+      <p:sp>
+        <p:nvSpPr>
+          <p:cNvPr id="4" name="Title 1">
+            <a:extLst>
+              <a:ext uri="{FF2B5EF4-FFF2-40B4-BE49-F238E27FC236}">
+                <a16:creationId xmlns:a16="http://schemas.microsoft.com/office/drawing/2014/main" id="{D7941DAA-BCFA-0141-A661-7AA3D2E4588E}"/>
+              </a:ext>
+            </a:extLst>
+          </p:cNvPr>
+          <p:cNvSpPr txBox="1">
+            <a:spLocks/>
+          </p:cNvSpPr>
+          <p:nvPr/>
+        </p:nvSpPr>
+        <p:spPr>
+          <a:xfrm>
+            <a:off x="929640" y="1305381"/>
+            <a:ext cx="10332720" cy="959083"/>
+          </a:xfrm>
+          <a:prstGeom prst="rect">
+            <a:avLst/>
+          </a:prstGeom>
+        </p:spPr>
+        <p:txBody>
+          <a:bodyPr vert="horz" lIns="91440" tIns="45720" rIns="91440" bIns="45720" rtlCol="0" anchor="ctr">
+            <a:normAutofit/>
+          </a:bodyPr>
+          <a:lstStyle>
+            <a:lvl1pPr algn="l" defTabSz="914400" rtl="0" eaLnBrk="1" latinLnBrk="0" hangingPunct="1">
+              <a:lnSpc>
+                <a:spcPct val="90000"/>
+              </a:lnSpc>
+              <a:spcBef>
+                <a:spcPct val="0"/>
+              </a:spcBef>
+              <a:buNone/>
+              <a:defRPr sz="4400" kern="1200">
+                <a:solidFill>
+                  <a:schemeClr val="tx1"/>
+                </a:solidFill>
+                <a:latin typeface="+mj-lt"/>
+                <a:ea typeface="+mj-ea"/>
+                <a:cs typeface="+mj-cs"/>
+              </a:defRPr>
+            </a:lvl1pPr>
+          </a:lstStyle>
+          <a:p>
+            <a:r>
+              <a:rPr lang="en-US" sz="3600" b="1" dirty="0">
+                <a:solidFill>
+                  <a:srgbClr val="F8981C"/>
+                </a:solidFill>
+              </a:rPr>
+              <a:t>Stack Overflow Survey</a:t>
+            </a:r>
+          </a:p>
+        </p:txBody>
+      </p:sp>
+      <p:pic>
+        <p:nvPicPr>
+          <p:cNvPr id="7" name="Picture 6">
+            <a:extLst>
+              <a:ext uri="{FF2B5EF4-FFF2-40B4-BE49-F238E27FC236}">
+                <a16:creationId xmlns:a16="http://schemas.microsoft.com/office/drawing/2014/main" id="{000BE903-4915-17DF-CF9C-1CA39785E254}"/>
+              </a:ext>
+            </a:extLst>
+          </p:cNvPr>
+          <p:cNvPicPr>
+            <a:picLocks noChangeAspect="1"/>
+          </p:cNvPicPr>
+          <p:nvPr/>
+        </p:nvPicPr>
+        <p:blipFill>
+          <a:blip r:embed="rId2"/>
+          <a:stretch>
+            <a:fillRect/>
+          </a:stretch>
+        </p:blipFill>
+        <p:spPr>
+          <a:xfrm>
+            <a:off x="929640" y="2121834"/>
+            <a:ext cx="10332721" cy="3953081"/>
+          </a:xfrm>
+          <a:prstGeom prst="rect">
+            <a:avLst/>
+          </a:prstGeom>
+        </p:spPr>
+      </p:pic>
+      <p:sp>
+        <p:nvSpPr>
+          <p:cNvPr id="8" name="Slide Number Placeholder 7">
+            <a:extLst>
+              <a:ext uri="{FF2B5EF4-FFF2-40B4-BE49-F238E27FC236}">
+                <a16:creationId xmlns:a16="http://schemas.microsoft.com/office/drawing/2014/main" id="{E8AF0444-2315-0C9C-1BB6-896A7CFC7D86}"/>
+              </a:ext>
+            </a:extLst>
+          </p:cNvPr>
+          <p:cNvSpPr>
+            <a:spLocks noGrp="1"/>
+          </p:cNvSpPr>
+          <p:nvPr>
+            <p:ph type="sldNum" sz="quarter" idx="12"/>
+          </p:nvPr>
+        </p:nvSpPr>
+        <p:spPr/>
+        <p:txBody>
+          <a:bodyPr/>
+          <a:lstStyle/>
+          <a:p>
+            <a:fld id="{1790B155-6E1C-4814-99CE-AE4605F3A38C}" type="slidenum">
+              <a:rPr lang="en-US" smtClean="0"/>
+              <a:t>22</a:t>
+            </a:fld>
+            <a:endParaRPr lang="en-US"/>
+          </a:p>
+        </p:txBody>
+      </p:sp>
     </p:spTree>
     <p:extLst>
       <p:ext uri="{BB962C8B-B14F-4D97-AF65-F5344CB8AC3E}">
-        <p14:creationId xmlns:p14="http://schemas.microsoft.com/office/powerpoint/2010/main" val="1805584868"/>
+        <p14:creationId xmlns:p14="http://schemas.microsoft.com/office/powerpoint/2010/main" val="2676904597"/>
       </p:ext>
     </p:extLst>
   </p:cSld>
@@ -9184,12 +8653,18 @@
 </p:sld>
 </file>
 
-<file path=ppt/slides/slide31.xml><?xml version="1.0" encoding="utf-8"?>
+<file path=ppt/slides/slide23.xml><?xml version="1.0" encoding="utf-8"?>
 <p:sld xmlns:a="http://schemas.openxmlformats.org/drawingml/2006/main" xmlns:r="http://schemas.openxmlformats.org/officeDocument/2006/relationships" xmlns:p="http://schemas.openxmlformats.org/presentationml/2006/main">
   <p:cSld>
     <p:spTree>
       <p:nvGrpSpPr>
-        <p:cNvPr id="1" name=""/>
+        <p:cNvPr id="1" name="">
+          <a:extLst>
+            <a:ext uri="{FF2B5EF4-FFF2-40B4-BE49-F238E27FC236}">
+              <a16:creationId xmlns:a16="http://schemas.microsoft.com/office/drawing/2014/main" id="{918C1284-1D03-D595-6AAE-B3DCCDD7C8E4}"/>
+            </a:ext>
+          </a:extLst>
+        </p:cNvPr>
         <p:cNvGrpSpPr/>
         <p:nvPr/>
       </p:nvGrpSpPr>
@@ -9203,7 +8678,13 @@
       </p:grpSpPr>
       <p:sp>
         <p:nvSpPr>
-          <p:cNvPr id="2" name="Title 1"/>
+          <p:cNvPr id="2" name="Title 1">
+            <a:extLst>
+              <a:ext uri="{FF2B5EF4-FFF2-40B4-BE49-F238E27FC236}">
+                <a16:creationId xmlns:a16="http://schemas.microsoft.com/office/drawing/2014/main" id="{65F754C7-CAC4-5633-210F-99B1942F318C}"/>
+              </a:ext>
+            </a:extLst>
+          </p:cNvPr>
           <p:cNvSpPr>
             <a:spLocks noGrp="1"/>
           </p:cNvSpPr>
@@ -9211,7 +8692,12 @@
             <p:ph type="title"/>
           </p:nvPr>
         </p:nvSpPr>
-        <p:spPr/>
+        <p:spPr>
+          <a:xfrm>
+            <a:off x="838200" y="365125"/>
+            <a:ext cx="10515600" cy="980959"/>
+          </a:xfrm>
+        </p:spPr>
         <p:txBody>
           <a:bodyPr/>
           <a:lstStyle/>
@@ -9219,84 +8705,174 @@
             <a:r>
               <a:rPr lang="en-US" b="1" dirty="0">
                 <a:solidFill>
-                  <a:schemeClr val="accent1">
-                    <a:lumMod val="75000"/>
-                  </a:schemeClr>
+                  <a:srgbClr val="36ABF3"/>
                 </a:solidFill>
               </a:rPr>
-              <a:t>References</a:t>
-            </a:r>
-          </a:p>
-        </p:txBody>
-      </p:sp>
-      <p:sp>
-        <p:nvSpPr>
-          <p:cNvPr id="3" name="Content Placeholder 2"/>
-          <p:cNvSpPr>
-            <a:spLocks noGrp="1"/>
-          </p:cNvSpPr>
-          <p:nvPr>
-            <p:ph idx="1"/>
-          </p:nvPr>
-        </p:nvSpPr>
-        <p:spPr/>
-        <p:txBody>
-          <a:bodyPr>
+              <a:t>Tools and Technologies</a:t>
+            </a:r>
+          </a:p>
+        </p:txBody>
+      </p:sp>
+      <p:cxnSp>
+        <p:nvCxnSpPr>
+          <p:cNvPr id="10" name="Straight Connector 9">
+            <a:extLst>
+              <a:ext uri="{FF2B5EF4-FFF2-40B4-BE49-F238E27FC236}">
+                <a16:creationId xmlns:a16="http://schemas.microsoft.com/office/drawing/2014/main" id="{2285D1A8-9A90-BB9F-273E-A8416534E23B}"/>
+              </a:ext>
+            </a:extLst>
+          </p:cNvPr>
+          <p:cNvCxnSpPr>
+            <a:cxnSpLocks/>
+          </p:cNvCxnSpPr>
+          <p:nvPr/>
+        </p:nvCxnSpPr>
+        <p:spPr>
+          <a:xfrm>
+            <a:off x="929640" y="1237129"/>
+            <a:ext cx="10332720" cy="0"/>
+          </a:xfrm>
+          <a:prstGeom prst="line">
+            <a:avLst/>
+          </a:prstGeom>
+          <a:ln w="28575"/>
+        </p:spPr>
+        <p:style>
+          <a:lnRef idx="3">
+            <a:schemeClr val="dk1"/>
+          </a:lnRef>
+          <a:fillRef idx="0">
+            <a:schemeClr val="dk1"/>
+          </a:fillRef>
+          <a:effectRef idx="2">
+            <a:schemeClr val="dk1"/>
+          </a:effectRef>
+          <a:fontRef idx="minor">
+            <a:schemeClr val="tx1"/>
+          </a:fontRef>
+        </p:style>
+      </p:cxnSp>
+      <p:sp>
+        <p:nvSpPr>
+          <p:cNvPr id="4" name="Title 1">
+            <a:extLst>
+              <a:ext uri="{FF2B5EF4-FFF2-40B4-BE49-F238E27FC236}">
+                <a16:creationId xmlns:a16="http://schemas.microsoft.com/office/drawing/2014/main" id="{C1687ACA-D7C8-0B75-B09C-ADE4ACC88606}"/>
+              </a:ext>
+            </a:extLst>
+          </p:cNvPr>
+          <p:cNvSpPr txBox="1">
+            <a:spLocks/>
+          </p:cNvSpPr>
+          <p:nvPr/>
+        </p:nvSpPr>
+        <p:spPr>
+          <a:xfrm>
+            <a:off x="929640" y="1305381"/>
+            <a:ext cx="10332720" cy="959083"/>
+          </a:xfrm>
+          <a:prstGeom prst="rect">
+            <a:avLst/>
+          </a:prstGeom>
+        </p:spPr>
+        <p:txBody>
+          <a:bodyPr vert="horz" lIns="91440" tIns="45720" rIns="91440" bIns="45720" rtlCol="0" anchor="ctr">
             <a:normAutofit/>
           </a:bodyPr>
-          <a:lstStyle/>
-          <a:p>
-            <a:pPr marL="514350" indent="-514350">
-              <a:buFont typeface="+mj-lt"/>
-              <a:buAutoNum type="arabicPeriod"/>
-            </a:pPr>
-            <a:r>
-              <a:rPr lang="en-US" dirty="0">
-                <a:hlinkClick r:id="rId2"/>
+          <a:lstStyle>
+            <a:lvl1pPr algn="l" defTabSz="914400" rtl="0" eaLnBrk="1" latinLnBrk="0" hangingPunct="1">
+              <a:lnSpc>
+                <a:spcPct val="90000"/>
+              </a:lnSpc>
+              <a:spcBef>
+                <a:spcPct val="0"/>
+              </a:spcBef>
+              <a:buNone/>
+              <a:defRPr sz="4400" kern="1200">
+                <a:solidFill>
+                  <a:schemeClr val="tx1"/>
+                </a:solidFill>
+                <a:latin typeface="+mj-lt"/>
+                <a:ea typeface="+mj-ea"/>
+                <a:cs typeface="+mj-cs"/>
+              </a:defRPr>
+            </a:lvl1pPr>
+          </a:lstStyle>
+          <a:p>
+            <a:r>
+              <a:rPr lang="en-US" sz="3600" b="1" dirty="0">
+                <a:solidFill>
+                  <a:srgbClr val="F8981C"/>
+                </a:solidFill>
               </a:rPr>
-              <a:t>www.deeplearning.ai</a:t>
-            </a:r>
-            <a:r>
-              <a:rPr lang="en-US" dirty="0"/>
-              <a:t> (Last visit date 13-09-2024)</a:t>
-            </a:r>
-          </a:p>
-          <a:p>
-            <a:pPr marL="514350" indent="-514350">
-              <a:buFont typeface="+mj-lt"/>
-              <a:buAutoNum type="arabicPeriod"/>
-            </a:pPr>
-            <a:r>
-              <a:rPr lang="en-US" dirty="0"/>
-              <a:t>M. Habib, A. Hussain, S. Rasheed, M. Ali, Adaptive fuzzy inference system based directional median filter for impulse noise removal, AEU - International Journal of Electronics and Communications, 70 (5), 2016, 689-697, </a:t>
-            </a:r>
-            <a:r>
-              <a:rPr lang="en-US" dirty="0">
-                <a:hlinkClick r:id="rId3"/>
-              </a:rPr>
-              <a:t>https://doi.org/10.1016/j.aeue.2016.02.005</a:t>
-            </a:r>
-            <a:r>
-              <a:rPr lang="en-US" dirty="0"/>
-              <a:t>.</a:t>
-            </a:r>
-          </a:p>
-          <a:p>
-            <a:pPr marL="514350" indent="-514350">
-              <a:buFont typeface="+mj-lt"/>
-              <a:buAutoNum type="arabicPeriod"/>
-            </a:pPr>
-            <a:r>
-              <a:rPr lang="en-US" dirty="0"/>
-              <a:t>…</a:t>
-            </a:r>
+              <a:t>Stack Overflow Survey</a:t>
+            </a:r>
+          </a:p>
+        </p:txBody>
+      </p:sp>
+      <p:pic>
+        <p:nvPicPr>
+          <p:cNvPr id="8" name="Picture 7">
+            <a:extLst>
+              <a:ext uri="{FF2B5EF4-FFF2-40B4-BE49-F238E27FC236}">
+                <a16:creationId xmlns:a16="http://schemas.microsoft.com/office/drawing/2014/main" id="{1FD9F58A-7C3F-5AE7-D04B-AA2888941D20}"/>
+              </a:ext>
+            </a:extLst>
+          </p:cNvPr>
+          <p:cNvPicPr>
+            <a:picLocks noChangeAspect="1"/>
+          </p:cNvPicPr>
+          <p:nvPr/>
+        </p:nvPicPr>
+        <p:blipFill>
+          <a:blip r:embed="rId2"/>
+          <a:stretch>
+            <a:fillRect/>
+          </a:stretch>
+        </p:blipFill>
+        <p:spPr>
+          <a:xfrm>
+            <a:off x="929640" y="2116488"/>
+            <a:ext cx="10332720" cy="4068412"/>
+          </a:xfrm>
+          <a:prstGeom prst="rect">
+            <a:avLst/>
+          </a:prstGeom>
+        </p:spPr>
+      </p:pic>
+      <p:sp>
+        <p:nvSpPr>
+          <p:cNvPr id="7" name="Slide Number Placeholder 6">
+            <a:extLst>
+              <a:ext uri="{FF2B5EF4-FFF2-40B4-BE49-F238E27FC236}">
+                <a16:creationId xmlns:a16="http://schemas.microsoft.com/office/drawing/2014/main" id="{F1AB47AA-E40C-F43E-715A-8E0B0C997CB5}"/>
+              </a:ext>
+            </a:extLst>
+          </p:cNvPr>
+          <p:cNvSpPr>
+            <a:spLocks noGrp="1"/>
+          </p:cNvSpPr>
+          <p:nvPr>
+            <p:ph type="sldNum" sz="quarter" idx="12"/>
+          </p:nvPr>
+        </p:nvSpPr>
+        <p:spPr/>
+        <p:txBody>
+          <a:bodyPr/>
+          <a:lstStyle/>
+          <a:p>
+            <a:fld id="{1790B155-6E1C-4814-99CE-AE4605F3A38C}" type="slidenum">
+              <a:rPr lang="en-US" smtClean="0"/>
+              <a:t>23</a:t>
+            </a:fld>
+            <a:endParaRPr lang="en-US"/>
           </a:p>
         </p:txBody>
       </p:sp>
     </p:spTree>
     <p:extLst>
       <p:ext uri="{BB962C8B-B14F-4D97-AF65-F5344CB8AC3E}">
-        <p14:creationId xmlns:p14="http://schemas.microsoft.com/office/powerpoint/2010/main" val="2002503975"/>
+        <p14:creationId xmlns:p14="http://schemas.microsoft.com/office/powerpoint/2010/main" val="607444579"/>
       </p:ext>
     </p:extLst>
   </p:cSld>
@@ -9306,7 +8882,710 @@
 </p:sld>
 </file>
 
-<file path=ppt/slides/slide32.xml><?xml version="1.0" encoding="utf-8"?>
+<file path=ppt/slides/slide24.xml><?xml version="1.0" encoding="utf-8"?>
+<p:sld xmlns:a="http://schemas.openxmlformats.org/drawingml/2006/main" xmlns:r="http://schemas.openxmlformats.org/officeDocument/2006/relationships" xmlns:p="http://schemas.openxmlformats.org/presentationml/2006/main">
+  <p:cSld>
+    <p:spTree>
+      <p:nvGrpSpPr>
+        <p:cNvPr id="1" name="">
+          <a:extLst>
+            <a:ext uri="{FF2B5EF4-FFF2-40B4-BE49-F238E27FC236}">
+              <a16:creationId xmlns:a16="http://schemas.microsoft.com/office/drawing/2014/main" id="{488A19E2-3517-6463-F8BD-AEABC2F67BE4}"/>
+            </a:ext>
+          </a:extLst>
+        </p:cNvPr>
+        <p:cNvGrpSpPr/>
+        <p:nvPr/>
+      </p:nvGrpSpPr>
+      <p:grpSpPr>
+        <a:xfrm>
+          <a:off x="0" y="0"/>
+          <a:ext cx="0" cy="0"/>
+          <a:chOff x="0" y="0"/>
+          <a:chExt cx="0" cy="0"/>
+        </a:xfrm>
+      </p:grpSpPr>
+      <p:sp>
+        <p:nvSpPr>
+          <p:cNvPr id="2" name="Title 1">
+            <a:extLst>
+              <a:ext uri="{FF2B5EF4-FFF2-40B4-BE49-F238E27FC236}">
+                <a16:creationId xmlns:a16="http://schemas.microsoft.com/office/drawing/2014/main" id="{DF0106E8-D19A-78C0-F62C-D55BDE24BCDC}"/>
+              </a:ext>
+            </a:extLst>
+          </p:cNvPr>
+          <p:cNvSpPr>
+            <a:spLocks noGrp="1"/>
+          </p:cNvSpPr>
+          <p:nvPr>
+            <p:ph type="title"/>
+          </p:nvPr>
+        </p:nvSpPr>
+        <p:spPr>
+          <a:xfrm>
+            <a:off x="838200" y="365125"/>
+            <a:ext cx="10515600" cy="980959"/>
+          </a:xfrm>
+        </p:spPr>
+        <p:txBody>
+          <a:bodyPr/>
+          <a:lstStyle/>
+          <a:p>
+            <a:r>
+              <a:rPr lang="en-US" b="1" dirty="0">
+                <a:solidFill>
+                  <a:srgbClr val="36ABF3"/>
+                </a:solidFill>
+              </a:rPr>
+              <a:t>Tools and Technologies</a:t>
+            </a:r>
+          </a:p>
+        </p:txBody>
+      </p:sp>
+      <p:cxnSp>
+        <p:nvCxnSpPr>
+          <p:cNvPr id="10" name="Straight Connector 9">
+            <a:extLst>
+              <a:ext uri="{FF2B5EF4-FFF2-40B4-BE49-F238E27FC236}">
+                <a16:creationId xmlns:a16="http://schemas.microsoft.com/office/drawing/2014/main" id="{D9E37E41-66D5-E295-BA0E-ACAA534E74F7}"/>
+              </a:ext>
+            </a:extLst>
+          </p:cNvPr>
+          <p:cNvCxnSpPr>
+            <a:cxnSpLocks/>
+          </p:cNvCxnSpPr>
+          <p:nvPr/>
+        </p:nvCxnSpPr>
+        <p:spPr>
+          <a:xfrm>
+            <a:off x="929640" y="1237129"/>
+            <a:ext cx="10332720" cy="0"/>
+          </a:xfrm>
+          <a:prstGeom prst="line">
+            <a:avLst/>
+          </a:prstGeom>
+          <a:ln w="28575"/>
+        </p:spPr>
+        <p:style>
+          <a:lnRef idx="3">
+            <a:schemeClr val="dk1"/>
+          </a:lnRef>
+          <a:fillRef idx="0">
+            <a:schemeClr val="dk1"/>
+          </a:fillRef>
+          <a:effectRef idx="2">
+            <a:schemeClr val="dk1"/>
+          </a:effectRef>
+          <a:fontRef idx="minor">
+            <a:schemeClr val="tx1"/>
+          </a:fontRef>
+        </p:style>
+      </p:cxnSp>
+      <p:sp>
+        <p:nvSpPr>
+          <p:cNvPr id="4" name="Title 1">
+            <a:extLst>
+              <a:ext uri="{FF2B5EF4-FFF2-40B4-BE49-F238E27FC236}">
+                <a16:creationId xmlns:a16="http://schemas.microsoft.com/office/drawing/2014/main" id="{838980E8-D34B-91A6-FCBB-2E4EDC644143}"/>
+              </a:ext>
+            </a:extLst>
+          </p:cNvPr>
+          <p:cNvSpPr txBox="1">
+            <a:spLocks/>
+          </p:cNvSpPr>
+          <p:nvPr/>
+        </p:nvSpPr>
+        <p:spPr>
+          <a:xfrm>
+            <a:off x="929640" y="1305381"/>
+            <a:ext cx="10332720" cy="959083"/>
+          </a:xfrm>
+          <a:prstGeom prst="rect">
+            <a:avLst/>
+          </a:prstGeom>
+        </p:spPr>
+        <p:txBody>
+          <a:bodyPr vert="horz" lIns="91440" tIns="45720" rIns="91440" bIns="45720" rtlCol="0" anchor="ctr">
+            <a:normAutofit/>
+          </a:bodyPr>
+          <a:lstStyle>
+            <a:lvl1pPr algn="l" defTabSz="914400" rtl="0" eaLnBrk="1" latinLnBrk="0" hangingPunct="1">
+              <a:lnSpc>
+                <a:spcPct val="90000"/>
+              </a:lnSpc>
+              <a:spcBef>
+                <a:spcPct val="0"/>
+              </a:spcBef>
+              <a:buNone/>
+              <a:defRPr sz="4400" kern="1200">
+                <a:solidFill>
+                  <a:schemeClr val="tx1"/>
+                </a:solidFill>
+                <a:latin typeface="+mj-lt"/>
+                <a:ea typeface="+mj-ea"/>
+                <a:cs typeface="+mj-cs"/>
+              </a:defRPr>
+            </a:lvl1pPr>
+          </a:lstStyle>
+          <a:p>
+            <a:r>
+              <a:rPr lang="en-US" sz="3600" b="1" dirty="0">
+                <a:solidFill>
+                  <a:srgbClr val="F8981C"/>
+                </a:solidFill>
+              </a:rPr>
+              <a:t>Stack Overflow Survey</a:t>
+            </a:r>
+          </a:p>
+        </p:txBody>
+      </p:sp>
+      <p:pic>
+        <p:nvPicPr>
+          <p:cNvPr id="5" name="Picture 4">
+            <a:extLst>
+              <a:ext uri="{FF2B5EF4-FFF2-40B4-BE49-F238E27FC236}">
+                <a16:creationId xmlns:a16="http://schemas.microsoft.com/office/drawing/2014/main" id="{38D021C4-FC89-F3DD-A062-0150BA7B2D64}"/>
+              </a:ext>
+            </a:extLst>
+          </p:cNvPr>
+          <p:cNvPicPr>
+            <a:picLocks noChangeAspect="1"/>
+          </p:cNvPicPr>
+          <p:nvPr/>
+        </p:nvPicPr>
+        <p:blipFill>
+          <a:blip r:embed="rId2"/>
+          <a:stretch>
+            <a:fillRect/>
+          </a:stretch>
+        </p:blipFill>
+        <p:spPr>
+          <a:xfrm>
+            <a:off x="929641" y="2117518"/>
+            <a:ext cx="10332720" cy="4067382"/>
+          </a:xfrm>
+          <a:prstGeom prst="rect">
+            <a:avLst/>
+          </a:prstGeom>
+        </p:spPr>
+      </p:pic>
+      <p:sp>
+        <p:nvSpPr>
+          <p:cNvPr id="8" name="Slide Number Placeholder 7">
+            <a:extLst>
+              <a:ext uri="{FF2B5EF4-FFF2-40B4-BE49-F238E27FC236}">
+                <a16:creationId xmlns:a16="http://schemas.microsoft.com/office/drawing/2014/main" id="{370CE06D-EB4C-3165-187A-3D7621246EFE}"/>
+              </a:ext>
+            </a:extLst>
+          </p:cNvPr>
+          <p:cNvSpPr>
+            <a:spLocks noGrp="1"/>
+          </p:cNvSpPr>
+          <p:nvPr>
+            <p:ph type="sldNum" sz="quarter" idx="12"/>
+          </p:nvPr>
+        </p:nvSpPr>
+        <p:spPr/>
+        <p:txBody>
+          <a:bodyPr/>
+          <a:lstStyle/>
+          <a:p>
+            <a:fld id="{1790B155-6E1C-4814-99CE-AE4605F3A38C}" type="slidenum">
+              <a:rPr lang="en-US" smtClean="0"/>
+              <a:t>24</a:t>
+            </a:fld>
+            <a:endParaRPr lang="en-US"/>
+          </a:p>
+        </p:txBody>
+      </p:sp>
+    </p:spTree>
+    <p:extLst>
+      <p:ext uri="{BB962C8B-B14F-4D97-AF65-F5344CB8AC3E}">
+        <p14:creationId xmlns:p14="http://schemas.microsoft.com/office/powerpoint/2010/main" val="3884023078"/>
+      </p:ext>
+    </p:extLst>
+  </p:cSld>
+  <p:clrMapOvr>
+    <a:masterClrMapping/>
+  </p:clrMapOvr>
+</p:sld>
+</file>
+
+<file path=ppt/slides/slide25.xml><?xml version="1.0" encoding="utf-8"?>
+<p:sld xmlns:a="http://schemas.openxmlformats.org/drawingml/2006/main" xmlns:r="http://schemas.openxmlformats.org/officeDocument/2006/relationships" xmlns:p="http://schemas.openxmlformats.org/presentationml/2006/main">
+  <p:cSld>
+    <p:spTree>
+      <p:nvGrpSpPr>
+        <p:cNvPr id="1" name="">
+          <a:extLst>
+            <a:ext uri="{FF2B5EF4-FFF2-40B4-BE49-F238E27FC236}">
+              <a16:creationId xmlns:a16="http://schemas.microsoft.com/office/drawing/2014/main" id="{5D991D3E-6517-31EA-AB98-54BDE15A72B4}"/>
+            </a:ext>
+          </a:extLst>
+        </p:cNvPr>
+        <p:cNvGrpSpPr/>
+        <p:nvPr/>
+      </p:nvGrpSpPr>
+      <p:grpSpPr>
+        <a:xfrm>
+          <a:off x="0" y="0"/>
+          <a:ext cx="0" cy="0"/>
+          <a:chOff x="0" y="0"/>
+          <a:chExt cx="0" cy="0"/>
+        </a:xfrm>
+      </p:grpSpPr>
+      <p:sp>
+        <p:nvSpPr>
+          <p:cNvPr id="2" name="Title 1">
+            <a:extLst>
+              <a:ext uri="{FF2B5EF4-FFF2-40B4-BE49-F238E27FC236}">
+                <a16:creationId xmlns:a16="http://schemas.microsoft.com/office/drawing/2014/main" id="{4141B612-0FDF-6277-7523-B6713DFB9011}"/>
+              </a:ext>
+            </a:extLst>
+          </p:cNvPr>
+          <p:cNvSpPr>
+            <a:spLocks noGrp="1"/>
+          </p:cNvSpPr>
+          <p:nvPr>
+            <p:ph type="title"/>
+          </p:nvPr>
+        </p:nvSpPr>
+        <p:spPr>
+          <a:xfrm>
+            <a:off x="838200" y="365125"/>
+            <a:ext cx="10515600" cy="980959"/>
+          </a:xfrm>
+        </p:spPr>
+        <p:txBody>
+          <a:bodyPr/>
+          <a:lstStyle/>
+          <a:p>
+            <a:r>
+              <a:rPr lang="en-US" b="1" dirty="0">
+                <a:solidFill>
+                  <a:srgbClr val="36ABF3"/>
+                </a:solidFill>
+              </a:rPr>
+              <a:t>Final Outcome</a:t>
+            </a:r>
+          </a:p>
+        </p:txBody>
+      </p:sp>
+      <p:sp>
+        <p:nvSpPr>
+          <p:cNvPr id="3" name="Content Placeholder 2">
+            <a:extLst>
+              <a:ext uri="{FF2B5EF4-FFF2-40B4-BE49-F238E27FC236}">
+                <a16:creationId xmlns:a16="http://schemas.microsoft.com/office/drawing/2014/main" id="{88A9E6C5-3EA1-799B-7342-5940E4C20CA4}"/>
+              </a:ext>
+            </a:extLst>
+          </p:cNvPr>
+          <p:cNvSpPr>
+            <a:spLocks noGrp="1"/>
+          </p:cNvSpPr>
+          <p:nvPr>
+            <p:ph idx="1"/>
+          </p:nvPr>
+        </p:nvSpPr>
+        <p:spPr>
+          <a:xfrm>
+            <a:off x="929640" y="1506072"/>
+            <a:ext cx="10332720" cy="4867834"/>
+          </a:xfrm>
+        </p:spPr>
+        <p:txBody>
+          <a:bodyPr>
+            <a:normAutofit/>
+          </a:bodyPr>
+          <a:lstStyle/>
+          <a:p>
+            <a:pPr algn="just"/>
+            <a:r>
+              <a:rPr lang="en-US" dirty="0"/>
+              <a:t>Streamlines communication between constituents and elected representatives.</a:t>
+            </a:r>
+          </a:p>
+          <a:p>
+            <a:pPr algn="just"/>
+            <a:r>
+              <a:rPr lang="en-US" dirty="0"/>
+              <a:t>Facilitates real-time interactions, complaint submission, and tracking.</a:t>
+            </a:r>
+          </a:p>
+          <a:p>
+            <a:pPr algn="just"/>
+            <a:r>
+              <a:rPr lang="en-US" dirty="0"/>
+              <a:t>Provides transparent monitoring of representatives' performance. </a:t>
+            </a:r>
+          </a:p>
+          <a:p>
+            <a:pPr algn="just"/>
+            <a:r>
+              <a:rPr lang="en-US" dirty="0"/>
+              <a:t>Promotes transparency and accountability through real-time notifications.</a:t>
+            </a:r>
+          </a:p>
+          <a:p>
+            <a:pPr algn="just"/>
+            <a:r>
+              <a:rPr lang="en-US" dirty="0"/>
+              <a:t>Encourages meaningful civic engagement by addressing communication gaps</a:t>
+            </a:r>
+          </a:p>
+        </p:txBody>
+      </p:sp>
+      <p:cxnSp>
+        <p:nvCxnSpPr>
+          <p:cNvPr id="10" name="Straight Connector 9">
+            <a:extLst>
+              <a:ext uri="{FF2B5EF4-FFF2-40B4-BE49-F238E27FC236}">
+                <a16:creationId xmlns:a16="http://schemas.microsoft.com/office/drawing/2014/main" id="{0FA7FE32-B4AF-1ED2-DA1E-E3875BB8906D}"/>
+              </a:ext>
+            </a:extLst>
+          </p:cNvPr>
+          <p:cNvCxnSpPr>
+            <a:cxnSpLocks/>
+          </p:cNvCxnSpPr>
+          <p:nvPr/>
+        </p:nvCxnSpPr>
+        <p:spPr>
+          <a:xfrm>
+            <a:off x="929640" y="1237129"/>
+            <a:ext cx="10332720" cy="0"/>
+          </a:xfrm>
+          <a:prstGeom prst="line">
+            <a:avLst/>
+          </a:prstGeom>
+          <a:ln w="28575"/>
+        </p:spPr>
+        <p:style>
+          <a:lnRef idx="3">
+            <a:schemeClr val="dk1"/>
+          </a:lnRef>
+          <a:fillRef idx="0">
+            <a:schemeClr val="dk1"/>
+          </a:fillRef>
+          <a:effectRef idx="2">
+            <a:schemeClr val="dk1"/>
+          </a:effectRef>
+          <a:fontRef idx="minor">
+            <a:schemeClr val="tx1"/>
+          </a:fontRef>
+        </p:style>
+      </p:cxnSp>
+      <p:sp>
+        <p:nvSpPr>
+          <p:cNvPr id="7" name="Slide Number Placeholder 6">
+            <a:extLst>
+              <a:ext uri="{FF2B5EF4-FFF2-40B4-BE49-F238E27FC236}">
+                <a16:creationId xmlns:a16="http://schemas.microsoft.com/office/drawing/2014/main" id="{C1851673-8C8B-CC7D-B963-C84CB2ADBC9D}"/>
+              </a:ext>
+            </a:extLst>
+          </p:cNvPr>
+          <p:cNvSpPr>
+            <a:spLocks noGrp="1"/>
+          </p:cNvSpPr>
+          <p:nvPr>
+            <p:ph type="sldNum" sz="quarter" idx="12"/>
+          </p:nvPr>
+        </p:nvSpPr>
+        <p:spPr/>
+        <p:txBody>
+          <a:bodyPr/>
+          <a:lstStyle/>
+          <a:p>
+            <a:fld id="{1790B155-6E1C-4814-99CE-AE4605F3A38C}" type="slidenum">
+              <a:rPr lang="en-US" smtClean="0"/>
+              <a:t>25</a:t>
+            </a:fld>
+            <a:endParaRPr lang="en-US"/>
+          </a:p>
+        </p:txBody>
+      </p:sp>
+    </p:spTree>
+    <p:extLst>
+      <p:ext uri="{BB962C8B-B14F-4D97-AF65-F5344CB8AC3E}">
+        <p14:creationId xmlns:p14="http://schemas.microsoft.com/office/powerpoint/2010/main" val="2928183428"/>
+      </p:ext>
+    </p:extLst>
+  </p:cSld>
+  <p:clrMapOvr>
+    <a:masterClrMapping/>
+  </p:clrMapOvr>
+</p:sld>
+</file>
+
+<file path=ppt/slides/slide26.xml><?xml version="1.0" encoding="utf-8"?>
+<p:sld xmlns:a="http://schemas.openxmlformats.org/drawingml/2006/main" xmlns:r="http://schemas.openxmlformats.org/officeDocument/2006/relationships" xmlns:p="http://schemas.openxmlformats.org/presentationml/2006/main">
+  <p:cSld>
+    <p:spTree>
+      <p:nvGrpSpPr>
+        <p:cNvPr id="1" name="">
+          <a:extLst>
+            <a:ext uri="{FF2B5EF4-FFF2-40B4-BE49-F238E27FC236}">
+              <a16:creationId xmlns:a16="http://schemas.microsoft.com/office/drawing/2014/main" id="{47817E88-2BA7-19C0-D7C7-65A10C274608}"/>
+            </a:ext>
+          </a:extLst>
+        </p:cNvPr>
+        <p:cNvGrpSpPr/>
+        <p:nvPr/>
+      </p:nvGrpSpPr>
+      <p:grpSpPr>
+        <a:xfrm>
+          <a:off x="0" y="0"/>
+          <a:ext cx="0" cy="0"/>
+          <a:chOff x="0" y="0"/>
+          <a:chExt cx="0" cy="0"/>
+        </a:xfrm>
+      </p:grpSpPr>
+      <p:sp>
+        <p:nvSpPr>
+          <p:cNvPr id="2" name="Title 1">
+            <a:extLst>
+              <a:ext uri="{FF2B5EF4-FFF2-40B4-BE49-F238E27FC236}">
+                <a16:creationId xmlns:a16="http://schemas.microsoft.com/office/drawing/2014/main" id="{265889A0-E7E6-7B36-E112-61028A6EBA99}"/>
+              </a:ext>
+            </a:extLst>
+          </p:cNvPr>
+          <p:cNvSpPr>
+            <a:spLocks noGrp="1"/>
+          </p:cNvSpPr>
+          <p:nvPr>
+            <p:ph type="title"/>
+          </p:nvPr>
+        </p:nvSpPr>
+        <p:spPr>
+          <a:xfrm>
+            <a:off x="838200" y="365125"/>
+            <a:ext cx="10515600" cy="980959"/>
+          </a:xfrm>
+        </p:spPr>
+        <p:txBody>
+          <a:bodyPr/>
+          <a:lstStyle/>
+          <a:p>
+            <a:r>
+              <a:rPr lang="en-US" b="1" dirty="0">
+                <a:solidFill>
+                  <a:srgbClr val="36ABF3"/>
+                </a:solidFill>
+              </a:rPr>
+              <a:t>References</a:t>
+            </a:r>
+          </a:p>
+        </p:txBody>
+      </p:sp>
+      <p:sp>
+        <p:nvSpPr>
+          <p:cNvPr id="3" name="Content Placeholder 2">
+            <a:extLst>
+              <a:ext uri="{FF2B5EF4-FFF2-40B4-BE49-F238E27FC236}">
+                <a16:creationId xmlns:a16="http://schemas.microsoft.com/office/drawing/2014/main" id="{DFD6CD5D-2F25-4E34-A8EE-A51CE4BCD2D0}"/>
+              </a:ext>
+            </a:extLst>
+          </p:cNvPr>
+          <p:cNvSpPr>
+            <a:spLocks noGrp="1"/>
+          </p:cNvSpPr>
+          <p:nvPr>
+            <p:ph idx="1"/>
+          </p:nvPr>
+        </p:nvSpPr>
+        <p:spPr>
+          <a:xfrm>
+            <a:off x="929640" y="1506072"/>
+            <a:ext cx="10332720" cy="4867834"/>
+          </a:xfrm>
+        </p:spPr>
+        <p:txBody>
+          <a:bodyPr>
+            <a:normAutofit/>
+          </a:bodyPr>
+          <a:lstStyle/>
+          <a:p>
+            <a:pPr marL="514350" indent="-514350" algn="just">
+              <a:buFont typeface="+mj-lt"/>
+              <a:buAutoNum type="arabicPeriod"/>
+            </a:pPr>
+            <a:r>
+              <a:rPr lang="en-US" dirty="0">
+                <a:hlinkClick r:id="rId2"/>
+              </a:rPr>
+              <a:t>https://www.fixmystreet.com/</a:t>
+            </a:r>
+            <a:endParaRPr lang="en-US" dirty="0"/>
+          </a:p>
+          <a:p>
+            <a:pPr marL="514350" indent="-514350" algn="just">
+              <a:buFont typeface="+mj-lt"/>
+              <a:buAutoNum type="arabicPeriod"/>
+            </a:pPr>
+            <a:r>
+              <a:rPr lang="en-US" dirty="0">
+                <a:hlinkClick r:id="rId3"/>
+              </a:rPr>
+              <a:t>https://seeclickfix.com/</a:t>
+            </a:r>
+            <a:endParaRPr lang="en-US" dirty="0"/>
+          </a:p>
+          <a:p>
+            <a:pPr marL="514350" indent="-514350" algn="just">
+              <a:buFont typeface="+mj-lt"/>
+              <a:buAutoNum type="arabicPeriod"/>
+            </a:pPr>
+            <a:r>
+              <a:rPr lang="en-US" dirty="0">
+                <a:hlinkClick r:id="rId4"/>
+              </a:rPr>
+              <a:t>https://neighborland.com/</a:t>
+            </a:r>
+            <a:endParaRPr lang="en-US" dirty="0"/>
+          </a:p>
+          <a:p>
+            <a:pPr marL="514350" indent="-514350" algn="just">
+              <a:buFont typeface="+mj-lt"/>
+              <a:buAutoNum type="arabicPeriod"/>
+            </a:pPr>
+            <a:r>
+              <a:rPr lang="en-US" dirty="0">
+                <a:hlinkClick r:id="rId5"/>
+              </a:rPr>
+              <a:t>https://web.citizenportal.gov.pk/</a:t>
+            </a:r>
+            <a:endParaRPr lang="en-US" dirty="0"/>
+          </a:p>
+          <a:p>
+            <a:pPr marL="514350" indent="-514350" algn="just">
+              <a:buFont typeface="+mj-lt"/>
+              <a:buAutoNum type="arabicPeriod"/>
+            </a:pPr>
+            <a:r>
+              <a:rPr lang="en-US" dirty="0">
+                <a:hlinkClick r:id="rId6"/>
+              </a:rPr>
+              <a:t>https://www.wikipedia.org/</a:t>
+            </a:r>
+            <a:endParaRPr lang="en-US" dirty="0"/>
+          </a:p>
+          <a:p>
+            <a:pPr marL="514350" indent="-514350" algn="just">
+              <a:buFont typeface="+mj-lt"/>
+              <a:buAutoNum type="arabicPeriod"/>
+            </a:pPr>
+            <a:r>
+              <a:rPr lang="en-US" dirty="0">
+                <a:hlinkClick r:id="rId7"/>
+              </a:rPr>
+              <a:t>https://survey.stackoverflow.co/2024/</a:t>
+            </a:r>
+            <a:endParaRPr lang="en-US" dirty="0"/>
+          </a:p>
+          <a:p>
+            <a:pPr marL="514350" indent="-514350" algn="just">
+              <a:buFont typeface="+mj-lt"/>
+              <a:buAutoNum type="arabicPeriod"/>
+            </a:pPr>
+            <a:endParaRPr lang="en-US" dirty="0"/>
+          </a:p>
+          <a:p>
+            <a:pPr marL="514350" indent="-514350" algn="just">
+              <a:buFont typeface="+mj-lt"/>
+              <a:buAutoNum type="arabicPeriod"/>
+            </a:pPr>
+            <a:endParaRPr lang="en-US" dirty="0"/>
+          </a:p>
+          <a:p>
+            <a:pPr marL="514350" indent="-514350" algn="just">
+              <a:buFont typeface="+mj-lt"/>
+              <a:buAutoNum type="arabicPeriod"/>
+            </a:pPr>
+            <a:endParaRPr lang="en-US" dirty="0"/>
+          </a:p>
+        </p:txBody>
+      </p:sp>
+      <p:cxnSp>
+        <p:nvCxnSpPr>
+          <p:cNvPr id="10" name="Straight Connector 9">
+            <a:extLst>
+              <a:ext uri="{FF2B5EF4-FFF2-40B4-BE49-F238E27FC236}">
+                <a16:creationId xmlns:a16="http://schemas.microsoft.com/office/drawing/2014/main" id="{BF17DA16-74ED-D978-B12E-3E18B981D11E}"/>
+              </a:ext>
+            </a:extLst>
+          </p:cNvPr>
+          <p:cNvCxnSpPr>
+            <a:cxnSpLocks/>
+          </p:cNvCxnSpPr>
+          <p:nvPr/>
+        </p:nvCxnSpPr>
+        <p:spPr>
+          <a:xfrm>
+            <a:off x="929640" y="1237129"/>
+            <a:ext cx="10332720" cy="0"/>
+          </a:xfrm>
+          <a:prstGeom prst="line">
+            <a:avLst/>
+          </a:prstGeom>
+          <a:ln w="28575"/>
+        </p:spPr>
+        <p:style>
+          <a:lnRef idx="3">
+            <a:schemeClr val="dk1"/>
+          </a:lnRef>
+          <a:fillRef idx="0">
+            <a:schemeClr val="dk1"/>
+          </a:fillRef>
+          <a:effectRef idx="2">
+            <a:schemeClr val="dk1"/>
+          </a:effectRef>
+          <a:fontRef idx="minor">
+            <a:schemeClr val="tx1"/>
+          </a:fontRef>
+        </p:style>
+      </p:cxnSp>
+      <p:sp>
+        <p:nvSpPr>
+          <p:cNvPr id="7" name="Slide Number Placeholder 6">
+            <a:extLst>
+              <a:ext uri="{FF2B5EF4-FFF2-40B4-BE49-F238E27FC236}">
+                <a16:creationId xmlns:a16="http://schemas.microsoft.com/office/drawing/2014/main" id="{A0D4DC48-410D-DADF-D496-22B210B186B9}"/>
+              </a:ext>
+            </a:extLst>
+          </p:cNvPr>
+          <p:cNvSpPr>
+            <a:spLocks noGrp="1"/>
+          </p:cNvSpPr>
+          <p:nvPr>
+            <p:ph type="sldNum" sz="quarter" idx="12"/>
+          </p:nvPr>
+        </p:nvSpPr>
+        <p:spPr/>
+        <p:txBody>
+          <a:bodyPr/>
+          <a:lstStyle/>
+          <a:p>
+            <a:fld id="{1790B155-6E1C-4814-99CE-AE4605F3A38C}" type="slidenum">
+              <a:rPr lang="en-US" smtClean="0"/>
+              <a:t>26</a:t>
+            </a:fld>
+            <a:endParaRPr lang="en-US"/>
+          </a:p>
+        </p:txBody>
+      </p:sp>
+    </p:spTree>
+    <p:extLst>
+      <p:ext uri="{BB962C8B-B14F-4D97-AF65-F5344CB8AC3E}">
+        <p14:creationId xmlns:p14="http://schemas.microsoft.com/office/powerpoint/2010/main" val="2225989421"/>
+      </p:ext>
+    </p:extLst>
+  </p:cSld>
+  <p:clrMapOvr>
+    <a:masterClrMapping/>
+  </p:clrMapOvr>
+</p:sld>
+</file>
+
+<file path=ppt/slides/slide27.xml><?xml version="1.0" encoding="utf-8"?>
 <p:sld xmlns:a="http://schemas.openxmlformats.org/drawingml/2006/main" xmlns:r="http://schemas.openxmlformats.org/officeDocument/2006/relationships" xmlns:p="http://schemas.openxmlformats.org/presentationml/2006/main">
   <p:cSld>
     <p:spTree>
@@ -9347,6 +9626,43 @@
           </a:prstGeom>
         </p:spPr>
       </p:pic>
+      <p:sp>
+        <p:nvSpPr>
+          <p:cNvPr id="6" name="Slide Number Placeholder 5">
+            <a:extLst>
+              <a:ext uri="{FF2B5EF4-FFF2-40B4-BE49-F238E27FC236}">
+                <a16:creationId xmlns:a16="http://schemas.microsoft.com/office/drawing/2014/main" id="{70589062-2EA7-7043-C8C8-08813EC9A99D}"/>
+              </a:ext>
+            </a:extLst>
+          </p:cNvPr>
+          <p:cNvSpPr>
+            <a:spLocks noGrp="1"/>
+          </p:cNvSpPr>
+          <p:nvPr>
+            <p:ph type="sldNum" sz="quarter" idx="12"/>
+          </p:nvPr>
+        </p:nvSpPr>
+        <p:spPr/>
+        <p:txBody>
+          <a:bodyPr/>
+          <a:lstStyle/>
+          <a:p>
+            <a:fld id="{1790B155-6E1C-4814-99CE-AE4605F3A38C}" type="slidenum">
+              <a:rPr lang="en-US" sz="1400" b="1" smtClean="0">
+                <a:solidFill>
+                  <a:schemeClr val="tx1"/>
+                </a:solidFill>
+              </a:rPr>
+              <a:t>27</a:t>
+            </a:fld>
+            <a:endParaRPr lang="en-US" b="1" dirty="0">
+              <a:solidFill>
+                <a:schemeClr val="tx1"/>
+              </a:solidFill>
+            </a:endParaRPr>
+          </a:p>
+        </p:txBody>
+      </p:sp>
     </p:spTree>
     <p:extLst>
       <p:ext uri="{BB962C8B-B14F-4D97-AF65-F5344CB8AC3E}">
@@ -9360,7 +9676,7 @@
 </p:sld>
 </file>
 
-<file path=ppt/slides/slide4.xml><?xml version="1.0" encoding="utf-8"?>
+<file path=ppt/slides/slide3.xml><?xml version="1.0" encoding="utf-8"?>
 <p:sld xmlns:a="http://schemas.openxmlformats.org/drawingml/2006/main" xmlns:r="http://schemas.openxmlformats.org/officeDocument/2006/relationships" xmlns:p="http://schemas.openxmlformats.org/presentationml/2006/main">
   <p:cSld>
     <p:spTree>
@@ -9421,7 +9737,7 @@
         <p:spPr>
           <a:xfrm>
             <a:off x="929640" y="1346085"/>
-            <a:ext cx="10332720" cy="2970422"/>
+            <a:ext cx="10332720" cy="2701480"/>
           </a:xfrm>
         </p:spPr>
         <p:txBody>
@@ -9442,14 +9758,6 @@
               <a:rPr lang="en-US" dirty="0"/>
               <a:t>The platform enables users to report complaints, participate in surveys, track performance, and engage with representatives through real-time updates and virtual meetups.</a:t>
             </a:r>
-          </a:p>
-          <a:p>
-            <a:pPr algn="just"/>
-            <a:endParaRPr lang="en-US" dirty="0"/>
-          </a:p>
-          <a:p>
-            <a:pPr algn="just"/>
-            <a:endParaRPr lang="en-US" dirty="0"/>
           </a:p>
         </p:txBody>
       </p:sp>
@@ -9763,10 +10071,284 @@
           </a:fontRef>
         </p:style>
       </p:cxnSp>
+      <p:sp>
+        <p:nvSpPr>
+          <p:cNvPr id="9" name="Slide Number Placeholder 8">
+            <a:extLst>
+              <a:ext uri="{FF2B5EF4-FFF2-40B4-BE49-F238E27FC236}">
+                <a16:creationId xmlns:a16="http://schemas.microsoft.com/office/drawing/2014/main" id="{D0E8A62C-2F22-16D8-FD33-F443855ABB8E}"/>
+              </a:ext>
+            </a:extLst>
+          </p:cNvPr>
+          <p:cNvSpPr>
+            <a:spLocks noGrp="1"/>
+          </p:cNvSpPr>
+          <p:nvPr>
+            <p:ph type="sldNum" sz="quarter" idx="12"/>
+          </p:nvPr>
+        </p:nvSpPr>
+        <p:spPr/>
+        <p:txBody>
+          <a:bodyPr/>
+          <a:lstStyle/>
+          <a:p>
+            <a:fld id="{1790B155-6E1C-4814-99CE-AE4605F3A38C}" type="slidenum">
+              <a:rPr lang="en-US" smtClean="0"/>
+              <a:t>3</a:t>
+            </a:fld>
+            <a:endParaRPr lang="en-US" dirty="0"/>
+          </a:p>
+        </p:txBody>
+      </p:sp>
     </p:spTree>
     <p:extLst>
       <p:ext uri="{BB962C8B-B14F-4D97-AF65-F5344CB8AC3E}">
         <p14:creationId xmlns:p14="http://schemas.microsoft.com/office/powerpoint/2010/main" val="4184228135"/>
+      </p:ext>
+    </p:extLst>
+  </p:cSld>
+  <p:clrMapOvr>
+    <a:masterClrMapping/>
+  </p:clrMapOvr>
+</p:sld>
+</file>
+
+<file path=ppt/slides/slide4.xml><?xml version="1.0" encoding="utf-8"?>
+<p:sld xmlns:a="http://schemas.openxmlformats.org/drawingml/2006/main" xmlns:r="http://schemas.openxmlformats.org/officeDocument/2006/relationships" xmlns:p="http://schemas.openxmlformats.org/presentationml/2006/main">
+  <p:cSld>
+    <p:spTree>
+      <p:nvGrpSpPr>
+        <p:cNvPr id="1" name=""/>
+        <p:cNvGrpSpPr/>
+        <p:nvPr/>
+      </p:nvGrpSpPr>
+      <p:grpSpPr>
+        <a:xfrm>
+          <a:off x="0" y="0"/>
+          <a:ext cx="0" cy="0"/>
+          <a:chOff x="0" y="0"/>
+          <a:chExt cx="0" cy="0"/>
+        </a:xfrm>
+      </p:grpSpPr>
+      <p:sp>
+        <p:nvSpPr>
+          <p:cNvPr id="2" name="Title 1"/>
+          <p:cNvSpPr>
+            <a:spLocks noGrp="1"/>
+          </p:cNvSpPr>
+          <p:nvPr>
+            <p:ph type="title"/>
+          </p:nvPr>
+        </p:nvSpPr>
+        <p:spPr>
+          <a:xfrm>
+            <a:off x="838200" y="365125"/>
+            <a:ext cx="10515600" cy="980959"/>
+          </a:xfrm>
+        </p:spPr>
+        <p:txBody>
+          <a:bodyPr/>
+          <a:lstStyle/>
+          <a:p>
+            <a:r>
+              <a:rPr lang="en-US" b="1" dirty="0">
+                <a:solidFill>
+                  <a:srgbClr val="36ABF3"/>
+                </a:solidFill>
+              </a:rPr>
+              <a:t>Introduction</a:t>
+            </a:r>
+          </a:p>
+        </p:txBody>
+      </p:sp>
+      <p:sp>
+        <p:nvSpPr>
+          <p:cNvPr id="3" name="Content Placeholder 2"/>
+          <p:cNvSpPr>
+            <a:spLocks noGrp="1"/>
+          </p:cNvSpPr>
+          <p:nvPr>
+            <p:ph idx="1"/>
+          </p:nvPr>
+        </p:nvSpPr>
+        <p:spPr>
+          <a:xfrm>
+            <a:off x="929640" y="1990166"/>
+            <a:ext cx="10332720" cy="4867834"/>
+          </a:xfrm>
+        </p:spPr>
+        <p:txBody>
+          <a:bodyPr>
+            <a:normAutofit/>
+          </a:bodyPr>
+          <a:lstStyle/>
+          <a:p>
+            <a:pPr algn="just"/>
+            <a:r>
+              <a:rPr lang="en-US" dirty="0"/>
+              <a:t>Complaint Reporting: Allows users to file complaints and track progress.</a:t>
+            </a:r>
+          </a:p>
+          <a:p>
+            <a:pPr algn="just"/>
+            <a:r>
+              <a:rPr lang="en-US" dirty="0"/>
+              <a:t>Performance Tracking: Track the performance of representatives with data visualizations.</a:t>
+            </a:r>
+          </a:p>
+          <a:p>
+            <a:pPr algn="just"/>
+            <a:r>
+              <a:rPr lang="en-US" dirty="0"/>
+              <a:t>Real-Time Updates: Stay informed with live updates on complaint statuses, event notifications, etc.</a:t>
+            </a:r>
+          </a:p>
+          <a:p>
+            <a:pPr algn="just"/>
+            <a:r>
+              <a:rPr lang="en-US" dirty="0"/>
+              <a:t>Virtual Meetups: Enable citizens to engage in video conferencing sessions with representatives.</a:t>
+            </a:r>
+          </a:p>
+          <a:p>
+            <a:pPr algn="just"/>
+            <a:r>
+              <a:rPr lang="en-US" dirty="0"/>
+              <a:t>Surveys and Polls: Gather feedback on public issues through interactive surveys and polls.</a:t>
+            </a:r>
+          </a:p>
+        </p:txBody>
+      </p:sp>
+      <p:cxnSp>
+        <p:nvCxnSpPr>
+          <p:cNvPr id="10" name="Straight Connector 9">
+            <a:extLst>
+              <a:ext uri="{FF2B5EF4-FFF2-40B4-BE49-F238E27FC236}">
+                <a16:creationId xmlns:a16="http://schemas.microsoft.com/office/drawing/2014/main" id="{5C4D56EA-8905-CAFF-FA8B-91B461D57C36}"/>
+              </a:ext>
+            </a:extLst>
+          </p:cNvPr>
+          <p:cNvCxnSpPr>
+            <a:cxnSpLocks/>
+          </p:cNvCxnSpPr>
+          <p:nvPr/>
+        </p:nvCxnSpPr>
+        <p:spPr>
+          <a:xfrm>
+            <a:off x="929640" y="1237129"/>
+            <a:ext cx="10332720" cy="0"/>
+          </a:xfrm>
+          <a:prstGeom prst="line">
+            <a:avLst/>
+          </a:prstGeom>
+          <a:ln w="28575"/>
+        </p:spPr>
+        <p:style>
+          <a:lnRef idx="3">
+            <a:schemeClr val="dk1"/>
+          </a:lnRef>
+          <a:fillRef idx="0">
+            <a:schemeClr val="dk1"/>
+          </a:fillRef>
+          <a:effectRef idx="2">
+            <a:schemeClr val="dk1"/>
+          </a:effectRef>
+          <a:fontRef idx="minor">
+            <a:schemeClr val="tx1"/>
+          </a:fontRef>
+        </p:style>
+      </p:cxnSp>
+      <p:sp>
+        <p:nvSpPr>
+          <p:cNvPr id="4" name="Title 1">
+            <a:extLst>
+              <a:ext uri="{FF2B5EF4-FFF2-40B4-BE49-F238E27FC236}">
+                <a16:creationId xmlns:a16="http://schemas.microsoft.com/office/drawing/2014/main" id="{7ED9CE21-68A5-DE6F-C9B3-F22A1957B184}"/>
+              </a:ext>
+            </a:extLst>
+          </p:cNvPr>
+          <p:cNvSpPr txBox="1">
+            <a:spLocks/>
+          </p:cNvSpPr>
+          <p:nvPr/>
+        </p:nvSpPr>
+        <p:spPr>
+          <a:xfrm>
+            <a:off x="838200" y="1150051"/>
+            <a:ext cx="10515600" cy="959083"/>
+          </a:xfrm>
+          <a:prstGeom prst="rect">
+            <a:avLst/>
+          </a:prstGeom>
+        </p:spPr>
+        <p:txBody>
+          <a:bodyPr vert="horz" lIns="91440" tIns="45720" rIns="91440" bIns="45720" rtlCol="0" anchor="ctr">
+            <a:normAutofit/>
+          </a:bodyPr>
+          <a:lstStyle>
+            <a:lvl1pPr algn="l" defTabSz="914400" rtl="0" eaLnBrk="1" latinLnBrk="0" hangingPunct="1">
+              <a:lnSpc>
+                <a:spcPct val="90000"/>
+              </a:lnSpc>
+              <a:spcBef>
+                <a:spcPct val="0"/>
+              </a:spcBef>
+              <a:buNone/>
+              <a:defRPr sz="4400" kern="1200">
+                <a:solidFill>
+                  <a:schemeClr val="tx1"/>
+                </a:solidFill>
+                <a:latin typeface="+mj-lt"/>
+                <a:ea typeface="+mj-ea"/>
+                <a:cs typeface="+mj-cs"/>
+              </a:defRPr>
+            </a:lvl1pPr>
+          </a:lstStyle>
+          <a:p>
+            <a:r>
+              <a:rPr lang="en-US" sz="3600" b="1" dirty="0">
+                <a:solidFill>
+                  <a:srgbClr val="F8981C"/>
+                </a:solidFill>
+              </a:rPr>
+              <a:t>Key Features</a:t>
+            </a:r>
+          </a:p>
+        </p:txBody>
+      </p:sp>
+      <p:sp>
+        <p:nvSpPr>
+          <p:cNvPr id="8" name="Slide Number Placeholder 7">
+            <a:extLst>
+              <a:ext uri="{FF2B5EF4-FFF2-40B4-BE49-F238E27FC236}">
+                <a16:creationId xmlns:a16="http://schemas.microsoft.com/office/drawing/2014/main" id="{D74061B9-A7AA-4A09-7456-E8EC9FDB8CC3}"/>
+              </a:ext>
+            </a:extLst>
+          </p:cNvPr>
+          <p:cNvSpPr>
+            <a:spLocks noGrp="1"/>
+          </p:cNvSpPr>
+          <p:nvPr>
+            <p:ph type="sldNum" sz="quarter" idx="12"/>
+          </p:nvPr>
+        </p:nvSpPr>
+        <p:spPr/>
+        <p:txBody>
+          <a:bodyPr/>
+          <a:lstStyle/>
+          <a:p>
+            <a:fld id="{1790B155-6E1C-4814-99CE-AE4605F3A38C}" type="slidenum">
+              <a:rPr lang="en-US" smtClean="0"/>
+              <a:t>4</a:t>
+            </a:fld>
+            <a:endParaRPr lang="en-US"/>
+          </a:p>
+        </p:txBody>
+      </p:sp>
+    </p:spTree>
+    <p:extLst>
+      <p:ext uri="{BB962C8B-B14F-4D97-AF65-F5344CB8AC3E}">
+        <p14:creationId xmlns:p14="http://schemas.microsoft.com/office/powerpoint/2010/main" val="1833708666"/>
       </p:ext>
     </p:extLst>
   </p:cSld>
@@ -9819,7 +10401,7 @@
                   <a:srgbClr val="36ABF3"/>
                 </a:solidFill>
               </a:rPr>
-              <a:t>Introduction</a:t>
+              <a:t>Literature Review</a:t>
             </a:r>
           </a:p>
         </p:txBody>
@@ -9846,38 +10428,66 @@
           </a:bodyPr>
           <a:lstStyle/>
           <a:p>
-            <a:pPr algn="just"/>
+            <a:pPr marL="0" indent="0" algn="just">
+              <a:buNone/>
+            </a:pPr>
+            <a:r>
+              <a:rPr lang="en-US" b="1" dirty="0"/>
+              <a:t>FixMyStreet</a:t>
+            </a:r>
             <a:r>
               <a:rPr lang="en-US" dirty="0"/>
-              <a:t>Complaint Reporting: Allows users to file complaints and track progress.</a:t>
-            </a:r>
-          </a:p>
-          <a:p>
-            <a:pPr algn="just"/>
+              <a:t> is a web-based platform that allows citizens to report public service issues (potholes, streetlights, etc.) directly to local authorities, improving local governance and transparency.</a:t>
+            </a:r>
+          </a:p>
+          <a:p>
+            <a:pPr marL="0" indent="0" algn="just">
+              <a:buNone/>
+            </a:pPr>
+            <a:r>
+              <a:rPr lang="en-US" b="1" dirty="0"/>
+              <a:t>Features:</a:t>
+            </a:r>
+            <a:endParaRPr lang="en-US" dirty="0"/>
+          </a:p>
+          <a:p>
+            <a:pPr algn="just">
+              <a:buFont typeface="Arial" panose="020B0604020202020204" pitchFamily="34" charset="0"/>
+              <a:buChar char="•"/>
+            </a:pPr>
             <a:r>
               <a:rPr lang="en-US" dirty="0"/>
-              <a:t>Performance Tracking: Track the performance of representatives with data visualizations.</a:t>
-            </a:r>
-          </a:p>
-          <a:p>
-            <a:pPr algn="just"/>
+              <a:t>Location-based reporting</a:t>
+            </a:r>
+          </a:p>
+          <a:p>
+            <a:pPr algn="just">
+              <a:buFont typeface="Arial" panose="020B0604020202020204" pitchFamily="34" charset="0"/>
+              <a:buChar char="•"/>
+            </a:pPr>
             <a:r>
               <a:rPr lang="en-US" dirty="0"/>
-              <a:t>Real-Time Updates: Stay informed with live updates on complaint statuses, event notifications, etc.</a:t>
-            </a:r>
-          </a:p>
-          <a:p>
-            <a:pPr algn="just"/>
+              <a:t>Reports are visible to everyone, encouraging public accountability.</a:t>
+            </a:r>
+          </a:p>
+          <a:p>
+            <a:pPr algn="just">
+              <a:buFont typeface="Arial" panose="020B0604020202020204" pitchFamily="34" charset="0"/>
+              <a:buChar char="•"/>
+            </a:pPr>
             <a:r>
               <a:rPr lang="en-US" dirty="0"/>
-              <a:t>Virtual Meetups: Enable citizens to engage in video conferencing sessions with representatives.</a:t>
-            </a:r>
-          </a:p>
-          <a:p>
-            <a:pPr algn="just"/>
+              <a:t>Easy-to-use interface for submitting complaints. </a:t>
+            </a:r>
+          </a:p>
+          <a:p>
+            <a:pPr algn="just">
+              <a:buFont typeface="Arial" panose="020B0604020202020204" pitchFamily="34" charset="0"/>
+              <a:buChar char="•"/>
+            </a:pPr>
             <a:r>
               <a:rPr lang="en-US" dirty="0"/>
-              <a:t>Surveys and Polls: Gather feedback on public issues through interactive surveys and polls.</a:t>
+              <a:t>Many local authorities integrate FixMyStreet into their internal systems, allowing for automated workflows and streamlined complaint handling.</a:t>
             </a:r>
           </a:p>
         </p:txBody>
@@ -9937,8 +10547,8 @@
         </p:nvSpPr>
         <p:spPr>
           <a:xfrm>
-            <a:off x="838200" y="1150051"/>
-            <a:ext cx="10515600" cy="959083"/>
+            <a:off x="929640" y="1150051"/>
+            <a:ext cx="10332720" cy="959083"/>
           </a:xfrm>
           <a:prstGeom prst="rect">
             <a:avLst/>
@@ -9974,15 +10584,44 @@
                   <a:srgbClr val="F8981C"/>
                 </a:solidFill>
               </a:rPr>
-              <a:t>Key Features</a:t>
-            </a:r>
+              <a:t>FixMyStreet:</a:t>
+            </a:r>
+          </a:p>
+        </p:txBody>
+      </p:sp>
+      <p:sp>
+        <p:nvSpPr>
+          <p:cNvPr id="8" name="Slide Number Placeholder 7">
+            <a:extLst>
+              <a:ext uri="{FF2B5EF4-FFF2-40B4-BE49-F238E27FC236}">
+                <a16:creationId xmlns:a16="http://schemas.microsoft.com/office/drawing/2014/main" id="{5601D0F6-FC37-A84C-9AC5-4D84C9691305}"/>
+              </a:ext>
+            </a:extLst>
+          </p:cNvPr>
+          <p:cNvSpPr>
+            <a:spLocks noGrp="1"/>
+          </p:cNvSpPr>
+          <p:nvPr>
+            <p:ph type="sldNum" sz="quarter" idx="12"/>
+          </p:nvPr>
+        </p:nvSpPr>
+        <p:spPr/>
+        <p:txBody>
+          <a:bodyPr/>
+          <a:lstStyle/>
+          <a:p>
+            <a:fld id="{1790B155-6E1C-4814-99CE-AE4605F3A38C}" type="slidenum">
+              <a:rPr lang="en-US" smtClean="0"/>
+              <a:t>5</a:t>
+            </a:fld>
+            <a:endParaRPr lang="en-US"/>
           </a:p>
         </p:txBody>
       </p:sp>
     </p:spTree>
     <p:extLst>
       <p:ext uri="{BB962C8B-B14F-4D97-AF65-F5344CB8AC3E}">
-        <p14:creationId xmlns:p14="http://schemas.microsoft.com/office/powerpoint/2010/main" val="1833708666"/>
+        <p14:creationId xmlns:p14="http://schemas.microsoft.com/office/powerpoint/2010/main" val="3980791"/>
       </p:ext>
     </p:extLst>
   </p:cSld>
@@ -10019,7 +10658,12 @@
             <p:ph type="title"/>
           </p:nvPr>
         </p:nvSpPr>
-        <p:spPr/>
+        <p:spPr>
+          <a:xfrm>
+            <a:off x="838200" y="365125"/>
+            <a:ext cx="10515600" cy="980959"/>
+          </a:xfrm>
+        </p:spPr>
         <p:txBody>
           <a:bodyPr/>
           <a:lstStyle/>
@@ -10027,9 +10671,7 @@
             <a:r>
               <a:rPr lang="en-US" b="1" dirty="0">
                 <a:solidFill>
-                  <a:schemeClr val="accent1">
-                    <a:lumMod val="75000"/>
-                  </a:schemeClr>
+                  <a:srgbClr val="36ABF3"/>
                 </a:solidFill>
               </a:rPr>
               <a:t>Literature Review</a:t>
@@ -10047,30 +10689,152 @@
             <p:ph idx="1"/>
           </p:nvPr>
         </p:nvSpPr>
+        <p:spPr>
+          <a:xfrm>
+            <a:off x="929640" y="1346084"/>
+            <a:ext cx="10332720" cy="5511916"/>
+          </a:xfrm>
+        </p:spPr>
+        <p:txBody>
+          <a:bodyPr>
+            <a:normAutofit/>
+          </a:bodyPr>
+          <a:lstStyle/>
+          <a:p>
+            <a:pPr marL="0" indent="0" algn="just">
+              <a:buNone/>
+            </a:pPr>
+            <a:r>
+              <a:rPr lang="en-US" b="1" dirty="0"/>
+              <a:t>Shortcomings:</a:t>
+            </a:r>
+            <a:endParaRPr lang="en-US" dirty="0"/>
+          </a:p>
+          <a:p>
+            <a:pPr algn="just">
+              <a:buFont typeface="Arial" panose="020B0604020202020204" pitchFamily="34" charset="0"/>
+              <a:buChar char="•"/>
+            </a:pPr>
+            <a:r>
+              <a:rPr lang="en-US" dirty="0"/>
+              <a:t>Focus mainly on infrastructure problems, missing broader community engagement features like surveys or virtual meetups.</a:t>
+            </a:r>
+          </a:p>
+          <a:p>
+            <a:pPr algn="just">
+              <a:buFont typeface="Arial" panose="020B0604020202020204" pitchFamily="34" charset="0"/>
+              <a:buChar char="•"/>
+            </a:pPr>
+            <a:r>
+              <a:rPr lang="en-US" dirty="0"/>
+              <a:t>Does not offer real-time updates and performance tracking for representatives.</a:t>
+            </a:r>
+          </a:p>
+          <a:p>
+            <a:pPr marL="0" indent="0" algn="just">
+              <a:buNone/>
+            </a:pPr>
+            <a:r>
+              <a:rPr lang="en-US" b="1" dirty="0"/>
+              <a:t>Technologies:</a:t>
+            </a:r>
+          </a:p>
+          <a:p>
+            <a:pPr algn="just"/>
+            <a:r>
+              <a:rPr lang="en-US" dirty="0"/>
+              <a:t>jQuery</a:t>
+            </a:r>
+          </a:p>
+          <a:p>
+            <a:pPr algn="just"/>
+            <a:r>
+              <a:rPr lang="en-US" dirty="0" err="1"/>
+              <a:t>RequireJS</a:t>
+            </a:r>
+            <a:endParaRPr lang="en-US" dirty="0"/>
+          </a:p>
+          <a:p>
+            <a:pPr algn="just"/>
+            <a:r>
+              <a:rPr lang="en-US" dirty="0"/>
+              <a:t>Nginx</a:t>
+            </a:r>
+          </a:p>
+        </p:txBody>
+      </p:sp>
+      <p:cxnSp>
+        <p:nvCxnSpPr>
+          <p:cNvPr id="10" name="Straight Connector 9">
+            <a:extLst>
+              <a:ext uri="{FF2B5EF4-FFF2-40B4-BE49-F238E27FC236}">
+                <a16:creationId xmlns:a16="http://schemas.microsoft.com/office/drawing/2014/main" id="{5C4D56EA-8905-CAFF-FA8B-91B461D57C36}"/>
+              </a:ext>
+            </a:extLst>
+          </p:cNvPr>
+          <p:cNvCxnSpPr>
+            <a:cxnSpLocks/>
+          </p:cNvCxnSpPr>
+          <p:nvPr/>
+        </p:nvCxnSpPr>
+        <p:spPr>
+          <a:xfrm>
+            <a:off x="929640" y="1237129"/>
+            <a:ext cx="10332720" cy="0"/>
+          </a:xfrm>
+          <a:prstGeom prst="line">
+            <a:avLst/>
+          </a:prstGeom>
+          <a:ln w="28575"/>
+        </p:spPr>
+        <p:style>
+          <a:lnRef idx="3">
+            <a:schemeClr val="dk1"/>
+          </a:lnRef>
+          <a:fillRef idx="0">
+            <a:schemeClr val="dk1"/>
+          </a:fillRef>
+          <a:effectRef idx="2">
+            <a:schemeClr val="dk1"/>
+          </a:effectRef>
+          <a:fontRef idx="minor">
+            <a:schemeClr val="tx1"/>
+          </a:fontRef>
+        </p:style>
+      </p:cxnSp>
+      <p:sp>
+        <p:nvSpPr>
+          <p:cNvPr id="7" name="Slide Number Placeholder 6">
+            <a:extLst>
+              <a:ext uri="{FF2B5EF4-FFF2-40B4-BE49-F238E27FC236}">
+                <a16:creationId xmlns:a16="http://schemas.microsoft.com/office/drawing/2014/main" id="{FD400BD4-4303-E7A6-C54C-620BE64260D4}"/>
+              </a:ext>
+            </a:extLst>
+          </p:cNvPr>
+          <p:cNvSpPr>
+            <a:spLocks noGrp="1"/>
+          </p:cNvSpPr>
+          <p:nvPr>
+            <p:ph type="sldNum" sz="quarter" idx="12"/>
+          </p:nvPr>
+        </p:nvSpPr>
         <p:spPr/>
         <p:txBody>
           <a:bodyPr/>
           <a:lstStyle/>
           <a:p>
-            <a:pPr algn="just"/>
-            <a:r>
-              <a:rPr lang="en-US" dirty="0"/>
-              <a:t>Prepare at-least five (5) slides and develop a base for your project starting from initial technology/research. </a:t>
-            </a:r>
-          </a:p>
-          <a:p>
-            <a:pPr algn="just"/>
-            <a:r>
-              <a:rPr lang="en-US" dirty="0"/>
-              <a:t>Properly reference previously used tools and technologies [3].</a:t>
-            </a:r>
+            <a:fld id="{1790B155-6E1C-4814-99CE-AE4605F3A38C}" type="slidenum">
+              <a:rPr lang="en-US" smtClean="0"/>
+              <a:t>6</a:t>
+            </a:fld>
+            <a:endParaRPr lang="en-US"/>
           </a:p>
         </p:txBody>
       </p:sp>
     </p:spTree>
     <p:extLst>
       <p:ext uri="{BB962C8B-B14F-4D97-AF65-F5344CB8AC3E}">
-        <p14:creationId xmlns:p14="http://schemas.microsoft.com/office/powerpoint/2010/main" val="1249639538"/>
+        <p14:creationId xmlns:p14="http://schemas.microsoft.com/office/powerpoint/2010/main" val="2543601590"/>
       </p:ext>
     </p:extLst>
   </p:cSld>
@@ -10155,11 +10919,11 @@
             </a:pPr>
             <a:r>
               <a:rPr lang="en-US" b="1" dirty="0"/>
-              <a:t>FixMyStreet</a:t>
+              <a:t>SeeClickFix</a:t>
             </a:r>
             <a:r>
               <a:rPr lang="en-US" dirty="0"/>
-              <a:t> is a web-based platform that allows citizens to report public service issues (potholes, streetlights, etc.) directly to local authorities, improving local governance and transparency.</a:t>
+              <a:t> is a platform that allows citizens to report non-emergency issues in their neighborhoods and engage with local governments for resolution.</a:t>
             </a:r>
           </a:p>
           <a:p>
@@ -10179,7 +10943,7 @@
             </a:pPr>
             <a:r>
               <a:rPr lang="en-US" dirty="0"/>
-              <a:t>Location-based reporting</a:t>
+              <a:t>Mobile and Web App for easy access and issue reporting.</a:t>
             </a:r>
           </a:p>
           <a:p>
@@ -10189,7 +10953,7 @@
             </a:pPr>
             <a:r>
               <a:rPr lang="en-US" dirty="0"/>
-              <a:t>Reports are visible to everyone, encouraging public accountability.</a:t>
+              <a:t>Direct interaction between citizens and officials, allowing users to receive feedback on the progress of their complaints. </a:t>
             </a:r>
           </a:p>
           <a:p>
@@ -10199,17 +10963,7 @@
             </a:pPr>
             <a:r>
               <a:rPr lang="en-US" dirty="0"/>
-              <a:t>Easy-to-use interface for submitting complaints. </a:t>
-            </a:r>
-          </a:p>
-          <a:p>
-            <a:pPr algn="just">
-              <a:buFont typeface="Arial" panose="020B0604020202020204" pitchFamily="34" charset="0"/>
-              <a:buChar char="•"/>
-            </a:pPr>
-            <a:r>
-              <a:rPr lang="en-US" dirty="0"/>
-              <a:t>Many local authorities integrate FixMyStreet into their internal systems, allowing for automated workflows and streamlined complaint handling.</a:t>
+              <a:t>Map-based tracking of problems.</a:t>
             </a:r>
           </a:p>
         </p:txBody>
@@ -10306,15 +11060,44 @@
                   <a:srgbClr val="F8981C"/>
                 </a:solidFill>
               </a:rPr>
-              <a:t>FixMyStreet:</a:t>
-            </a:r>
+              <a:t>SeeClickFix</a:t>
+            </a:r>
+          </a:p>
+        </p:txBody>
+      </p:sp>
+      <p:sp>
+        <p:nvSpPr>
+          <p:cNvPr id="8" name="Slide Number Placeholder 7">
+            <a:extLst>
+              <a:ext uri="{FF2B5EF4-FFF2-40B4-BE49-F238E27FC236}">
+                <a16:creationId xmlns:a16="http://schemas.microsoft.com/office/drawing/2014/main" id="{8A57B1F4-C6BC-BE09-96C3-3705D2302CCE}"/>
+              </a:ext>
+            </a:extLst>
+          </p:cNvPr>
+          <p:cNvSpPr>
+            <a:spLocks noGrp="1"/>
+          </p:cNvSpPr>
+          <p:nvPr>
+            <p:ph type="sldNum" sz="quarter" idx="12"/>
+          </p:nvPr>
+        </p:nvSpPr>
+        <p:spPr/>
+        <p:txBody>
+          <a:bodyPr/>
+          <a:lstStyle/>
+          <a:p>
+            <a:fld id="{1790B155-6E1C-4814-99CE-AE4605F3A38C}" type="slidenum">
+              <a:rPr lang="en-US" smtClean="0"/>
+              <a:t>7</a:t>
+            </a:fld>
+            <a:endParaRPr lang="en-US"/>
           </a:p>
         </p:txBody>
       </p:sp>
     </p:spTree>
     <p:extLst>
       <p:ext uri="{BB962C8B-B14F-4D97-AF65-F5344CB8AC3E}">
-        <p14:creationId xmlns:p14="http://schemas.microsoft.com/office/powerpoint/2010/main" val="3980791"/>
+        <p14:creationId xmlns:p14="http://schemas.microsoft.com/office/powerpoint/2010/main" val="4035673482"/>
       </p:ext>
     </p:extLst>
   </p:cSld>
@@ -10384,8 +11167,8 @@
         </p:nvSpPr>
         <p:spPr>
           <a:xfrm>
-            <a:off x="929640" y="1346084"/>
-            <a:ext cx="10332720" cy="5511916"/>
+            <a:off x="929640" y="1346083"/>
+            <a:ext cx="10332720" cy="5511915"/>
           </a:xfrm>
         </p:spPr>
         <p:txBody>
@@ -10394,7 +11177,7 @@
           </a:bodyPr>
           <a:lstStyle/>
           <a:p>
-            <a:pPr marL="0" indent="0">
+            <a:pPr marL="0" indent="0" algn="just">
               <a:buNone/>
             </a:pPr>
             <a:r>
@@ -10404,27 +11187,37 @@
             <a:endParaRPr lang="en-US" dirty="0"/>
           </a:p>
           <a:p>
-            <a:pPr>
+            <a:pPr algn="just">
               <a:buFont typeface="Arial" panose="020B0604020202020204" pitchFamily="34" charset="0"/>
               <a:buChar char="•"/>
             </a:pPr>
             <a:r>
               <a:rPr lang="en-US" dirty="0"/>
-              <a:t>Focus mainly on infrastructure problems, missing broader community engagement features like surveys or virtual meetups.</a:t>
-            </a:r>
-          </a:p>
-          <a:p>
-            <a:pPr>
+              <a:t>Primarily focuses on physical infrastructure issues rather than broader civic engagement.</a:t>
+            </a:r>
+          </a:p>
+          <a:p>
+            <a:pPr algn="just">
               <a:buFont typeface="Arial" panose="020B0604020202020204" pitchFamily="34" charset="0"/>
               <a:buChar char="•"/>
             </a:pPr>
             <a:r>
               <a:rPr lang="en-US" dirty="0"/>
-              <a:t>Does not offer real-time updates and performance tracking for representatives.</a:t>
-            </a:r>
-          </a:p>
-          <a:p>
-            <a:pPr marL="0" indent="0">
+              <a:t>Lacks features for virtual engagement (like virtual meetups/surveys).</a:t>
+            </a:r>
+          </a:p>
+          <a:p>
+            <a:pPr algn="just">
+              <a:buFont typeface="Arial" panose="020B0604020202020204" pitchFamily="34" charset="0"/>
+              <a:buChar char="•"/>
+            </a:pPr>
+            <a:r>
+              <a:rPr lang="en-US" dirty="0"/>
+              <a:t>Limited feedback mechanisms for performance tracking</a:t>
+            </a:r>
+          </a:p>
+          <a:p>
+            <a:pPr marL="0" indent="0" algn="just">
               <a:buNone/>
             </a:pPr>
             <a:r>
@@ -10433,19 +11226,28 @@
             </a:r>
           </a:p>
           <a:p>
+            <a:pPr algn="just"/>
+            <a:r>
+              <a:rPr lang="en-US" dirty="0"/>
+              <a:t>Bootstrap</a:t>
+            </a:r>
+          </a:p>
+          <a:p>
+            <a:pPr algn="just"/>
             <a:r>
               <a:rPr lang="en-US" dirty="0"/>
               <a:t>jQuery</a:t>
             </a:r>
           </a:p>
           <a:p>
-            <a:r>
-              <a:rPr lang="en-US" dirty="0" err="1"/>
-              <a:t>RequireJS</a:t>
-            </a:r>
-            <a:endParaRPr lang="en-US" dirty="0"/>
-          </a:p>
-          <a:p>
+            <a:pPr algn="just"/>
+            <a:r>
+              <a:rPr lang="en-US" dirty="0"/>
+              <a:t>Ruby on Rails</a:t>
+            </a:r>
+          </a:p>
+          <a:p>
+            <a:pPr algn="just"/>
             <a:r>
               <a:rPr lang="en-US" dirty="0"/>
               <a:t>Nginx</a:t>
@@ -10492,10 +11294,39 @@
           </a:fontRef>
         </p:style>
       </p:cxnSp>
+      <p:sp>
+        <p:nvSpPr>
+          <p:cNvPr id="7" name="Slide Number Placeholder 6">
+            <a:extLst>
+              <a:ext uri="{FF2B5EF4-FFF2-40B4-BE49-F238E27FC236}">
+                <a16:creationId xmlns:a16="http://schemas.microsoft.com/office/drawing/2014/main" id="{0455AE4B-2C79-E6C7-A064-E4967B1B60E9}"/>
+              </a:ext>
+            </a:extLst>
+          </p:cNvPr>
+          <p:cNvSpPr>
+            <a:spLocks noGrp="1"/>
+          </p:cNvSpPr>
+          <p:nvPr>
+            <p:ph type="sldNum" sz="quarter" idx="12"/>
+          </p:nvPr>
+        </p:nvSpPr>
+        <p:spPr/>
+        <p:txBody>
+          <a:bodyPr/>
+          <a:lstStyle/>
+          <a:p>
+            <a:fld id="{1790B155-6E1C-4814-99CE-AE4605F3A38C}" type="slidenum">
+              <a:rPr lang="en-US" smtClean="0"/>
+              <a:t>8</a:t>
+            </a:fld>
+            <a:endParaRPr lang="en-US"/>
+          </a:p>
+        </p:txBody>
+      </p:sp>
     </p:spTree>
     <p:extLst>
       <p:ext uri="{BB962C8B-B14F-4D97-AF65-F5344CB8AC3E}">
-        <p14:creationId xmlns:p14="http://schemas.microsoft.com/office/powerpoint/2010/main" val="2543601590"/>
+        <p14:creationId xmlns:p14="http://schemas.microsoft.com/office/powerpoint/2010/main" val="4109786924"/>
       </p:ext>
     </p:extLst>
   </p:cSld>
@@ -10580,11 +11411,11 @@
             </a:pPr>
             <a:r>
               <a:rPr lang="en-US" b="1" dirty="0"/>
-              <a:t>SeeClickFix</a:t>
+              <a:t>Neighbourland</a:t>
             </a:r>
             <a:r>
               <a:rPr lang="en-US" dirty="0"/>
-              <a:t> is a platform that allows citizens to report non-emergency issues in their neighborhoods and engage with local governments for resolution.</a:t>
+              <a:t> is a civic engagement tool that empowers residents to collaborate on ideas for improving public spaces and local governance.</a:t>
             </a:r>
           </a:p>
           <a:p>
@@ -10604,7 +11435,7 @@
             </a:pPr>
             <a:r>
               <a:rPr lang="en-US" dirty="0"/>
-              <a:t>Mobile and Web App for easy access and issue reporting.</a:t>
+              <a:t>Citizens can propose and discuss ideas to improve their neighborhoods, helping to shape government projects and decisions.</a:t>
             </a:r>
           </a:p>
           <a:p>
@@ -10614,7 +11445,7 @@
             </a:pPr>
             <a:r>
               <a:rPr lang="en-US" dirty="0"/>
-              <a:t>Direct interaction between citizens and officials, allowing users to receive feedback on the progress of their complaints. </a:t>
+              <a:t>Surveys and polls for gathering community opinions.</a:t>
             </a:r>
           </a:p>
           <a:p>
@@ -10624,7 +11455,7 @@
             </a:pPr>
             <a:r>
               <a:rPr lang="en-US" dirty="0"/>
-              <a:t>Map-based tracking of problems.</a:t>
+              <a:t>Focuses on community-driven projects, allowing citizens to follow the progress of initiatives they care about.</a:t>
             </a:r>
           </a:p>
         </p:txBody>
@@ -10721,15 +11552,44 @@
                   <a:srgbClr val="F8981C"/>
                 </a:solidFill>
               </a:rPr>
-              <a:t>SeeClickFix</a:t>
-            </a:r>
+              <a:t>Neighbourland</a:t>
+            </a:r>
+          </a:p>
+        </p:txBody>
+      </p:sp>
+      <p:sp>
+        <p:nvSpPr>
+          <p:cNvPr id="8" name="Slide Number Placeholder 7">
+            <a:extLst>
+              <a:ext uri="{FF2B5EF4-FFF2-40B4-BE49-F238E27FC236}">
+                <a16:creationId xmlns:a16="http://schemas.microsoft.com/office/drawing/2014/main" id="{5F906E69-0A3C-B9A3-85EA-7C61C4116BBB}"/>
+              </a:ext>
+            </a:extLst>
+          </p:cNvPr>
+          <p:cNvSpPr>
+            <a:spLocks noGrp="1"/>
+          </p:cNvSpPr>
+          <p:nvPr>
+            <p:ph type="sldNum" sz="quarter" idx="12"/>
+          </p:nvPr>
+        </p:nvSpPr>
+        <p:spPr/>
+        <p:txBody>
+          <a:bodyPr/>
+          <a:lstStyle/>
+          <a:p>
+            <a:fld id="{1790B155-6E1C-4814-99CE-AE4605F3A38C}" type="slidenum">
+              <a:rPr lang="en-US" smtClean="0"/>
+              <a:t>9</a:t>
+            </a:fld>
+            <a:endParaRPr lang="en-US"/>
           </a:p>
         </p:txBody>
       </p:sp>
     </p:spTree>
     <p:extLst>
       <p:ext uri="{BB962C8B-B14F-4D97-AF65-F5344CB8AC3E}">
-        <p14:creationId xmlns:p14="http://schemas.microsoft.com/office/powerpoint/2010/main" val="4035673482"/>
+        <p14:creationId xmlns:p14="http://schemas.microsoft.com/office/powerpoint/2010/main" val="4045273008"/>
       </p:ext>
     </p:extLst>
   </p:cSld>
